--- a/zeiterfassung_Projekt_Präsentation.pptx
+++ b/zeiterfassung_Projekt_Präsentation.pptx
@@ -6,19 +6,22 @@
   </p:sldMasterIdLst>
   <p:sldIdLst>
     <p:sldId id="256" r:id="rId2"/>
-    <p:sldId id="257" r:id="rId3"/>
-    <p:sldId id="258" r:id="rId4"/>
+    <p:sldId id="273" r:id="rId3"/>
+    <p:sldId id="257" r:id="rId4"/>
     <p:sldId id="259" r:id="rId5"/>
     <p:sldId id="260" r:id="rId6"/>
     <p:sldId id="261" r:id="rId7"/>
     <p:sldId id="262" r:id="rId8"/>
-    <p:sldId id="263" r:id="rId9"/>
-    <p:sldId id="264" r:id="rId10"/>
-    <p:sldId id="265" r:id="rId11"/>
-    <p:sldId id="266" r:id="rId12"/>
-    <p:sldId id="267" r:id="rId13"/>
-    <p:sldId id="268" r:id="rId14"/>
-    <p:sldId id="269" r:id="rId15"/>
+    <p:sldId id="264" r:id="rId9"/>
+    <p:sldId id="272" r:id="rId10"/>
+    <p:sldId id="270" r:id="rId11"/>
+    <p:sldId id="271" r:id="rId12"/>
+    <p:sldId id="263" r:id="rId13"/>
+    <p:sldId id="265" r:id="rId14"/>
+    <p:sldId id="266" r:id="rId15"/>
+    <p:sldId id="267" r:id="rId16"/>
+    <p:sldId id="268" r:id="rId17"/>
+    <p:sldId id="269" r:id="rId18"/>
   </p:sldIdLst>
   <p:sldSz cx="12192000" cy="6858000"/>
   <p:notesSz cx="6858000" cy="9144000"/>
@@ -3501,60 +3504,6 @@
       </p:sp>
       <p:sp>
         <p:nvSpPr>
-          <p:cNvPr id="5" name="Title 1">
-            <a:extLst>
-              <a:ext uri="{FF2B5EF4-FFF2-40B4-BE49-F238E27FC236}">
-                <a16:creationId xmlns:a16="http://schemas.microsoft.com/office/drawing/2014/main" id="{AAF3D22A-804F-B584-1809-3A8C5B96C88E}"/>
-              </a:ext>
-            </a:extLst>
-          </p:cNvPr>
-          <p:cNvSpPr txBox="1">
-            <a:spLocks/>
-          </p:cNvSpPr>
-          <p:nvPr/>
-        </p:nvSpPr>
-        <p:spPr>
-          <a:xfrm>
-            <a:off x="3092093" y="88712"/>
-            <a:ext cx="8229600" cy="1143000"/>
-          </a:xfrm>
-          <a:prstGeom prst="rect">
-            <a:avLst/>
-          </a:prstGeom>
-        </p:spPr>
-        <p:txBody>
-          <a:bodyPr vert="horz" lIns="91440" tIns="45720" rIns="91440" bIns="45720" rtlCol="0" anchor="b">
-            <a:normAutofit fontScale="77500" lnSpcReduction="20000"/>
-          </a:bodyPr>
-          <a:lstStyle>
-            <a:lvl1pPr algn="ctr" defTabSz="914400" rtl="0" eaLnBrk="1" latinLnBrk="0" hangingPunct="1">
-              <a:lnSpc>
-                <a:spcPct val="90000"/>
-              </a:lnSpc>
-              <a:spcBef>
-                <a:spcPct val="0"/>
-              </a:spcBef>
-              <a:buNone/>
-              <a:defRPr sz="6000" kern="1200">
-                <a:solidFill>
-                  <a:schemeClr val="tx1"/>
-                </a:solidFill>
-                <a:latin typeface="+mj-lt"/>
-                <a:ea typeface="+mj-ea"/>
-                <a:cs typeface="+mj-cs"/>
-              </a:defRPr>
-            </a:lvl1pPr>
-          </a:lstStyle>
-          <a:p>
-            <a:r>
-              <a:rPr lang="de-DE" dirty="0"/>
-              <a:t>Digitale Zeiterfassung &amp; Datenanalyse</a:t>
-            </a:r>
-          </a:p>
-        </p:txBody>
-      </p:sp>
-      <p:sp>
-        <p:nvSpPr>
           <p:cNvPr id="7" name="Content Placeholder 2">
             <a:extLst>
               <a:ext uri="{FF2B5EF4-FFF2-40B4-BE49-F238E27FC236}">
@@ -3755,7 +3704,7 @@
                   <a:schemeClr val="bg1"/>
                 </a:solidFill>
               </a:rPr>
-              <a:t>Projekt zur Analyse meiner Lernzeiten</a:t>
+              <a:t>Datum/zeit</a:t>
             </a:r>
           </a:p>
           <a:p>
@@ -3769,7 +3718,7 @@
                   <a:schemeClr val="bg1"/>
                 </a:solidFill>
               </a:rPr>
-              <a:t>Technologien: Streamlit, AWS, Power BI</a:t>
+              <a:t>ETL/AWS</a:t>
             </a:r>
           </a:p>
           <a:p>
@@ -3783,11 +3732,52 @@
                   <a:schemeClr val="bg1"/>
                 </a:solidFill>
               </a:rPr>
-              <a:t>Ziel: Lernen datenbasiert auswerten</a:t>
-            </a:r>
-          </a:p>
-        </p:txBody>
-      </p:sp>
+              <a:t>Power BI</a:t>
+            </a:r>
+          </a:p>
+          <a:p>
+            <a:pPr marL="285750" indent="-285750" algn="l">
+              <a:buFont typeface="Wingdings" panose="05000000000000000000" pitchFamily="2" charset="2"/>
+              <a:buChar char="Ø"/>
+            </a:pPr>
+            <a:endParaRPr lang="de-DE" sz="1400" dirty="0">
+              <a:solidFill>
+                <a:schemeClr val="bg1"/>
+              </a:solidFill>
+            </a:endParaRPr>
+          </a:p>
+        </p:txBody>
+      </p:sp>
+      <p:pic>
+        <p:nvPicPr>
+          <p:cNvPr id="14" name="Grafik 13">
+            <a:extLst>
+              <a:ext uri="{FF2B5EF4-FFF2-40B4-BE49-F238E27FC236}">
+                <a16:creationId xmlns:a16="http://schemas.microsoft.com/office/drawing/2014/main" id="{BF9B38FA-2ABB-48BC-9A75-5D8F7221704D}"/>
+              </a:ext>
+            </a:extLst>
+          </p:cNvPr>
+          <p:cNvPicPr>
+            <a:picLocks noChangeAspect="1"/>
+          </p:cNvPicPr>
+          <p:nvPr/>
+        </p:nvPicPr>
+        <p:blipFill>
+          <a:blip r:embed="rId3"/>
+          <a:stretch>
+            <a:fillRect/>
+          </a:stretch>
+        </p:blipFill>
+        <p:spPr>
+          <a:xfrm>
+            <a:off x="2501932" y="226949"/>
+            <a:ext cx="9611798" cy="6404101"/>
+          </a:xfrm>
+          <a:prstGeom prst="rect">
+            <a:avLst/>
+          </a:prstGeom>
+        </p:spPr>
+      </p:pic>
     </p:spTree>
     <p:extLst>
       <p:ext uri="{BB962C8B-B14F-4D97-AF65-F5344CB8AC3E}">
@@ -3819,7 +3809,7 @@
         <p:cNvPr id="1" name="">
           <a:extLst>
             <a:ext uri="{FF2B5EF4-FFF2-40B4-BE49-F238E27FC236}">
-              <a16:creationId xmlns:a16="http://schemas.microsoft.com/office/drawing/2014/main" id="{DACA52A6-D8EE-AD83-981D-F5D63C93E0AC}"/>
+              <a16:creationId xmlns:a16="http://schemas.microsoft.com/office/drawing/2014/main" id="{0F70B0D2-C218-D0C7-F2B5-209FEA223A56}"/>
             </a:ext>
           </a:extLst>
         </p:cNvPr>
@@ -3839,7 +3829,7 @@
           <p:cNvPr id="6" name="Rechteck 5">
             <a:extLst>
               <a:ext uri="{FF2B5EF4-FFF2-40B4-BE49-F238E27FC236}">
-                <a16:creationId xmlns:a16="http://schemas.microsoft.com/office/drawing/2014/main" id="{07BA002D-D014-1038-587A-8EA77C04E276}"/>
+                <a16:creationId xmlns:a16="http://schemas.microsoft.com/office/drawing/2014/main" id="{B81AA4C2-C187-CADC-5DC6-7D8AD37FC7B1}"/>
               </a:ext>
             </a:extLst>
           </p:cNvPr>
@@ -3900,7 +3890,7 @@
           <p:cNvPr id="2" name="Grafik 1">
             <a:extLst>
               <a:ext uri="{FF2B5EF4-FFF2-40B4-BE49-F238E27FC236}">
-                <a16:creationId xmlns:a16="http://schemas.microsoft.com/office/drawing/2014/main" id="{EA9DC840-5A9B-8B0F-E86A-AA4E9D5B4014}"/>
+                <a16:creationId xmlns:a16="http://schemas.microsoft.com/office/drawing/2014/main" id="{1572A633-A063-EA0E-0A84-F7BF1F934B20}"/>
               </a:ext>
             </a:extLst>
           </p:cNvPr>
@@ -3930,7 +3920,7 @@
           <p:cNvPr id="3" name="Textfeld 2">
             <a:extLst>
               <a:ext uri="{FF2B5EF4-FFF2-40B4-BE49-F238E27FC236}">
-                <a16:creationId xmlns:a16="http://schemas.microsoft.com/office/drawing/2014/main" id="{945277F5-A559-BF15-9885-024D77BCE495}"/>
+                <a16:creationId xmlns:a16="http://schemas.microsoft.com/office/drawing/2014/main" id="{6252E467-0F49-A24E-8484-D6E1FE928B70}"/>
               </a:ext>
             </a:extLst>
           </p:cNvPr>
@@ -4001,7 +3991,7 @@
           <p:cNvPr id="5" name="Title 1">
             <a:extLst>
               <a:ext uri="{FF2B5EF4-FFF2-40B4-BE49-F238E27FC236}">
-                <a16:creationId xmlns:a16="http://schemas.microsoft.com/office/drawing/2014/main" id="{1992A27B-6238-3C2C-237E-444144098D8D}"/>
+                <a16:creationId xmlns:a16="http://schemas.microsoft.com/office/drawing/2014/main" id="{35D48BB6-E37E-A50E-D63A-308010EE0427}"/>
               </a:ext>
             </a:extLst>
           </p:cNvPr>
@@ -4012,7 +4002,7 @@
         </p:nvSpPr>
         <p:spPr>
           <a:xfrm>
-            <a:off x="3092093" y="88712"/>
+            <a:off x="3030908" y="515574"/>
             <a:ext cx="8229600" cy="1143000"/>
           </a:xfrm>
           <a:prstGeom prst="rect">
@@ -4021,7 +4011,7 @@
         </p:spPr>
         <p:txBody>
           <a:bodyPr vert="horz" lIns="91440" tIns="45720" rIns="91440" bIns="45720" rtlCol="0" anchor="b">
-            <a:normAutofit fontScale="85000" lnSpcReduction="10000"/>
+            <a:normAutofit/>
           </a:bodyPr>
           <a:lstStyle>
             <a:lvl1pPr algn="ctr" defTabSz="914400" rtl="0" eaLnBrk="1" latinLnBrk="0" hangingPunct="1">
@@ -4045,7 +4035,7 @@
           <a:p>
             <a:r>
               <a:rPr lang="de-DE" dirty="0"/>
-              <a:t>Warum Dimensionstabellen?</a:t>
+              <a:t>Datenbasis</a:t>
             </a:r>
           </a:p>
         </p:txBody>
@@ -4055,7 +4045,7 @@
           <p:cNvPr id="7" name="Content Placeholder 2">
             <a:extLst>
               <a:ext uri="{FF2B5EF4-FFF2-40B4-BE49-F238E27FC236}">
-                <a16:creationId xmlns:a16="http://schemas.microsoft.com/office/drawing/2014/main" id="{AF2F47F1-8683-BB94-D0C6-8B29F8DCBB4E}"/>
+                <a16:creationId xmlns:a16="http://schemas.microsoft.com/office/drawing/2014/main" id="{2C91BE95-3102-E08C-1180-F489008BCCD8}"/>
               </a:ext>
             </a:extLst>
           </p:cNvPr>
@@ -4252,7 +4242,7 @@
                   <a:schemeClr val="bg1"/>
                 </a:solidFill>
               </a:rPr>
-              <a:t>Saubere Struktur</a:t>
+              <a:t>Fact_s3_zeiterfassung</a:t>
             </a:r>
           </a:p>
           <a:p>
@@ -4266,7 +4256,7 @@
                   <a:schemeClr val="bg1"/>
                 </a:solidFill>
               </a:rPr>
-              <a:t>Korrekte Sortierung</a:t>
+              <a:t>Datum</a:t>
             </a:r>
           </a:p>
           <a:p>
@@ -4280,7 +4270,814 @@
                   <a:schemeClr val="bg1"/>
                 </a:solidFill>
               </a:rPr>
-              <a:t>Bessere Auswertungen</a:t>
+              <a:t>Startzeit / Endzeit</a:t>
+            </a:r>
+          </a:p>
+          <a:p>
+            <a:pPr marL="285750" indent="-285750" algn="l">
+              <a:buFont typeface="Wingdings" panose="05000000000000000000" pitchFamily="2" charset="2"/>
+              <a:buChar char="Ø"/>
+            </a:pPr>
+            <a:r>
+              <a:rPr lang="de-DE" sz="1400" dirty="0">
+                <a:solidFill>
+                  <a:schemeClr val="bg1"/>
+                </a:solidFill>
+              </a:rPr>
+              <a:t> Dauer (h)</a:t>
+            </a:r>
+          </a:p>
+          <a:p>
+            <a:pPr marL="285750" indent="-285750" algn="l">
+              <a:buFont typeface="Wingdings" panose="05000000000000000000" pitchFamily="2" charset="2"/>
+              <a:buChar char="Ø"/>
+            </a:pPr>
+            <a:r>
+              <a:rPr lang="de-DE" sz="1400" dirty="0" err="1">
+                <a:solidFill>
+                  <a:schemeClr val="bg1"/>
+                </a:solidFill>
+              </a:rPr>
+              <a:t>Lernart_ID</a:t>
+            </a:r>
+            <a:endParaRPr lang="de-DE" sz="1400" dirty="0">
+              <a:solidFill>
+                <a:schemeClr val="bg1"/>
+              </a:solidFill>
+            </a:endParaRPr>
+          </a:p>
+          <a:p>
+            <a:pPr marL="285750" indent="-285750" algn="l">
+              <a:buFont typeface="Wingdings" panose="05000000000000000000" pitchFamily="2" charset="2"/>
+              <a:buChar char="Ø"/>
+            </a:pPr>
+            <a:r>
+              <a:rPr lang="de-DE" sz="1400" dirty="0" err="1">
+                <a:solidFill>
+                  <a:schemeClr val="bg1"/>
+                </a:solidFill>
+              </a:rPr>
+              <a:t>Kursname_ID</a:t>
+            </a:r>
+            <a:endParaRPr lang="de-DE" sz="1400" dirty="0">
+              <a:solidFill>
+                <a:schemeClr val="bg1"/>
+              </a:solidFill>
+            </a:endParaRPr>
+          </a:p>
+        </p:txBody>
+      </p:sp>
+      <p:sp>
+        <p:nvSpPr>
+          <p:cNvPr id="4" name="Title 1">
+            <a:extLst>
+              <a:ext uri="{FF2B5EF4-FFF2-40B4-BE49-F238E27FC236}">
+                <a16:creationId xmlns:a16="http://schemas.microsoft.com/office/drawing/2014/main" id="{D28B7B72-8AB9-FAFD-6367-66E376C31D49}"/>
+              </a:ext>
+            </a:extLst>
+          </p:cNvPr>
+          <p:cNvSpPr>
+            <a:spLocks noGrp="1"/>
+          </p:cNvSpPr>
+          <p:nvPr/>
+        </p:nvSpPr>
+        <p:spPr>
+          <a:xfrm>
+            <a:off x="3380629" y="1231712"/>
+            <a:ext cx="8229600" cy="1143000"/>
+          </a:xfrm>
+          <a:prstGeom prst="rect">
+            <a:avLst/>
+          </a:prstGeom>
+        </p:spPr>
+        <p:txBody>
+          <a:bodyPr vert="horz" lIns="91440" tIns="45720" rIns="91440" bIns="45720" rtlCol="0" anchor="ctr">
+            <a:normAutofit/>
+          </a:bodyPr>
+          <a:lstStyle>
+            <a:lvl1pPr algn="ctr" defTabSz="457200" rtl="0" eaLnBrk="1" latinLnBrk="0" hangingPunct="1">
+              <a:spcBef>
+                <a:spcPct val="0"/>
+              </a:spcBef>
+              <a:buNone/>
+              <a:defRPr sz="4400" kern="1200">
+                <a:solidFill>
+                  <a:schemeClr val="tx1"/>
+                </a:solidFill>
+                <a:latin typeface="+mj-lt"/>
+                <a:ea typeface="+mj-ea"/>
+                <a:cs typeface="+mj-cs"/>
+              </a:defRPr>
+            </a:lvl1pPr>
+          </a:lstStyle>
+          <a:p>
+            <a:r>
+              <a:rPr dirty="0"/>
+              <a:t>Tagesabschnitt – Idee</a:t>
+            </a:r>
+          </a:p>
+        </p:txBody>
+      </p:sp>
+      <p:sp>
+        <p:nvSpPr>
+          <p:cNvPr id="11" name="Content Placeholder 2">
+            <a:extLst>
+              <a:ext uri="{FF2B5EF4-FFF2-40B4-BE49-F238E27FC236}">
+                <a16:creationId xmlns:a16="http://schemas.microsoft.com/office/drawing/2014/main" id="{EFCA4FDE-9219-BDDD-3F4F-01D9D306DC9E}"/>
+              </a:ext>
+            </a:extLst>
+          </p:cNvPr>
+          <p:cNvSpPr>
+            <a:spLocks noGrp="1"/>
+          </p:cNvSpPr>
+          <p:nvPr/>
+        </p:nvSpPr>
+        <p:spPr>
+          <a:xfrm>
+            <a:off x="3147752" y="2290910"/>
+            <a:ext cx="8229600" cy="1942941"/>
+          </a:xfrm>
+          <a:prstGeom prst="rect">
+            <a:avLst/>
+          </a:prstGeom>
+        </p:spPr>
+        <p:txBody>
+          <a:bodyPr vert="horz" lIns="91440" tIns="45720" rIns="91440" bIns="45720" rtlCol="0">
+            <a:normAutofit/>
+          </a:bodyPr>
+          <a:lstStyle>
+            <a:lvl1pPr marL="342900" indent="-342900" algn="l" defTabSz="457200" rtl="0" eaLnBrk="1" latinLnBrk="0" hangingPunct="1">
+              <a:spcBef>
+                <a:spcPct val="20000"/>
+              </a:spcBef>
+              <a:buFont typeface="Arial"/>
+              <a:buChar char="•"/>
+              <a:defRPr sz="3200" kern="1200">
+                <a:solidFill>
+                  <a:schemeClr val="tx1"/>
+                </a:solidFill>
+                <a:latin typeface="+mn-lt"/>
+                <a:ea typeface="+mn-ea"/>
+                <a:cs typeface="+mn-cs"/>
+              </a:defRPr>
+            </a:lvl1pPr>
+            <a:lvl2pPr marL="742950" indent="-285750" algn="l" defTabSz="457200" rtl="0" eaLnBrk="1" latinLnBrk="0" hangingPunct="1">
+              <a:spcBef>
+                <a:spcPct val="20000"/>
+              </a:spcBef>
+              <a:buFont typeface="Arial"/>
+              <a:buChar char="–"/>
+              <a:defRPr sz="2800" kern="1200">
+                <a:solidFill>
+                  <a:schemeClr val="tx1"/>
+                </a:solidFill>
+                <a:latin typeface="+mn-lt"/>
+                <a:ea typeface="+mn-ea"/>
+                <a:cs typeface="+mn-cs"/>
+              </a:defRPr>
+            </a:lvl2pPr>
+            <a:lvl3pPr marL="1143000" indent="-228600" algn="l" defTabSz="457200" rtl="0" eaLnBrk="1" latinLnBrk="0" hangingPunct="1">
+              <a:spcBef>
+                <a:spcPct val="20000"/>
+              </a:spcBef>
+              <a:buFont typeface="Arial"/>
+              <a:buChar char="•"/>
+              <a:defRPr sz="2400" kern="1200">
+                <a:solidFill>
+                  <a:schemeClr val="tx1"/>
+                </a:solidFill>
+                <a:latin typeface="+mn-lt"/>
+                <a:ea typeface="+mn-ea"/>
+                <a:cs typeface="+mn-cs"/>
+              </a:defRPr>
+            </a:lvl3pPr>
+            <a:lvl4pPr marL="1600200" indent="-228600" algn="l" defTabSz="457200" rtl="0" eaLnBrk="1" latinLnBrk="0" hangingPunct="1">
+              <a:spcBef>
+                <a:spcPct val="20000"/>
+              </a:spcBef>
+              <a:buFont typeface="Arial"/>
+              <a:buChar char="–"/>
+              <a:defRPr sz="2000" kern="1200">
+                <a:solidFill>
+                  <a:schemeClr val="tx1"/>
+                </a:solidFill>
+                <a:latin typeface="+mn-lt"/>
+                <a:ea typeface="+mn-ea"/>
+                <a:cs typeface="+mn-cs"/>
+              </a:defRPr>
+            </a:lvl4pPr>
+            <a:lvl5pPr marL="2057400" indent="-228600" algn="l" defTabSz="457200" rtl="0" eaLnBrk="1" latinLnBrk="0" hangingPunct="1">
+              <a:spcBef>
+                <a:spcPct val="20000"/>
+              </a:spcBef>
+              <a:buFont typeface="Arial"/>
+              <a:buChar char="»"/>
+              <a:defRPr sz="2000" kern="1200">
+                <a:solidFill>
+                  <a:schemeClr val="tx1"/>
+                </a:solidFill>
+                <a:latin typeface="+mn-lt"/>
+                <a:ea typeface="+mn-ea"/>
+                <a:cs typeface="+mn-cs"/>
+              </a:defRPr>
+            </a:lvl5pPr>
+            <a:lvl6pPr marL="2514600" indent="-228600" algn="l" defTabSz="457200" rtl="0" eaLnBrk="1" latinLnBrk="0" hangingPunct="1">
+              <a:spcBef>
+                <a:spcPct val="20000"/>
+              </a:spcBef>
+              <a:buFont typeface="Arial"/>
+              <a:buChar char="•"/>
+              <a:defRPr sz="2000" kern="1200">
+                <a:solidFill>
+                  <a:schemeClr val="tx1"/>
+                </a:solidFill>
+                <a:latin typeface="+mn-lt"/>
+                <a:ea typeface="+mn-ea"/>
+                <a:cs typeface="+mn-cs"/>
+              </a:defRPr>
+            </a:lvl6pPr>
+            <a:lvl7pPr marL="2971800" indent="-228600" algn="l" defTabSz="457200" rtl="0" eaLnBrk="1" latinLnBrk="0" hangingPunct="1">
+              <a:spcBef>
+                <a:spcPct val="20000"/>
+              </a:spcBef>
+              <a:buFont typeface="Arial"/>
+              <a:buChar char="•"/>
+              <a:defRPr sz="2000" kern="1200">
+                <a:solidFill>
+                  <a:schemeClr val="tx1"/>
+                </a:solidFill>
+                <a:latin typeface="+mn-lt"/>
+                <a:ea typeface="+mn-ea"/>
+                <a:cs typeface="+mn-cs"/>
+              </a:defRPr>
+            </a:lvl7pPr>
+            <a:lvl8pPr marL="3429000" indent="-228600" algn="l" defTabSz="457200" rtl="0" eaLnBrk="1" latinLnBrk="0" hangingPunct="1">
+              <a:spcBef>
+                <a:spcPct val="20000"/>
+              </a:spcBef>
+              <a:buFont typeface="Arial"/>
+              <a:buChar char="•"/>
+              <a:defRPr sz="2000" kern="1200">
+                <a:solidFill>
+                  <a:schemeClr val="tx1"/>
+                </a:solidFill>
+                <a:latin typeface="+mn-lt"/>
+                <a:ea typeface="+mn-ea"/>
+                <a:cs typeface="+mn-cs"/>
+              </a:defRPr>
+            </a:lvl8pPr>
+            <a:lvl9pPr marL="3886200" indent="-228600" algn="l" defTabSz="457200" rtl="0" eaLnBrk="1" latinLnBrk="0" hangingPunct="1">
+              <a:spcBef>
+                <a:spcPct val="20000"/>
+              </a:spcBef>
+              <a:buFont typeface="Arial"/>
+              <a:buChar char="•"/>
+              <a:defRPr sz="2000" kern="1200">
+                <a:solidFill>
+                  <a:schemeClr val="tx1"/>
+                </a:solidFill>
+                <a:latin typeface="+mn-lt"/>
+                <a:ea typeface="+mn-ea"/>
+                <a:cs typeface="+mn-cs"/>
+              </a:defRPr>
+            </a:lvl9pPr>
+          </a:lstStyle>
+          <a:p>
+            <a:r>
+              <a:rPr dirty="0" err="1"/>
+              <a:t>Aufteilung</a:t>
+            </a:r>
+            <a:r>
+              <a:rPr dirty="0"/>
+              <a:t> der </a:t>
+            </a:r>
+            <a:r>
+              <a:rPr dirty="0" err="1"/>
+              <a:t>Lernzeit</a:t>
+            </a:r>
+            <a:r>
+              <a:rPr dirty="0"/>
+              <a:t> </a:t>
+            </a:r>
+            <a:r>
+              <a:rPr dirty="0" err="1"/>
+              <a:t>nach</a:t>
+            </a:r>
+            <a:r>
+              <a:rPr dirty="0"/>
+              <a:t> </a:t>
+            </a:r>
+            <a:r>
+              <a:rPr dirty="0" err="1"/>
+              <a:t>Uhrzeit</a:t>
+            </a:r>
+            <a:endParaRPr dirty="0"/>
+          </a:p>
+          <a:p>
+            <a:r>
+              <a:rPr dirty="0"/>
+              <a:t>z. B. 0–5, 6–11, 12–17, 18–23 Uhr</a:t>
+            </a:r>
+          </a:p>
+          <a:p>
+            <a:r>
+              <a:rPr dirty="0"/>
+              <a:t>Ziel: </a:t>
+            </a:r>
+            <a:r>
+              <a:rPr dirty="0" err="1"/>
+              <a:t>Lernmuster</a:t>
+            </a:r>
+            <a:r>
+              <a:rPr dirty="0"/>
+              <a:t> </a:t>
+            </a:r>
+            <a:r>
+              <a:rPr dirty="0" err="1"/>
+              <a:t>erkennen</a:t>
+            </a:r>
+            <a:endParaRPr dirty="0"/>
+          </a:p>
+        </p:txBody>
+      </p:sp>
+      <p:sp>
+        <p:nvSpPr>
+          <p:cNvPr id="12" name="Title 1">
+            <a:extLst>
+              <a:ext uri="{FF2B5EF4-FFF2-40B4-BE49-F238E27FC236}">
+                <a16:creationId xmlns:a16="http://schemas.microsoft.com/office/drawing/2014/main" id="{28DB296D-6E81-D4BE-9892-AE0F93FEC205}"/>
+              </a:ext>
+            </a:extLst>
+          </p:cNvPr>
+          <p:cNvSpPr>
+            <a:spLocks noGrp="1"/>
+          </p:cNvSpPr>
+          <p:nvPr/>
+        </p:nvSpPr>
+        <p:spPr>
+          <a:xfrm>
+            <a:off x="3092093" y="4150048"/>
+            <a:ext cx="8229600" cy="1143000"/>
+          </a:xfrm>
+          <a:prstGeom prst="rect">
+            <a:avLst/>
+          </a:prstGeom>
+        </p:spPr>
+        <p:txBody>
+          <a:bodyPr vert="horz" lIns="91440" tIns="45720" rIns="91440" bIns="45720" rtlCol="0" anchor="ctr">
+            <a:normAutofit/>
+          </a:bodyPr>
+          <a:lstStyle>
+            <a:lvl1pPr algn="ctr" defTabSz="457200" rtl="0" eaLnBrk="1" latinLnBrk="0" hangingPunct="1">
+              <a:spcBef>
+                <a:spcPct val="0"/>
+              </a:spcBef>
+              <a:buNone/>
+              <a:defRPr sz="4400" kern="1200">
+                <a:solidFill>
+                  <a:schemeClr val="tx1"/>
+                </a:solidFill>
+                <a:latin typeface="+mj-lt"/>
+                <a:ea typeface="+mj-ea"/>
+                <a:cs typeface="+mj-cs"/>
+              </a:defRPr>
+            </a:lvl1pPr>
+          </a:lstStyle>
+          <a:p>
+            <a:r>
+              <a:rPr dirty="0"/>
+              <a:t>DAX: </a:t>
+            </a:r>
+            <a:r>
+              <a:rPr dirty="0" err="1"/>
+              <a:t>Stunden</a:t>
+            </a:r>
+            <a:r>
+              <a:rPr dirty="0"/>
+              <a:t> </a:t>
+            </a:r>
+            <a:r>
+              <a:rPr dirty="0" err="1"/>
+              <a:t>nach</a:t>
+            </a:r>
+            <a:r>
+              <a:rPr dirty="0"/>
+              <a:t> Tagesabschnitt</a:t>
+            </a:r>
+          </a:p>
+        </p:txBody>
+      </p:sp>
+      <p:sp>
+        <p:nvSpPr>
+          <p:cNvPr id="14" name="Content Placeholder 2">
+            <a:extLst>
+              <a:ext uri="{FF2B5EF4-FFF2-40B4-BE49-F238E27FC236}">
+                <a16:creationId xmlns:a16="http://schemas.microsoft.com/office/drawing/2014/main" id="{82A5628B-4AEC-8D36-9A3C-BEDE4F6931EF}"/>
+              </a:ext>
+            </a:extLst>
+          </p:cNvPr>
+          <p:cNvSpPr txBox="1">
+            <a:spLocks/>
+          </p:cNvSpPr>
+          <p:nvPr/>
+        </p:nvSpPr>
+        <p:spPr>
+          <a:xfrm>
+            <a:off x="3251235" y="5207099"/>
+            <a:ext cx="6437429" cy="1604176"/>
+          </a:xfrm>
+          <a:prstGeom prst="rect">
+            <a:avLst/>
+          </a:prstGeom>
+        </p:spPr>
+        <p:txBody>
+          <a:bodyPr vert="horz" lIns="91440" tIns="45720" rIns="91440" bIns="45720" rtlCol="0">
+            <a:normAutofit/>
+          </a:bodyPr>
+          <a:lstStyle>
+            <a:lvl1pPr marL="0" indent="0" algn="ctr" defTabSz="914400" rtl="0" eaLnBrk="1" latinLnBrk="0" hangingPunct="1">
+              <a:lnSpc>
+                <a:spcPct val="90000"/>
+              </a:lnSpc>
+              <a:spcBef>
+                <a:spcPts val="1000"/>
+              </a:spcBef>
+              <a:buFont typeface="Arial" panose="020B0604020202020204" pitchFamily="34" charset="0"/>
+              <a:buNone/>
+              <a:defRPr sz="2400" kern="1200">
+                <a:solidFill>
+                  <a:schemeClr val="tx1"/>
+                </a:solidFill>
+                <a:latin typeface="+mn-lt"/>
+                <a:ea typeface="+mn-ea"/>
+                <a:cs typeface="+mn-cs"/>
+              </a:defRPr>
+            </a:lvl1pPr>
+            <a:lvl2pPr marL="457200" indent="0" algn="ctr" defTabSz="914400" rtl="0" eaLnBrk="1" latinLnBrk="0" hangingPunct="1">
+              <a:lnSpc>
+                <a:spcPct val="90000"/>
+              </a:lnSpc>
+              <a:spcBef>
+                <a:spcPts val="500"/>
+              </a:spcBef>
+              <a:buFont typeface="Arial" panose="020B0604020202020204" pitchFamily="34" charset="0"/>
+              <a:buNone/>
+              <a:defRPr sz="2000" kern="1200">
+                <a:solidFill>
+                  <a:schemeClr val="tx1"/>
+                </a:solidFill>
+                <a:latin typeface="+mn-lt"/>
+                <a:ea typeface="+mn-ea"/>
+                <a:cs typeface="+mn-cs"/>
+              </a:defRPr>
+            </a:lvl2pPr>
+            <a:lvl3pPr marL="914400" indent="0" algn="ctr" defTabSz="914400" rtl="0" eaLnBrk="1" latinLnBrk="0" hangingPunct="1">
+              <a:lnSpc>
+                <a:spcPct val="90000"/>
+              </a:lnSpc>
+              <a:spcBef>
+                <a:spcPts val="500"/>
+              </a:spcBef>
+              <a:buFont typeface="Arial" panose="020B0604020202020204" pitchFamily="34" charset="0"/>
+              <a:buNone/>
+              <a:defRPr sz="1800" kern="1200">
+                <a:solidFill>
+                  <a:schemeClr val="tx1"/>
+                </a:solidFill>
+                <a:latin typeface="+mn-lt"/>
+                <a:ea typeface="+mn-ea"/>
+                <a:cs typeface="+mn-cs"/>
+              </a:defRPr>
+            </a:lvl3pPr>
+            <a:lvl4pPr marL="1371600" indent="0" algn="ctr" defTabSz="914400" rtl="0" eaLnBrk="1" latinLnBrk="0" hangingPunct="1">
+              <a:lnSpc>
+                <a:spcPct val="90000"/>
+              </a:lnSpc>
+              <a:spcBef>
+                <a:spcPts val="500"/>
+              </a:spcBef>
+              <a:buFont typeface="Arial" panose="020B0604020202020204" pitchFamily="34" charset="0"/>
+              <a:buNone/>
+              <a:defRPr sz="1600" kern="1200">
+                <a:solidFill>
+                  <a:schemeClr val="tx1"/>
+                </a:solidFill>
+                <a:latin typeface="+mn-lt"/>
+                <a:ea typeface="+mn-ea"/>
+                <a:cs typeface="+mn-cs"/>
+              </a:defRPr>
+            </a:lvl4pPr>
+            <a:lvl5pPr marL="1828800" indent="0" algn="ctr" defTabSz="914400" rtl="0" eaLnBrk="1" latinLnBrk="0" hangingPunct="1">
+              <a:lnSpc>
+                <a:spcPct val="90000"/>
+              </a:lnSpc>
+              <a:spcBef>
+                <a:spcPts val="500"/>
+              </a:spcBef>
+              <a:buFont typeface="Arial" panose="020B0604020202020204" pitchFamily="34" charset="0"/>
+              <a:buNone/>
+              <a:defRPr sz="1600" kern="1200">
+                <a:solidFill>
+                  <a:schemeClr val="tx1"/>
+                </a:solidFill>
+                <a:latin typeface="+mn-lt"/>
+                <a:ea typeface="+mn-ea"/>
+                <a:cs typeface="+mn-cs"/>
+              </a:defRPr>
+            </a:lvl5pPr>
+            <a:lvl6pPr marL="2286000" indent="0" algn="ctr" defTabSz="914400" rtl="0" eaLnBrk="1" latinLnBrk="0" hangingPunct="1">
+              <a:lnSpc>
+                <a:spcPct val="90000"/>
+              </a:lnSpc>
+              <a:spcBef>
+                <a:spcPts val="500"/>
+              </a:spcBef>
+              <a:buFont typeface="Arial" panose="020B0604020202020204" pitchFamily="34" charset="0"/>
+              <a:buNone/>
+              <a:defRPr sz="1600" kern="1200">
+                <a:solidFill>
+                  <a:schemeClr val="tx1"/>
+                </a:solidFill>
+                <a:latin typeface="+mn-lt"/>
+                <a:ea typeface="+mn-ea"/>
+                <a:cs typeface="+mn-cs"/>
+              </a:defRPr>
+            </a:lvl6pPr>
+            <a:lvl7pPr marL="2743200" indent="0" algn="ctr" defTabSz="914400" rtl="0" eaLnBrk="1" latinLnBrk="0" hangingPunct="1">
+              <a:lnSpc>
+                <a:spcPct val="90000"/>
+              </a:lnSpc>
+              <a:spcBef>
+                <a:spcPts val="500"/>
+              </a:spcBef>
+              <a:buFont typeface="Arial" panose="020B0604020202020204" pitchFamily="34" charset="0"/>
+              <a:buNone/>
+              <a:defRPr sz="1600" kern="1200">
+                <a:solidFill>
+                  <a:schemeClr val="tx1"/>
+                </a:solidFill>
+                <a:latin typeface="+mn-lt"/>
+                <a:ea typeface="+mn-ea"/>
+                <a:cs typeface="+mn-cs"/>
+              </a:defRPr>
+            </a:lvl7pPr>
+            <a:lvl8pPr marL="3200400" indent="0" algn="ctr" defTabSz="914400" rtl="0" eaLnBrk="1" latinLnBrk="0" hangingPunct="1">
+              <a:lnSpc>
+                <a:spcPct val="90000"/>
+              </a:lnSpc>
+              <a:spcBef>
+                <a:spcPts val="500"/>
+              </a:spcBef>
+              <a:buFont typeface="Arial" panose="020B0604020202020204" pitchFamily="34" charset="0"/>
+              <a:buNone/>
+              <a:defRPr sz="1600" kern="1200">
+                <a:solidFill>
+                  <a:schemeClr val="tx1"/>
+                </a:solidFill>
+                <a:latin typeface="+mn-lt"/>
+                <a:ea typeface="+mn-ea"/>
+                <a:cs typeface="+mn-cs"/>
+              </a:defRPr>
+            </a:lvl8pPr>
+            <a:lvl9pPr marL="3657600" indent="0" algn="ctr" defTabSz="914400" rtl="0" eaLnBrk="1" latinLnBrk="0" hangingPunct="1">
+              <a:lnSpc>
+                <a:spcPct val="90000"/>
+              </a:lnSpc>
+              <a:spcBef>
+                <a:spcPts val="500"/>
+              </a:spcBef>
+              <a:buFont typeface="Arial" panose="020B0604020202020204" pitchFamily="34" charset="0"/>
+              <a:buNone/>
+              <a:defRPr sz="1600" kern="1200">
+                <a:solidFill>
+                  <a:schemeClr val="tx1"/>
+                </a:solidFill>
+                <a:latin typeface="+mn-lt"/>
+                <a:ea typeface="+mn-ea"/>
+                <a:cs typeface="+mn-cs"/>
+              </a:defRPr>
+            </a:lvl9pPr>
+          </a:lstStyle>
+          <a:p>
+            <a:r>
+              <a:rPr lang="de-DE"/>
+              <a:t>Berechnung pro Stunde</a:t>
+            </a:r>
+          </a:p>
+          <a:p>
+            <a:r>
+              <a:rPr lang="de-DE"/>
+              <a:t>Berücksichtigung von Mitternacht</a:t>
+            </a:r>
+          </a:p>
+          <a:p>
+            <a:r>
+              <a:rPr lang="de-DE"/>
+              <a:t>Aggregation über alle Lerntage</a:t>
+            </a:r>
+            <a:endParaRPr lang="de-DE" dirty="0"/>
+          </a:p>
+        </p:txBody>
+      </p:sp>
+      <p:sp>
+        <p:nvSpPr>
+          <p:cNvPr id="15" name="Content Placeholder 2">
+            <a:extLst>
+              <a:ext uri="{FF2B5EF4-FFF2-40B4-BE49-F238E27FC236}">
+                <a16:creationId xmlns:a16="http://schemas.microsoft.com/office/drawing/2014/main" id="{84C15E88-15E6-BC97-023C-61BBC6910DC2}"/>
+              </a:ext>
+            </a:extLst>
+          </p:cNvPr>
+          <p:cNvSpPr txBox="1">
+            <a:spLocks/>
+          </p:cNvSpPr>
+          <p:nvPr/>
+        </p:nvSpPr>
+        <p:spPr>
+          <a:xfrm>
+            <a:off x="4000831" y="259624"/>
+            <a:ext cx="5978056" cy="827450"/>
+          </a:xfrm>
+          <a:prstGeom prst="rect">
+            <a:avLst/>
+          </a:prstGeom>
+        </p:spPr>
+        <p:txBody>
+          <a:bodyPr vert="horz" lIns="91440" tIns="45720" rIns="91440" bIns="45720" rtlCol="0">
+            <a:normAutofit/>
+          </a:bodyPr>
+          <a:lstStyle>
+            <a:lvl1pPr marL="0" indent="0" algn="ctr" defTabSz="914400" rtl="0" eaLnBrk="1" latinLnBrk="0" hangingPunct="1">
+              <a:lnSpc>
+                <a:spcPct val="90000"/>
+              </a:lnSpc>
+              <a:spcBef>
+                <a:spcPts val="1000"/>
+              </a:spcBef>
+              <a:buFont typeface="Arial" panose="020B0604020202020204" pitchFamily="34" charset="0"/>
+              <a:buNone/>
+              <a:defRPr sz="2400" kern="1200">
+                <a:solidFill>
+                  <a:schemeClr val="tx1"/>
+                </a:solidFill>
+                <a:latin typeface="+mn-lt"/>
+                <a:ea typeface="+mn-ea"/>
+                <a:cs typeface="+mn-cs"/>
+              </a:defRPr>
+            </a:lvl1pPr>
+            <a:lvl2pPr marL="457200" indent="0" algn="ctr" defTabSz="914400" rtl="0" eaLnBrk="1" latinLnBrk="0" hangingPunct="1">
+              <a:lnSpc>
+                <a:spcPct val="90000"/>
+              </a:lnSpc>
+              <a:spcBef>
+                <a:spcPts val="500"/>
+              </a:spcBef>
+              <a:buFont typeface="Arial" panose="020B0604020202020204" pitchFamily="34" charset="0"/>
+              <a:buNone/>
+              <a:defRPr sz="2000" kern="1200">
+                <a:solidFill>
+                  <a:schemeClr val="tx1"/>
+                </a:solidFill>
+                <a:latin typeface="+mn-lt"/>
+                <a:ea typeface="+mn-ea"/>
+                <a:cs typeface="+mn-cs"/>
+              </a:defRPr>
+            </a:lvl2pPr>
+            <a:lvl3pPr marL="914400" indent="0" algn="ctr" defTabSz="914400" rtl="0" eaLnBrk="1" latinLnBrk="0" hangingPunct="1">
+              <a:lnSpc>
+                <a:spcPct val="90000"/>
+              </a:lnSpc>
+              <a:spcBef>
+                <a:spcPts val="500"/>
+              </a:spcBef>
+              <a:buFont typeface="Arial" panose="020B0604020202020204" pitchFamily="34" charset="0"/>
+              <a:buNone/>
+              <a:defRPr sz="1800" kern="1200">
+                <a:solidFill>
+                  <a:schemeClr val="tx1"/>
+                </a:solidFill>
+                <a:latin typeface="+mn-lt"/>
+                <a:ea typeface="+mn-ea"/>
+                <a:cs typeface="+mn-cs"/>
+              </a:defRPr>
+            </a:lvl3pPr>
+            <a:lvl4pPr marL="1371600" indent="0" algn="ctr" defTabSz="914400" rtl="0" eaLnBrk="1" latinLnBrk="0" hangingPunct="1">
+              <a:lnSpc>
+                <a:spcPct val="90000"/>
+              </a:lnSpc>
+              <a:spcBef>
+                <a:spcPts val="500"/>
+              </a:spcBef>
+              <a:buFont typeface="Arial" panose="020B0604020202020204" pitchFamily="34" charset="0"/>
+              <a:buNone/>
+              <a:defRPr sz="1600" kern="1200">
+                <a:solidFill>
+                  <a:schemeClr val="tx1"/>
+                </a:solidFill>
+                <a:latin typeface="+mn-lt"/>
+                <a:ea typeface="+mn-ea"/>
+                <a:cs typeface="+mn-cs"/>
+              </a:defRPr>
+            </a:lvl4pPr>
+            <a:lvl5pPr marL="1828800" indent="0" algn="ctr" defTabSz="914400" rtl="0" eaLnBrk="1" latinLnBrk="0" hangingPunct="1">
+              <a:lnSpc>
+                <a:spcPct val="90000"/>
+              </a:lnSpc>
+              <a:spcBef>
+                <a:spcPts val="500"/>
+              </a:spcBef>
+              <a:buFont typeface="Arial" panose="020B0604020202020204" pitchFamily="34" charset="0"/>
+              <a:buNone/>
+              <a:defRPr sz="1600" kern="1200">
+                <a:solidFill>
+                  <a:schemeClr val="tx1"/>
+                </a:solidFill>
+                <a:latin typeface="+mn-lt"/>
+                <a:ea typeface="+mn-ea"/>
+                <a:cs typeface="+mn-cs"/>
+              </a:defRPr>
+            </a:lvl5pPr>
+            <a:lvl6pPr marL="2286000" indent="0" algn="ctr" defTabSz="914400" rtl="0" eaLnBrk="1" latinLnBrk="0" hangingPunct="1">
+              <a:lnSpc>
+                <a:spcPct val="90000"/>
+              </a:lnSpc>
+              <a:spcBef>
+                <a:spcPts val="500"/>
+              </a:spcBef>
+              <a:buFont typeface="Arial" panose="020B0604020202020204" pitchFamily="34" charset="0"/>
+              <a:buNone/>
+              <a:defRPr sz="1600" kern="1200">
+                <a:solidFill>
+                  <a:schemeClr val="tx1"/>
+                </a:solidFill>
+                <a:latin typeface="+mn-lt"/>
+                <a:ea typeface="+mn-ea"/>
+                <a:cs typeface="+mn-cs"/>
+              </a:defRPr>
+            </a:lvl6pPr>
+            <a:lvl7pPr marL="2743200" indent="0" algn="ctr" defTabSz="914400" rtl="0" eaLnBrk="1" latinLnBrk="0" hangingPunct="1">
+              <a:lnSpc>
+                <a:spcPct val="90000"/>
+              </a:lnSpc>
+              <a:spcBef>
+                <a:spcPts val="500"/>
+              </a:spcBef>
+              <a:buFont typeface="Arial" panose="020B0604020202020204" pitchFamily="34" charset="0"/>
+              <a:buNone/>
+              <a:defRPr sz="1600" kern="1200">
+                <a:solidFill>
+                  <a:schemeClr val="tx1"/>
+                </a:solidFill>
+                <a:latin typeface="+mn-lt"/>
+                <a:ea typeface="+mn-ea"/>
+                <a:cs typeface="+mn-cs"/>
+              </a:defRPr>
+            </a:lvl7pPr>
+            <a:lvl8pPr marL="3200400" indent="0" algn="ctr" defTabSz="914400" rtl="0" eaLnBrk="1" latinLnBrk="0" hangingPunct="1">
+              <a:lnSpc>
+                <a:spcPct val="90000"/>
+              </a:lnSpc>
+              <a:spcBef>
+                <a:spcPts val="500"/>
+              </a:spcBef>
+              <a:buFont typeface="Arial" panose="020B0604020202020204" pitchFamily="34" charset="0"/>
+              <a:buNone/>
+              <a:defRPr sz="1600" kern="1200">
+                <a:solidFill>
+                  <a:schemeClr val="tx1"/>
+                </a:solidFill>
+                <a:latin typeface="+mn-lt"/>
+                <a:ea typeface="+mn-ea"/>
+                <a:cs typeface="+mn-cs"/>
+              </a:defRPr>
+            </a:lvl8pPr>
+            <a:lvl9pPr marL="3657600" indent="0" algn="ctr" defTabSz="914400" rtl="0" eaLnBrk="1" latinLnBrk="0" hangingPunct="1">
+              <a:lnSpc>
+                <a:spcPct val="90000"/>
+              </a:lnSpc>
+              <a:spcBef>
+                <a:spcPts val="500"/>
+              </a:spcBef>
+              <a:buFont typeface="Arial" panose="020B0604020202020204" pitchFamily="34" charset="0"/>
+              <a:buNone/>
+              <a:defRPr sz="1600" kern="1200">
+                <a:solidFill>
+                  <a:schemeClr val="tx1"/>
+                </a:solidFill>
+                <a:latin typeface="+mn-lt"/>
+                <a:ea typeface="+mn-ea"/>
+                <a:cs typeface="+mn-cs"/>
+              </a:defRPr>
+            </a:lvl9pPr>
+          </a:lstStyle>
+          <a:p>
+            <a:r>
+              <a:rPr lang="de-DE" sz="3600" dirty="0">
+                <a:solidFill>
+                  <a:srgbClr val="FF0000"/>
+                </a:solidFill>
+              </a:rPr>
+              <a:t>NICHT FERTIG</a:t>
             </a:r>
           </a:p>
         </p:txBody>
@@ -4288,7 +5085,7 @@
     </p:spTree>
     <p:extLst>
       <p:ext uri="{BB962C8B-B14F-4D97-AF65-F5344CB8AC3E}">
-        <p14:creationId xmlns:p14="http://schemas.microsoft.com/office/powerpoint/2010/main" val="1783719382"/>
+        <p14:creationId xmlns:p14="http://schemas.microsoft.com/office/powerpoint/2010/main" val="573661020"/>
       </p:ext>
     </p:extLst>
   </p:cSld>
@@ -4316,7 +5113,7 @@
         <p:cNvPr id="1" name="">
           <a:extLst>
             <a:ext uri="{FF2B5EF4-FFF2-40B4-BE49-F238E27FC236}">
-              <a16:creationId xmlns:a16="http://schemas.microsoft.com/office/drawing/2014/main" id="{E53616A3-B137-CB85-042B-EDABE888E56F}"/>
+              <a16:creationId xmlns:a16="http://schemas.microsoft.com/office/drawing/2014/main" id="{E3BA2071-FD2D-1001-204D-25C3FC8A70CB}"/>
             </a:ext>
           </a:extLst>
         </p:cNvPr>
@@ -4336,7 +5133,7 @@
           <p:cNvPr id="6" name="Rechteck 5">
             <a:extLst>
               <a:ext uri="{FF2B5EF4-FFF2-40B4-BE49-F238E27FC236}">
-                <a16:creationId xmlns:a16="http://schemas.microsoft.com/office/drawing/2014/main" id="{BD775AFA-3F77-94B5-24AD-6D56A5167432}"/>
+                <a16:creationId xmlns:a16="http://schemas.microsoft.com/office/drawing/2014/main" id="{61454DF9-8E9A-C2BA-8A47-B02C8977E263}"/>
               </a:ext>
             </a:extLst>
           </p:cNvPr>
@@ -4397,7 +5194,7 @@
           <p:cNvPr id="2" name="Grafik 1">
             <a:extLst>
               <a:ext uri="{FF2B5EF4-FFF2-40B4-BE49-F238E27FC236}">
-                <a16:creationId xmlns:a16="http://schemas.microsoft.com/office/drawing/2014/main" id="{19A7660B-2FBD-6F3D-553E-ACDFA968317F}"/>
+                <a16:creationId xmlns:a16="http://schemas.microsoft.com/office/drawing/2014/main" id="{FE0C4870-9E6D-42D8-C14A-FDB320CCFDA9}"/>
               </a:ext>
             </a:extLst>
           </p:cNvPr>
@@ -4427,7 +5224,7 @@
           <p:cNvPr id="3" name="Textfeld 2">
             <a:extLst>
               <a:ext uri="{FF2B5EF4-FFF2-40B4-BE49-F238E27FC236}">
-                <a16:creationId xmlns:a16="http://schemas.microsoft.com/office/drawing/2014/main" id="{65B97033-11B7-124D-A775-AEE517707ADE}"/>
+                <a16:creationId xmlns:a16="http://schemas.microsoft.com/office/drawing/2014/main" id="{2DDCF23B-4792-8C98-E2EC-082A770D5E79}"/>
               </a:ext>
             </a:extLst>
           </p:cNvPr>
@@ -4495,10 +5292,10 @@
       </p:sp>
       <p:sp>
         <p:nvSpPr>
-          <p:cNvPr id="5" name="Title 1">
-            <a:extLst>
-              <a:ext uri="{FF2B5EF4-FFF2-40B4-BE49-F238E27FC236}">
-                <a16:creationId xmlns:a16="http://schemas.microsoft.com/office/drawing/2014/main" id="{BD73C13D-72F1-C58D-23CD-F10052A65E40}"/>
+          <p:cNvPr id="15" name="Content Placeholder 2">
+            <a:extLst>
+              <a:ext uri="{FF2B5EF4-FFF2-40B4-BE49-F238E27FC236}">
+                <a16:creationId xmlns:a16="http://schemas.microsoft.com/office/drawing/2014/main" id="{734EFEEF-2E13-CEBE-13F4-2518EB9312E0}"/>
               </a:ext>
             </a:extLst>
           </p:cNvPr>
@@ -4509,7 +5306,210 @@
         </p:nvSpPr>
         <p:spPr>
           <a:xfrm>
-            <a:off x="3092093" y="88712"/>
+            <a:off x="4000831" y="259624"/>
+            <a:ext cx="5978056" cy="827450"/>
+          </a:xfrm>
+          <a:prstGeom prst="rect">
+            <a:avLst/>
+          </a:prstGeom>
+        </p:spPr>
+        <p:txBody>
+          <a:bodyPr vert="horz" lIns="91440" tIns="45720" rIns="91440" bIns="45720" rtlCol="0">
+            <a:normAutofit/>
+          </a:bodyPr>
+          <a:lstStyle>
+            <a:lvl1pPr marL="0" indent="0" algn="ctr" defTabSz="914400" rtl="0" eaLnBrk="1" latinLnBrk="0" hangingPunct="1">
+              <a:lnSpc>
+                <a:spcPct val="90000"/>
+              </a:lnSpc>
+              <a:spcBef>
+                <a:spcPts val="1000"/>
+              </a:spcBef>
+              <a:buFont typeface="Arial" panose="020B0604020202020204" pitchFamily="34" charset="0"/>
+              <a:buNone/>
+              <a:defRPr sz="2400" kern="1200">
+                <a:solidFill>
+                  <a:schemeClr val="tx1"/>
+                </a:solidFill>
+                <a:latin typeface="+mn-lt"/>
+                <a:ea typeface="+mn-ea"/>
+                <a:cs typeface="+mn-cs"/>
+              </a:defRPr>
+            </a:lvl1pPr>
+            <a:lvl2pPr marL="457200" indent="0" algn="ctr" defTabSz="914400" rtl="0" eaLnBrk="1" latinLnBrk="0" hangingPunct="1">
+              <a:lnSpc>
+                <a:spcPct val="90000"/>
+              </a:lnSpc>
+              <a:spcBef>
+                <a:spcPts val="500"/>
+              </a:spcBef>
+              <a:buFont typeface="Arial" panose="020B0604020202020204" pitchFamily="34" charset="0"/>
+              <a:buNone/>
+              <a:defRPr sz="2000" kern="1200">
+                <a:solidFill>
+                  <a:schemeClr val="tx1"/>
+                </a:solidFill>
+                <a:latin typeface="+mn-lt"/>
+                <a:ea typeface="+mn-ea"/>
+                <a:cs typeface="+mn-cs"/>
+              </a:defRPr>
+            </a:lvl2pPr>
+            <a:lvl3pPr marL="914400" indent="0" algn="ctr" defTabSz="914400" rtl="0" eaLnBrk="1" latinLnBrk="0" hangingPunct="1">
+              <a:lnSpc>
+                <a:spcPct val="90000"/>
+              </a:lnSpc>
+              <a:spcBef>
+                <a:spcPts val="500"/>
+              </a:spcBef>
+              <a:buFont typeface="Arial" panose="020B0604020202020204" pitchFamily="34" charset="0"/>
+              <a:buNone/>
+              <a:defRPr sz="1800" kern="1200">
+                <a:solidFill>
+                  <a:schemeClr val="tx1"/>
+                </a:solidFill>
+                <a:latin typeface="+mn-lt"/>
+                <a:ea typeface="+mn-ea"/>
+                <a:cs typeface="+mn-cs"/>
+              </a:defRPr>
+            </a:lvl3pPr>
+            <a:lvl4pPr marL="1371600" indent="0" algn="ctr" defTabSz="914400" rtl="0" eaLnBrk="1" latinLnBrk="0" hangingPunct="1">
+              <a:lnSpc>
+                <a:spcPct val="90000"/>
+              </a:lnSpc>
+              <a:spcBef>
+                <a:spcPts val="500"/>
+              </a:spcBef>
+              <a:buFont typeface="Arial" panose="020B0604020202020204" pitchFamily="34" charset="0"/>
+              <a:buNone/>
+              <a:defRPr sz="1600" kern="1200">
+                <a:solidFill>
+                  <a:schemeClr val="tx1"/>
+                </a:solidFill>
+                <a:latin typeface="+mn-lt"/>
+                <a:ea typeface="+mn-ea"/>
+                <a:cs typeface="+mn-cs"/>
+              </a:defRPr>
+            </a:lvl4pPr>
+            <a:lvl5pPr marL="1828800" indent="0" algn="ctr" defTabSz="914400" rtl="0" eaLnBrk="1" latinLnBrk="0" hangingPunct="1">
+              <a:lnSpc>
+                <a:spcPct val="90000"/>
+              </a:lnSpc>
+              <a:spcBef>
+                <a:spcPts val="500"/>
+              </a:spcBef>
+              <a:buFont typeface="Arial" panose="020B0604020202020204" pitchFamily="34" charset="0"/>
+              <a:buNone/>
+              <a:defRPr sz="1600" kern="1200">
+                <a:solidFill>
+                  <a:schemeClr val="tx1"/>
+                </a:solidFill>
+                <a:latin typeface="+mn-lt"/>
+                <a:ea typeface="+mn-ea"/>
+                <a:cs typeface="+mn-cs"/>
+              </a:defRPr>
+            </a:lvl5pPr>
+            <a:lvl6pPr marL="2286000" indent="0" algn="ctr" defTabSz="914400" rtl="0" eaLnBrk="1" latinLnBrk="0" hangingPunct="1">
+              <a:lnSpc>
+                <a:spcPct val="90000"/>
+              </a:lnSpc>
+              <a:spcBef>
+                <a:spcPts val="500"/>
+              </a:spcBef>
+              <a:buFont typeface="Arial" panose="020B0604020202020204" pitchFamily="34" charset="0"/>
+              <a:buNone/>
+              <a:defRPr sz="1600" kern="1200">
+                <a:solidFill>
+                  <a:schemeClr val="tx1"/>
+                </a:solidFill>
+                <a:latin typeface="+mn-lt"/>
+                <a:ea typeface="+mn-ea"/>
+                <a:cs typeface="+mn-cs"/>
+              </a:defRPr>
+            </a:lvl6pPr>
+            <a:lvl7pPr marL="2743200" indent="0" algn="ctr" defTabSz="914400" rtl="0" eaLnBrk="1" latinLnBrk="0" hangingPunct="1">
+              <a:lnSpc>
+                <a:spcPct val="90000"/>
+              </a:lnSpc>
+              <a:spcBef>
+                <a:spcPts val="500"/>
+              </a:spcBef>
+              <a:buFont typeface="Arial" panose="020B0604020202020204" pitchFamily="34" charset="0"/>
+              <a:buNone/>
+              <a:defRPr sz="1600" kern="1200">
+                <a:solidFill>
+                  <a:schemeClr val="tx1"/>
+                </a:solidFill>
+                <a:latin typeface="+mn-lt"/>
+                <a:ea typeface="+mn-ea"/>
+                <a:cs typeface="+mn-cs"/>
+              </a:defRPr>
+            </a:lvl7pPr>
+            <a:lvl8pPr marL="3200400" indent="0" algn="ctr" defTabSz="914400" rtl="0" eaLnBrk="1" latinLnBrk="0" hangingPunct="1">
+              <a:lnSpc>
+                <a:spcPct val="90000"/>
+              </a:lnSpc>
+              <a:spcBef>
+                <a:spcPts val="500"/>
+              </a:spcBef>
+              <a:buFont typeface="Arial" panose="020B0604020202020204" pitchFamily="34" charset="0"/>
+              <a:buNone/>
+              <a:defRPr sz="1600" kern="1200">
+                <a:solidFill>
+                  <a:schemeClr val="tx1"/>
+                </a:solidFill>
+                <a:latin typeface="+mn-lt"/>
+                <a:ea typeface="+mn-ea"/>
+                <a:cs typeface="+mn-cs"/>
+              </a:defRPr>
+            </a:lvl8pPr>
+            <a:lvl9pPr marL="3657600" indent="0" algn="ctr" defTabSz="914400" rtl="0" eaLnBrk="1" latinLnBrk="0" hangingPunct="1">
+              <a:lnSpc>
+                <a:spcPct val="90000"/>
+              </a:lnSpc>
+              <a:spcBef>
+                <a:spcPts val="500"/>
+              </a:spcBef>
+              <a:buFont typeface="Arial" panose="020B0604020202020204" pitchFamily="34" charset="0"/>
+              <a:buNone/>
+              <a:defRPr sz="1600" kern="1200">
+                <a:solidFill>
+                  <a:schemeClr val="tx1"/>
+                </a:solidFill>
+                <a:latin typeface="+mn-lt"/>
+                <a:ea typeface="+mn-ea"/>
+                <a:cs typeface="+mn-cs"/>
+              </a:defRPr>
+            </a:lvl9pPr>
+          </a:lstStyle>
+          <a:p>
+            <a:r>
+              <a:rPr lang="de-DE" sz="3600" dirty="0">
+                <a:solidFill>
+                  <a:srgbClr val="FF0000"/>
+                </a:solidFill>
+              </a:rPr>
+              <a:t>NICHT FERTIG</a:t>
+            </a:r>
+          </a:p>
+        </p:txBody>
+      </p:sp>
+      <p:sp>
+        <p:nvSpPr>
+          <p:cNvPr id="8" name="Title 1">
+            <a:extLst>
+              <a:ext uri="{FF2B5EF4-FFF2-40B4-BE49-F238E27FC236}">
+                <a16:creationId xmlns:a16="http://schemas.microsoft.com/office/drawing/2014/main" id="{FECDF6C3-4DBF-6829-B3F5-EBFF222BE832}"/>
+              </a:ext>
+            </a:extLst>
+          </p:cNvPr>
+          <p:cNvSpPr txBox="1">
+            <a:spLocks/>
+          </p:cNvSpPr>
+          <p:nvPr/>
+        </p:nvSpPr>
+        <p:spPr>
+          <a:xfrm>
+            <a:off x="2508636" y="878937"/>
             <a:ext cx="8229600" cy="1143000"/>
           </a:xfrm>
           <a:prstGeom prst="rect">
@@ -4541,18 +5541,19 @@
           </a:lstStyle>
           <a:p>
             <a:r>
-              <a:rPr lang="de-DE" dirty="0"/>
-              <a:t>KPI-Dashboard</a:t>
-            </a:r>
-          </a:p>
-        </p:txBody>
-      </p:sp>
-      <p:sp>
-        <p:nvSpPr>
-          <p:cNvPr id="7" name="Content Placeholder 2">
-            <a:extLst>
-              <a:ext uri="{FF2B5EF4-FFF2-40B4-BE49-F238E27FC236}">
-                <a16:creationId xmlns:a16="http://schemas.microsoft.com/office/drawing/2014/main" id="{606FCF46-9E9C-5A77-5B43-B4EC0C6A1CCB}"/>
+              <a:rPr lang="de-DE"/>
+              <a:t>Lerntage korrekt zählen</a:t>
+            </a:r>
+            <a:endParaRPr lang="de-DE" dirty="0"/>
+          </a:p>
+        </p:txBody>
+      </p:sp>
+      <p:sp>
+        <p:nvSpPr>
+          <p:cNvPr id="9" name="Content Placeholder 2">
+            <a:extLst>
+              <a:ext uri="{FF2B5EF4-FFF2-40B4-BE49-F238E27FC236}">
+                <a16:creationId xmlns:a16="http://schemas.microsoft.com/office/drawing/2014/main" id="{BBE86AC1-08FD-C2D8-B137-6AABD2ACC8B3}"/>
               </a:ext>
             </a:extLst>
           </p:cNvPr>
@@ -4563,8 +5564,8 @@
         </p:nvSpPr>
         <p:spPr>
           <a:xfrm>
-            <a:off x="110534" y="1524244"/>
-            <a:ext cx="2138837" cy="2367418"/>
+            <a:off x="2508636" y="2204500"/>
+            <a:ext cx="8229600" cy="1143000"/>
           </a:xfrm>
           <a:prstGeom prst="rect">
             <a:avLst/>
@@ -4739,59 +5740,539 @@
             </a:lvl9pPr>
           </a:lstStyle>
           <a:p>
-            <a:pPr marL="285750" indent="-285750" algn="l">
-              <a:buFont typeface="Wingdings" panose="05000000000000000000" pitchFamily="2" charset="2"/>
-              <a:buChar char="Ø"/>
-            </a:pPr>
-            <a:r>
-              <a:rPr lang="de-DE" sz="1400" dirty="0">
-                <a:solidFill>
-                  <a:schemeClr val="bg1"/>
-                </a:solidFill>
-              </a:rPr>
-              <a:t>Gesamtlernzeit</a:t>
-            </a:r>
-          </a:p>
-          <a:p>
-            <a:pPr marL="285750" indent="-285750" algn="l">
-              <a:buFont typeface="Wingdings" panose="05000000000000000000" pitchFamily="2" charset="2"/>
-              <a:buChar char="Ø"/>
-            </a:pPr>
-            <a:r>
-              <a:rPr lang="de-DE" sz="1400" dirty="0">
-                <a:solidFill>
-                  <a:schemeClr val="bg1"/>
-                </a:solidFill>
-              </a:rPr>
-              <a:t>Durchschnitt pro Tag</a:t>
-            </a:r>
-          </a:p>
-          <a:p>
-            <a:pPr marL="285750" indent="-285750" algn="l">
-              <a:buFont typeface="Wingdings" panose="05000000000000000000" pitchFamily="2" charset="2"/>
-              <a:buChar char="Ø"/>
-            </a:pPr>
-            <a:r>
-              <a:rPr lang="de-DE" sz="1400" dirty="0">
-                <a:solidFill>
-                  <a:schemeClr val="bg1"/>
-                </a:solidFill>
-              </a:rPr>
-              <a:t>Längster Lerntag</a:t>
-            </a:r>
-          </a:p>
-          <a:p>
-            <a:pPr marL="285750" indent="-285750" algn="l">
-              <a:buFont typeface="Wingdings" panose="05000000000000000000" pitchFamily="2" charset="2"/>
-              <a:buChar char="Ø"/>
-            </a:pPr>
-            <a:r>
-              <a:rPr lang="de-DE" sz="1400" dirty="0">
-                <a:solidFill>
-                  <a:schemeClr val="bg1"/>
-                </a:solidFill>
-              </a:rPr>
-              <a:t>Tagesabschnitte</a:t>
+            <a:r>
+              <a:rPr lang="de-DE" dirty="0"/>
+              <a:t>Nur Tage mit Lernzeit &gt; 0 zählen</a:t>
+            </a:r>
+          </a:p>
+          <a:p>
+            <a:r>
+              <a:rPr lang="de-DE" dirty="0"/>
+              <a:t>Kalendertage ohne Aktivität ausschließen</a:t>
+            </a:r>
+          </a:p>
+        </p:txBody>
+      </p:sp>
+      <p:sp>
+        <p:nvSpPr>
+          <p:cNvPr id="10" name="Title 1">
+            <a:extLst>
+              <a:ext uri="{FF2B5EF4-FFF2-40B4-BE49-F238E27FC236}">
+                <a16:creationId xmlns:a16="http://schemas.microsoft.com/office/drawing/2014/main" id="{7F8510EF-DAD7-5744-39C0-2725FBA61FF1}"/>
+              </a:ext>
+            </a:extLst>
+          </p:cNvPr>
+          <p:cNvSpPr txBox="1">
+            <a:spLocks/>
+          </p:cNvSpPr>
+          <p:nvPr/>
+        </p:nvSpPr>
+        <p:spPr>
+          <a:xfrm>
+            <a:off x="1981200" y="3424580"/>
+            <a:ext cx="8229600" cy="1143000"/>
+          </a:xfrm>
+          <a:prstGeom prst="rect">
+            <a:avLst/>
+          </a:prstGeom>
+        </p:spPr>
+        <p:txBody>
+          <a:bodyPr vert="horz" lIns="91440" tIns="45720" rIns="91440" bIns="45720" rtlCol="0" anchor="b">
+            <a:normAutofit fontScale="77500" lnSpcReduction="20000"/>
+          </a:bodyPr>
+          <a:lstStyle>
+            <a:lvl1pPr algn="ctr" defTabSz="914400" rtl="0" eaLnBrk="1" latinLnBrk="0" hangingPunct="1">
+              <a:lnSpc>
+                <a:spcPct val="90000"/>
+              </a:lnSpc>
+              <a:spcBef>
+                <a:spcPct val="0"/>
+              </a:spcBef>
+              <a:buNone/>
+              <a:defRPr sz="6000" kern="1200">
+                <a:solidFill>
+                  <a:schemeClr val="tx1"/>
+                </a:solidFill>
+                <a:latin typeface="+mj-lt"/>
+                <a:ea typeface="+mj-ea"/>
+                <a:cs typeface="+mj-cs"/>
+              </a:defRPr>
+            </a:lvl1pPr>
+          </a:lstStyle>
+          <a:p>
+            <a:r>
+              <a:rPr lang="de-DE" dirty="0"/>
+              <a:t>Durchschnittliche Stunden pro Lerntag</a:t>
+            </a:r>
+          </a:p>
+        </p:txBody>
+      </p:sp>
+      <p:sp>
+        <p:nvSpPr>
+          <p:cNvPr id="13" name="Content Placeholder 2">
+            <a:extLst>
+              <a:ext uri="{FF2B5EF4-FFF2-40B4-BE49-F238E27FC236}">
+                <a16:creationId xmlns:a16="http://schemas.microsoft.com/office/drawing/2014/main" id="{388CB143-1EB3-C9D9-B4B5-9EDFDC511D38}"/>
+              </a:ext>
+            </a:extLst>
+          </p:cNvPr>
+          <p:cNvSpPr txBox="1">
+            <a:spLocks/>
+          </p:cNvSpPr>
+          <p:nvPr/>
+        </p:nvSpPr>
+        <p:spPr>
+          <a:xfrm>
+            <a:off x="3097033" y="4750143"/>
+            <a:ext cx="8229600" cy="4525963"/>
+          </a:xfrm>
+          <a:prstGeom prst="rect">
+            <a:avLst/>
+          </a:prstGeom>
+        </p:spPr>
+        <p:txBody>
+          <a:bodyPr vert="horz" lIns="91440" tIns="45720" rIns="91440" bIns="45720" rtlCol="0">
+            <a:normAutofit/>
+          </a:bodyPr>
+          <a:lstStyle>
+            <a:lvl1pPr marL="0" indent="0" algn="ctr" defTabSz="914400" rtl="0" eaLnBrk="1" latinLnBrk="0" hangingPunct="1">
+              <a:lnSpc>
+                <a:spcPct val="90000"/>
+              </a:lnSpc>
+              <a:spcBef>
+                <a:spcPts val="1000"/>
+              </a:spcBef>
+              <a:buFont typeface="Arial" panose="020B0604020202020204" pitchFamily="34" charset="0"/>
+              <a:buNone/>
+              <a:defRPr sz="2400" kern="1200">
+                <a:solidFill>
+                  <a:schemeClr val="tx1"/>
+                </a:solidFill>
+                <a:latin typeface="+mn-lt"/>
+                <a:ea typeface="+mn-ea"/>
+                <a:cs typeface="+mn-cs"/>
+              </a:defRPr>
+            </a:lvl1pPr>
+            <a:lvl2pPr marL="457200" indent="0" algn="ctr" defTabSz="914400" rtl="0" eaLnBrk="1" latinLnBrk="0" hangingPunct="1">
+              <a:lnSpc>
+                <a:spcPct val="90000"/>
+              </a:lnSpc>
+              <a:spcBef>
+                <a:spcPts val="500"/>
+              </a:spcBef>
+              <a:buFont typeface="Arial" panose="020B0604020202020204" pitchFamily="34" charset="0"/>
+              <a:buNone/>
+              <a:defRPr sz="2000" kern="1200">
+                <a:solidFill>
+                  <a:schemeClr val="tx1"/>
+                </a:solidFill>
+                <a:latin typeface="+mn-lt"/>
+                <a:ea typeface="+mn-ea"/>
+                <a:cs typeface="+mn-cs"/>
+              </a:defRPr>
+            </a:lvl2pPr>
+            <a:lvl3pPr marL="914400" indent="0" algn="ctr" defTabSz="914400" rtl="0" eaLnBrk="1" latinLnBrk="0" hangingPunct="1">
+              <a:lnSpc>
+                <a:spcPct val="90000"/>
+              </a:lnSpc>
+              <a:spcBef>
+                <a:spcPts val="500"/>
+              </a:spcBef>
+              <a:buFont typeface="Arial" panose="020B0604020202020204" pitchFamily="34" charset="0"/>
+              <a:buNone/>
+              <a:defRPr sz="1800" kern="1200">
+                <a:solidFill>
+                  <a:schemeClr val="tx1"/>
+                </a:solidFill>
+                <a:latin typeface="+mn-lt"/>
+                <a:ea typeface="+mn-ea"/>
+                <a:cs typeface="+mn-cs"/>
+              </a:defRPr>
+            </a:lvl3pPr>
+            <a:lvl4pPr marL="1371600" indent="0" algn="ctr" defTabSz="914400" rtl="0" eaLnBrk="1" latinLnBrk="0" hangingPunct="1">
+              <a:lnSpc>
+                <a:spcPct val="90000"/>
+              </a:lnSpc>
+              <a:spcBef>
+                <a:spcPts val="500"/>
+              </a:spcBef>
+              <a:buFont typeface="Arial" panose="020B0604020202020204" pitchFamily="34" charset="0"/>
+              <a:buNone/>
+              <a:defRPr sz="1600" kern="1200">
+                <a:solidFill>
+                  <a:schemeClr val="tx1"/>
+                </a:solidFill>
+                <a:latin typeface="+mn-lt"/>
+                <a:ea typeface="+mn-ea"/>
+                <a:cs typeface="+mn-cs"/>
+              </a:defRPr>
+            </a:lvl4pPr>
+            <a:lvl5pPr marL="1828800" indent="0" algn="ctr" defTabSz="914400" rtl="0" eaLnBrk="1" latinLnBrk="0" hangingPunct="1">
+              <a:lnSpc>
+                <a:spcPct val="90000"/>
+              </a:lnSpc>
+              <a:spcBef>
+                <a:spcPts val="500"/>
+              </a:spcBef>
+              <a:buFont typeface="Arial" panose="020B0604020202020204" pitchFamily="34" charset="0"/>
+              <a:buNone/>
+              <a:defRPr sz="1600" kern="1200">
+                <a:solidFill>
+                  <a:schemeClr val="tx1"/>
+                </a:solidFill>
+                <a:latin typeface="+mn-lt"/>
+                <a:ea typeface="+mn-ea"/>
+                <a:cs typeface="+mn-cs"/>
+              </a:defRPr>
+            </a:lvl5pPr>
+            <a:lvl6pPr marL="2286000" indent="0" algn="ctr" defTabSz="914400" rtl="0" eaLnBrk="1" latinLnBrk="0" hangingPunct="1">
+              <a:lnSpc>
+                <a:spcPct val="90000"/>
+              </a:lnSpc>
+              <a:spcBef>
+                <a:spcPts val="500"/>
+              </a:spcBef>
+              <a:buFont typeface="Arial" panose="020B0604020202020204" pitchFamily="34" charset="0"/>
+              <a:buNone/>
+              <a:defRPr sz="1600" kern="1200">
+                <a:solidFill>
+                  <a:schemeClr val="tx1"/>
+                </a:solidFill>
+                <a:latin typeface="+mn-lt"/>
+                <a:ea typeface="+mn-ea"/>
+                <a:cs typeface="+mn-cs"/>
+              </a:defRPr>
+            </a:lvl6pPr>
+            <a:lvl7pPr marL="2743200" indent="0" algn="ctr" defTabSz="914400" rtl="0" eaLnBrk="1" latinLnBrk="0" hangingPunct="1">
+              <a:lnSpc>
+                <a:spcPct val="90000"/>
+              </a:lnSpc>
+              <a:spcBef>
+                <a:spcPts val="500"/>
+              </a:spcBef>
+              <a:buFont typeface="Arial" panose="020B0604020202020204" pitchFamily="34" charset="0"/>
+              <a:buNone/>
+              <a:defRPr sz="1600" kern="1200">
+                <a:solidFill>
+                  <a:schemeClr val="tx1"/>
+                </a:solidFill>
+                <a:latin typeface="+mn-lt"/>
+                <a:ea typeface="+mn-ea"/>
+                <a:cs typeface="+mn-cs"/>
+              </a:defRPr>
+            </a:lvl7pPr>
+            <a:lvl8pPr marL="3200400" indent="0" algn="ctr" defTabSz="914400" rtl="0" eaLnBrk="1" latinLnBrk="0" hangingPunct="1">
+              <a:lnSpc>
+                <a:spcPct val="90000"/>
+              </a:lnSpc>
+              <a:spcBef>
+                <a:spcPts val="500"/>
+              </a:spcBef>
+              <a:buFont typeface="Arial" panose="020B0604020202020204" pitchFamily="34" charset="0"/>
+              <a:buNone/>
+              <a:defRPr sz="1600" kern="1200">
+                <a:solidFill>
+                  <a:schemeClr val="tx1"/>
+                </a:solidFill>
+                <a:latin typeface="+mn-lt"/>
+                <a:ea typeface="+mn-ea"/>
+                <a:cs typeface="+mn-cs"/>
+              </a:defRPr>
+            </a:lvl8pPr>
+            <a:lvl9pPr marL="3657600" indent="0" algn="ctr" defTabSz="914400" rtl="0" eaLnBrk="1" latinLnBrk="0" hangingPunct="1">
+              <a:lnSpc>
+                <a:spcPct val="90000"/>
+              </a:lnSpc>
+              <a:spcBef>
+                <a:spcPts val="500"/>
+              </a:spcBef>
+              <a:buFont typeface="Arial" panose="020B0604020202020204" pitchFamily="34" charset="0"/>
+              <a:buNone/>
+              <a:defRPr sz="1600" kern="1200">
+                <a:solidFill>
+                  <a:schemeClr val="tx1"/>
+                </a:solidFill>
+                <a:latin typeface="+mn-lt"/>
+                <a:ea typeface="+mn-ea"/>
+                <a:cs typeface="+mn-cs"/>
+              </a:defRPr>
+            </a:lvl9pPr>
+          </a:lstStyle>
+          <a:p>
+            <a:r>
+              <a:rPr lang="de-DE" dirty="0"/>
+              <a:t>Summe Lernstunden ÷ Anzahl Lerntage</a:t>
+            </a:r>
+          </a:p>
+          <a:p>
+            <a:r>
+              <a:rPr lang="de-DE" dirty="0"/>
+              <a:t>Nicht durch Kalendertage teilen!</a:t>
+            </a:r>
+          </a:p>
+        </p:txBody>
+      </p:sp>
+      <p:sp>
+        <p:nvSpPr>
+          <p:cNvPr id="16" name="Title 1">
+            <a:extLst>
+              <a:ext uri="{FF2B5EF4-FFF2-40B4-BE49-F238E27FC236}">
+                <a16:creationId xmlns:a16="http://schemas.microsoft.com/office/drawing/2014/main" id="{7DC90293-496B-8F37-5BF8-CBF5476A89BA}"/>
+              </a:ext>
+            </a:extLst>
+          </p:cNvPr>
+          <p:cNvSpPr txBox="1">
+            <a:spLocks/>
+          </p:cNvSpPr>
+          <p:nvPr/>
+        </p:nvSpPr>
+        <p:spPr>
+          <a:xfrm>
+            <a:off x="1848678" y="5554663"/>
+            <a:ext cx="8229600" cy="1143000"/>
+          </a:xfrm>
+          <a:prstGeom prst="rect">
+            <a:avLst/>
+          </a:prstGeom>
+        </p:spPr>
+        <p:txBody>
+          <a:bodyPr vert="horz" lIns="91440" tIns="45720" rIns="91440" bIns="45720" rtlCol="0" anchor="b">
+            <a:normAutofit/>
+          </a:bodyPr>
+          <a:lstStyle>
+            <a:lvl1pPr algn="ctr" defTabSz="914400" rtl="0" eaLnBrk="1" latinLnBrk="0" hangingPunct="1">
+              <a:lnSpc>
+                <a:spcPct val="90000"/>
+              </a:lnSpc>
+              <a:spcBef>
+                <a:spcPct val="0"/>
+              </a:spcBef>
+              <a:buNone/>
+              <a:defRPr sz="6000" kern="1200">
+                <a:solidFill>
+                  <a:schemeClr val="tx1"/>
+                </a:solidFill>
+                <a:latin typeface="+mj-lt"/>
+                <a:ea typeface="+mj-ea"/>
+                <a:cs typeface="+mj-cs"/>
+              </a:defRPr>
+            </a:lvl1pPr>
+          </a:lstStyle>
+          <a:p>
+            <a:r>
+              <a:rPr lang="de-DE" dirty="0"/>
+              <a:t>Finale DAX-Logik</a:t>
+            </a:r>
+          </a:p>
+        </p:txBody>
+      </p:sp>
+      <p:sp>
+        <p:nvSpPr>
+          <p:cNvPr id="17" name="Content Placeholder 2">
+            <a:extLst>
+              <a:ext uri="{FF2B5EF4-FFF2-40B4-BE49-F238E27FC236}">
+                <a16:creationId xmlns:a16="http://schemas.microsoft.com/office/drawing/2014/main" id="{AA7D3F4A-4B64-0C34-DEEC-A7DB12C4EBBC}"/>
+              </a:ext>
+            </a:extLst>
+          </p:cNvPr>
+          <p:cNvSpPr txBox="1">
+            <a:spLocks/>
+          </p:cNvSpPr>
+          <p:nvPr/>
+        </p:nvSpPr>
+        <p:spPr>
+          <a:xfrm>
+            <a:off x="2875059" y="6772080"/>
+            <a:ext cx="8229600" cy="4525963"/>
+          </a:xfrm>
+          <a:prstGeom prst="rect">
+            <a:avLst/>
+          </a:prstGeom>
+        </p:spPr>
+        <p:txBody>
+          <a:bodyPr vert="horz" lIns="91440" tIns="45720" rIns="91440" bIns="45720" rtlCol="0">
+            <a:normAutofit/>
+          </a:bodyPr>
+          <a:lstStyle>
+            <a:lvl1pPr marL="0" indent="0" algn="ctr" defTabSz="914400" rtl="0" eaLnBrk="1" latinLnBrk="0" hangingPunct="1">
+              <a:lnSpc>
+                <a:spcPct val="90000"/>
+              </a:lnSpc>
+              <a:spcBef>
+                <a:spcPts val="1000"/>
+              </a:spcBef>
+              <a:buFont typeface="Arial" panose="020B0604020202020204" pitchFamily="34" charset="0"/>
+              <a:buNone/>
+              <a:defRPr sz="2400" kern="1200">
+                <a:solidFill>
+                  <a:schemeClr val="tx1"/>
+                </a:solidFill>
+                <a:latin typeface="+mn-lt"/>
+                <a:ea typeface="+mn-ea"/>
+                <a:cs typeface="+mn-cs"/>
+              </a:defRPr>
+            </a:lvl1pPr>
+            <a:lvl2pPr marL="457200" indent="0" algn="ctr" defTabSz="914400" rtl="0" eaLnBrk="1" latinLnBrk="0" hangingPunct="1">
+              <a:lnSpc>
+                <a:spcPct val="90000"/>
+              </a:lnSpc>
+              <a:spcBef>
+                <a:spcPts val="500"/>
+              </a:spcBef>
+              <a:buFont typeface="Arial" panose="020B0604020202020204" pitchFamily="34" charset="0"/>
+              <a:buNone/>
+              <a:defRPr sz="2000" kern="1200">
+                <a:solidFill>
+                  <a:schemeClr val="tx1"/>
+                </a:solidFill>
+                <a:latin typeface="+mn-lt"/>
+                <a:ea typeface="+mn-ea"/>
+                <a:cs typeface="+mn-cs"/>
+              </a:defRPr>
+            </a:lvl2pPr>
+            <a:lvl3pPr marL="914400" indent="0" algn="ctr" defTabSz="914400" rtl="0" eaLnBrk="1" latinLnBrk="0" hangingPunct="1">
+              <a:lnSpc>
+                <a:spcPct val="90000"/>
+              </a:lnSpc>
+              <a:spcBef>
+                <a:spcPts val="500"/>
+              </a:spcBef>
+              <a:buFont typeface="Arial" panose="020B0604020202020204" pitchFamily="34" charset="0"/>
+              <a:buNone/>
+              <a:defRPr sz="1800" kern="1200">
+                <a:solidFill>
+                  <a:schemeClr val="tx1"/>
+                </a:solidFill>
+                <a:latin typeface="+mn-lt"/>
+                <a:ea typeface="+mn-ea"/>
+                <a:cs typeface="+mn-cs"/>
+              </a:defRPr>
+            </a:lvl3pPr>
+            <a:lvl4pPr marL="1371600" indent="0" algn="ctr" defTabSz="914400" rtl="0" eaLnBrk="1" latinLnBrk="0" hangingPunct="1">
+              <a:lnSpc>
+                <a:spcPct val="90000"/>
+              </a:lnSpc>
+              <a:spcBef>
+                <a:spcPts val="500"/>
+              </a:spcBef>
+              <a:buFont typeface="Arial" panose="020B0604020202020204" pitchFamily="34" charset="0"/>
+              <a:buNone/>
+              <a:defRPr sz="1600" kern="1200">
+                <a:solidFill>
+                  <a:schemeClr val="tx1"/>
+                </a:solidFill>
+                <a:latin typeface="+mn-lt"/>
+                <a:ea typeface="+mn-ea"/>
+                <a:cs typeface="+mn-cs"/>
+              </a:defRPr>
+            </a:lvl4pPr>
+            <a:lvl5pPr marL="1828800" indent="0" algn="ctr" defTabSz="914400" rtl="0" eaLnBrk="1" latinLnBrk="0" hangingPunct="1">
+              <a:lnSpc>
+                <a:spcPct val="90000"/>
+              </a:lnSpc>
+              <a:spcBef>
+                <a:spcPts val="500"/>
+              </a:spcBef>
+              <a:buFont typeface="Arial" panose="020B0604020202020204" pitchFamily="34" charset="0"/>
+              <a:buNone/>
+              <a:defRPr sz="1600" kern="1200">
+                <a:solidFill>
+                  <a:schemeClr val="tx1"/>
+                </a:solidFill>
+                <a:latin typeface="+mn-lt"/>
+                <a:ea typeface="+mn-ea"/>
+                <a:cs typeface="+mn-cs"/>
+              </a:defRPr>
+            </a:lvl5pPr>
+            <a:lvl6pPr marL="2286000" indent="0" algn="ctr" defTabSz="914400" rtl="0" eaLnBrk="1" latinLnBrk="0" hangingPunct="1">
+              <a:lnSpc>
+                <a:spcPct val="90000"/>
+              </a:lnSpc>
+              <a:spcBef>
+                <a:spcPts val="500"/>
+              </a:spcBef>
+              <a:buFont typeface="Arial" panose="020B0604020202020204" pitchFamily="34" charset="0"/>
+              <a:buNone/>
+              <a:defRPr sz="1600" kern="1200">
+                <a:solidFill>
+                  <a:schemeClr val="tx1"/>
+                </a:solidFill>
+                <a:latin typeface="+mn-lt"/>
+                <a:ea typeface="+mn-ea"/>
+                <a:cs typeface="+mn-cs"/>
+              </a:defRPr>
+            </a:lvl6pPr>
+            <a:lvl7pPr marL="2743200" indent="0" algn="ctr" defTabSz="914400" rtl="0" eaLnBrk="1" latinLnBrk="0" hangingPunct="1">
+              <a:lnSpc>
+                <a:spcPct val="90000"/>
+              </a:lnSpc>
+              <a:spcBef>
+                <a:spcPts val="500"/>
+              </a:spcBef>
+              <a:buFont typeface="Arial" panose="020B0604020202020204" pitchFamily="34" charset="0"/>
+              <a:buNone/>
+              <a:defRPr sz="1600" kern="1200">
+                <a:solidFill>
+                  <a:schemeClr val="tx1"/>
+                </a:solidFill>
+                <a:latin typeface="+mn-lt"/>
+                <a:ea typeface="+mn-ea"/>
+                <a:cs typeface="+mn-cs"/>
+              </a:defRPr>
+            </a:lvl7pPr>
+            <a:lvl8pPr marL="3200400" indent="0" algn="ctr" defTabSz="914400" rtl="0" eaLnBrk="1" latinLnBrk="0" hangingPunct="1">
+              <a:lnSpc>
+                <a:spcPct val="90000"/>
+              </a:lnSpc>
+              <a:spcBef>
+                <a:spcPts val="500"/>
+              </a:spcBef>
+              <a:buFont typeface="Arial" panose="020B0604020202020204" pitchFamily="34" charset="0"/>
+              <a:buNone/>
+              <a:defRPr sz="1600" kern="1200">
+                <a:solidFill>
+                  <a:schemeClr val="tx1"/>
+                </a:solidFill>
+                <a:latin typeface="+mn-lt"/>
+                <a:ea typeface="+mn-ea"/>
+                <a:cs typeface="+mn-cs"/>
+              </a:defRPr>
+            </a:lvl8pPr>
+            <a:lvl9pPr marL="3657600" indent="0" algn="ctr" defTabSz="914400" rtl="0" eaLnBrk="1" latinLnBrk="0" hangingPunct="1">
+              <a:lnSpc>
+                <a:spcPct val="90000"/>
+              </a:lnSpc>
+              <a:spcBef>
+                <a:spcPts val="500"/>
+              </a:spcBef>
+              <a:buFont typeface="Arial" panose="020B0604020202020204" pitchFamily="34" charset="0"/>
+              <a:buNone/>
+              <a:defRPr sz="1600" kern="1200">
+                <a:solidFill>
+                  <a:schemeClr val="tx1"/>
+                </a:solidFill>
+                <a:latin typeface="+mn-lt"/>
+                <a:ea typeface="+mn-ea"/>
+                <a:cs typeface="+mn-cs"/>
+              </a:defRPr>
+            </a:lvl9pPr>
+          </a:lstStyle>
+          <a:p>
+            <a:r>
+              <a:rPr lang="de-DE" dirty="0"/>
+              <a:t>SUMMARIZE nach Datum</a:t>
+            </a:r>
+          </a:p>
+          <a:p>
+            <a:r>
+              <a:rPr lang="de-DE" dirty="0"/>
+              <a:t>FILTER auf Summe &gt; 0</a:t>
+            </a:r>
+          </a:p>
+          <a:p>
+            <a:r>
+              <a:rPr lang="de-DE" dirty="0"/>
+              <a:t>AVERAGEX über Lerntage</a:t>
             </a:r>
           </a:p>
         </p:txBody>
@@ -4799,7 +6280,7 @@
     </p:spTree>
     <p:extLst>
       <p:ext uri="{BB962C8B-B14F-4D97-AF65-F5344CB8AC3E}">
-        <p14:creationId xmlns:p14="http://schemas.microsoft.com/office/powerpoint/2010/main" val="272255325"/>
+        <p14:creationId xmlns:p14="http://schemas.microsoft.com/office/powerpoint/2010/main" val="804153090"/>
       </p:ext>
     </p:extLst>
   </p:cSld>
@@ -4827,7 +6308,7 @@
         <p:cNvPr id="1" name="">
           <a:extLst>
             <a:ext uri="{FF2B5EF4-FFF2-40B4-BE49-F238E27FC236}">
-              <a16:creationId xmlns:a16="http://schemas.microsoft.com/office/drawing/2014/main" id="{26C46EE0-D75C-E368-5939-51B02195D7A1}"/>
+              <a16:creationId xmlns:a16="http://schemas.microsoft.com/office/drawing/2014/main" id="{4F9E6E8D-A475-822D-C990-C25C29D654AB}"/>
             </a:ext>
           </a:extLst>
         </p:cNvPr>
@@ -4847,7 +6328,7 @@
           <p:cNvPr id="6" name="Rechteck 5">
             <a:extLst>
               <a:ext uri="{FF2B5EF4-FFF2-40B4-BE49-F238E27FC236}">
-                <a16:creationId xmlns:a16="http://schemas.microsoft.com/office/drawing/2014/main" id="{3C2CCADB-AEE3-31AE-68CC-11DD3F695E4E}"/>
+                <a16:creationId xmlns:a16="http://schemas.microsoft.com/office/drawing/2014/main" id="{78B4120D-B49A-03C2-A2E7-984ADC08AF19}"/>
               </a:ext>
             </a:extLst>
           </p:cNvPr>
@@ -4908,7 +6389,7 @@
           <p:cNvPr id="2" name="Grafik 1">
             <a:extLst>
               <a:ext uri="{FF2B5EF4-FFF2-40B4-BE49-F238E27FC236}">
-                <a16:creationId xmlns:a16="http://schemas.microsoft.com/office/drawing/2014/main" id="{2D1CB19F-C87C-A768-AD24-902CA35AC579}"/>
+                <a16:creationId xmlns:a16="http://schemas.microsoft.com/office/drawing/2014/main" id="{EF14AA43-FE95-B436-DCC7-9C95EEE6D15E}"/>
               </a:ext>
             </a:extLst>
           </p:cNvPr>
@@ -4938,7 +6419,7 @@
           <p:cNvPr id="3" name="Textfeld 2">
             <a:extLst>
               <a:ext uri="{FF2B5EF4-FFF2-40B4-BE49-F238E27FC236}">
-                <a16:creationId xmlns:a16="http://schemas.microsoft.com/office/drawing/2014/main" id="{EFC40141-D84C-2983-618A-48F53BF3917C}"/>
+                <a16:creationId xmlns:a16="http://schemas.microsoft.com/office/drawing/2014/main" id="{B8161F95-5ECA-A39D-B7D4-315CBF2B4FF1}"/>
               </a:ext>
             </a:extLst>
           </p:cNvPr>
@@ -5009,7 +6490,7 @@
           <p:cNvPr id="5" name="Title 1">
             <a:extLst>
               <a:ext uri="{FF2B5EF4-FFF2-40B4-BE49-F238E27FC236}">
-                <a16:creationId xmlns:a16="http://schemas.microsoft.com/office/drawing/2014/main" id="{C1E10F75-1E60-6B23-0EAB-E4AB67D94BDE}"/>
+                <a16:creationId xmlns:a16="http://schemas.microsoft.com/office/drawing/2014/main" id="{2D8AD077-057C-B565-80B9-99682E5592EA}"/>
               </a:ext>
             </a:extLst>
           </p:cNvPr>
@@ -5053,7 +6534,7 @@
           <a:p>
             <a:r>
               <a:rPr lang="de-DE" dirty="0"/>
-              <a:t>Erkenntnisse</a:t>
+              <a:t>Power BI</a:t>
             </a:r>
           </a:p>
         </p:txBody>
@@ -5063,7 +6544,7 @@
           <p:cNvPr id="7" name="Content Placeholder 2">
             <a:extLst>
               <a:ext uri="{FF2B5EF4-FFF2-40B4-BE49-F238E27FC236}">
-                <a16:creationId xmlns:a16="http://schemas.microsoft.com/office/drawing/2014/main" id="{A4B9E9E0-C683-11DC-BAC2-2E335DD002C2}"/>
+                <a16:creationId xmlns:a16="http://schemas.microsoft.com/office/drawing/2014/main" id="{6BC70FEF-82D1-0D9B-1792-107EFDFFD9E5}"/>
               </a:ext>
             </a:extLst>
           </p:cNvPr>
@@ -5260,7 +6741,7 @@
                   <a:schemeClr val="bg1"/>
                 </a:solidFill>
               </a:rPr>
-              <a:t>Produktivste Tage</a:t>
+              <a:t>Dashboards &amp; KPIs</a:t>
             </a:r>
           </a:p>
           <a:p>
@@ -5274,7 +6755,7 @@
                   <a:schemeClr val="bg1"/>
                 </a:solidFill>
               </a:rPr>
-              <a:t>Lernverhalten</a:t>
+              <a:t>Zeitliche Analysen</a:t>
             </a:r>
           </a:p>
           <a:p>
@@ -5288,23 +6769,110 @@
                   <a:schemeClr val="bg1"/>
                 </a:solidFill>
               </a:rPr>
-              <a:t>Zeitliche Muster</a:t>
-            </a:r>
-          </a:p>
-          <a:p>
-            <a:pPr algn="l"/>
-            <a:endParaRPr lang="de-DE" sz="1400" dirty="0">
-              <a:solidFill>
-                <a:schemeClr val="bg1"/>
-              </a:solidFill>
-            </a:endParaRPr>
-          </a:p>
-        </p:txBody>
-      </p:sp>
+              <a:t>Top-Lerntage</a:t>
+            </a:r>
+          </a:p>
+        </p:txBody>
+      </p:sp>
+      <p:sp>
+        <p:nvSpPr>
+          <p:cNvPr id="8" name="Textfeld 7">
+            <a:extLst>
+              <a:ext uri="{FF2B5EF4-FFF2-40B4-BE49-F238E27FC236}">
+                <a16:creationId xmlns:a16="http://schemas.microsoft.com/office/drawing/2014/main" id="{0246BE04-8EC8-9AEC-D7F1-483D16A1A367}"/>
+              </a:ext>
+            </a:extLst>
+          </p:cNvPr>
+          <p:cNvSpPr txBox="1"/>
+          <p:nvPr/>
+        </p:nvSpPr>
+        <p:spPr>
+          <a:xfrm>
+            <a:off x="3039036" y="1524244"/>
+            <a:ext cx="8417858" cy="646331"/>
+          </a:xfrm>
+          <a:prstGeom prst="rect">
+            <a:avLst/>
+          </a:prstGeom>
+          <a:noFill/>
+        </p:spPr>
+        <p:txBody>
+          <a:bodyPr wrap="square">
+            <a:spAutoFit/>
+          </a:bodyPr>
+          <a:lstStyle/>
+          <a:p>
+            <a:r>
+              <a:rPr lang="de-DE" dirty="0"/>
+              <a:t>In Power BI verbinde ich mich mit Athena und erstelle Dashboards. Hier werden die Lernzeiten visuell dargestellt, zum Beispiel nach Tagen, Monaten oder Tagesabschnitten</a:t>
+            </a:r>
+          </a:p>
+        </p:txBody>
+      </p:sp>
+      <p:pic>
+        <p:nvPicPr>
+          <p:cNvPr id="10" name="Grafik 9">
+            <a:extLst>
+              <a:ext uri="{FF2B5EF4-FFF2-40B4-BE49-F238E27FC236}">
+                <a16:creationId xmlns:a16="http://schemas.microsoft.com/office/drawing/2014/main" id="{80C569ED-C181-23F4-532B-A886D76B32DA}"/>
+              </a:ext>
+            </a:extLst>
+          </p:cNvPr>
+          <p:cNvPicPr>
+            <a:picLocks noChangeAspect="1"/>
+          </p:cNvPicPr>
+          <p:nvPr/>
+        </p:nvPicPr>
+        <p:blipFill>
+          <a:blip r:embed="rId3"/>
+          <a:stretch>
+            <a:fillRect/>
+          </a:stretch>
+        </p:blipFill>
+        <p:spPr>
+          <a:xfrm>
+            <a:off x="3010340" y="2281174"/>
+            <a:ext cx="3975516" cy="2210144"/>
+          </a:xfrm>
+          <a:prstGeom prst="rect">
+            <a:avLst/>
+          </a:prstGeom>
+        </p:spPr>
+      </p:pic>
+      <p:pic>
+        <p:nvPicPr>
+          <p:cNvPr id="12" name="Grafik 11">
+            <a:extLst>
+              <a:ext uri="{FF2B5EF4-FFF2-40B4-BE49-F238E27FC236}">
+                <a16:creationId xmlns:a16="http://schemas.microsoft.com/office/drawing/2014/main" id="{2DF89164-CD81-4537-5B6E-90C42C86E9AB}"/>
+              </a:ext>
+            </a:extLst>
+          </p:cNvPr>
+          <p:cNvPicPr>
+            <a:picLocks noChangeAspect="1"/>
+          </p:cNvPicPr>
+          <p:nvPr/>
+        </p:nvPicPr>
+        <p:blipFill>
+          <a:blip r:embed="rId4"/>
+          <a:stretch>
+            <a:fillRect/>
+          </a:stretch>
+        </p:blipFill>
+        <p:spPr>
+          <a:xfrm>
+            <a:off x="7466900" y="3687699"/>
+            <a:ext cx="3854793" cy="2167132"/>
+          </a:xfrm>
+          <a:prstGeom prst="rect">
+            <a:avLst/>
+          </a:prstGeom>
+        </p:spPr>
+      </p:pic>
     </p:spTree>
     <p:extLst>
       <p:ext uri="{BB962C8B-B14F-4D97-AF65-F5344CB8AC3E}">
-        <p14:creationId xmlns:p14="http://schemas.microsoft.com/office/powerpoint/2010/main" val="4099022058"/>
+        <p14:creationId xmlns:p14="http://schemas.microsoft.com/office/powerpoint/2010/main" val="996735461"/>
       </p:ext>
     </p:extLst>
   </p:cSld>
@@ -5332,7 +6900,7 @@
         <p:cNvPr id="1" name="">
           <a:extLst>
             <a:ext uri="{FF2B5EF4-FFF2-40B4-BE49-F238E27FC236}">
-              <a16:creationId xmlns:a16="http://schemas.microsoft.com/office/drawing/2014/main" id="{4C0796BE-FC9F-EF7E-CE58-AB787EB856B5}"/>
+              <a16:creationId xmlns:a16="http://schemas.microsoft.com/office/drawing/2014/main" id="{DACA52A6-D8EE-AD83-981D-F5D63C93E0AC}"/>
             </a:ext>
           </a:extLst>
         </p:cNvPr>
@@ -5352,7 +6920,7 @@
           <p:cNvPr id="6" name="Rechteck 5">
             <a:extLst>
               <a:ext uri="{FF2B5EF4-FFF2-40B4-BE49-F238E27FC236}">
-                <a16:creationId xmlns:a16="http://schemas.microsoft.com/office/drawing/2014/main" id="{DC64D5AA-0B94-196E-04EE-7C8F4C865B5F}"/>
+                <a16:creationId xmlns:a16="http://schemas.microsoft.com/office/drawing/2014/main" id="{07BA002D-D014-1038-587A-8EA77C04E276}"/>
               </a:ext>
             </a:extLst>
           </p:cNvPr>
@@ -5413,7 +6981,7 @@
           <p:cNvPr id="2" name="Grafik 1">
             <a:extLst>
               <a:ext uri="{FF2B5EF4-FFF2-40B4-BE49-F238E27FC236}">
-                <a16:creationId xmlns:a16="http://schemas.microsoft.com/office/drawing/2014/main" id="{6E3A4357-925C-FEEB-1917-810D1B0FF897}"/>
+                <a16:creationId xmlns:a16="http://schemas.microsoft.com/office/drawing/2014/main" id="{EA9DC840-5A9B-8B0F-E86A-AA4E9D5B4014}"/>
               </a:ext>
             </a:extLst>
           </p:cNvPr>
@@ -5443,7 +7011,7 @@
           <p:cNvPr id="3" name="Textfeld 2">
             <a:extLst>
               <a:ext uri="{FF2B5EF4-FFF2-40B4-BE49-F238E27FC236}">
-                <a16:creationId xmlns:a16="http://schemas.microsoft.com/office/drawing/2014/main" id="{61EDE187-3C9A-7BE8-9992-D4719E07322C}"/>
+                <a16:creationId xmlns:a16="http://schemas.microsoft.com/office/drawing/2014/main" id="{945277F5-A559-BF15-9885-024D77BCE495}"/>
               </a:ext>
             </a:extLst>
           </p:cNvPr>
@@ -5514,7 +7082,7 @@
           <p:cNvPr id="5" name="Title 1">
             <a:extLst>
               <a:ext uri="{FF2B5EF4-FFF2-40B4-BE49-F238E27FC236}">
-                <a16:creationId xmlns:a16="http://schemas.microsoft.com/office/drawing/2014/main" id="{CE2136E3-B840-9101-B73D-38793C06EA6B}"/>
+                <a16:creationId xmlns:a16="http://schemas.microsoft.com/office/drawing/2014/main" id="{1992A27B-6238-3C2C-237E-444144098D8D}"/>
               </a:ext>
             </a:extLst>
           </p:cNvPr>
@@ -5534,7 +7102,7 @@
         </p:spPr>
         <p:txBody>
           <a:bodyPr vert="horz" lIns="91440" tIns="45720" rIns="91440" bIns="45720" rtlCol="0" anchor="b">
-            <a:normAutofit/>
+            <a:normAutofit fontScale="85000" lnSpcReduction="10000"/>
           </a:bodyPr>
           <a:lstStyle>
             <a:lvl1pPr algn="ctr" defTabSz="914400" rtl="0" eaLnBrk="1" latinLnBrk="0" hangingPunct="1">
@@ -5558,7 +7126,7 @@
           <a:p>
             <a:r>
               <a:rPr lang="de-DE" dirty="0"/>
-              <a:t>Fazit</a:t>
+              <a:t>Warum Dimensionstabellen?</a:t>
             </a:r>
           </a:p>
         </p:txBody>
@@ -5568,7 +7136,7 @@
           <p:cNvPr id="7" name="Content Placeholder 2">
             <a:extLst>
               <a:ext uri="{FF2B5EF4-FFF2-40B4-BE49-F238E27FC236}">
-                <a16:creationId xmlns:a16="http://schemas.microsoft.com/office/drawing/2014/main" id="{8448C71A-B1DD-34F0-1448-95CA56F5718B}"/>
+                <a16:creationId xmlns:a16="http://schemas.microsoft.com/office/drawing/2014/main" id="{AF2F47F1-8683-BB94-D0C6-8B29F8DCBB4E}"/>
               </a:ext>
             </a:extLst>
           </p:cNvPr>
@@ -5760,12 +7328,12 @@
               <a:buChar char="Ø"/>
             </a:pPr>
             <a:r>
-              <a:rPr lang="da-DK" sz="1400" dirty="0">
+              <a:rPr lang="de-DE" sz="1400" dirty="0">
                 <a:solidFill>
                   <a:schemeClr val="bg1"/>
                 </a:solidFill>
               </a:rPr>
-              <a:t>End-to-End BI-Projekt</a:t>
+              <a:t>Saubere Struktur</a:t>
             </a:r>
           </a:p>
           <a:p>
@@ -5774,12 +7342,12 @@
               <a:buChar char="Ø"/>
             </a:pPr>
             <a:r>
-              <a:rPr lang="da-DK" sz="1400" dirty="0">
+              <a:rPr lang="de-DE" sz="1400" dirty="0">
                 <a:solidFill>
                   <a:schemeClr val="bg1"/>
                 </a:solidFill>
               </a:rPr>
-              <a:t>Cloud + Analyse</a:t>
+              <a:t>Korrekte Sortierung</a:t>
             </a:r>
           </a:p>
           <a:p>
@@ -5788,28 +7356,177 @@
               <a:buChar char="Ø"/>
             </a:pPr>
             <a:r>
-              <a:rPr lang="da-DK" sz="1400" dirty="0">
+              <a:rPr lang="de-DE" sz="1400" dirty="0">
                 <a:solidFill>
                   <a:schemeClr val="bg1"/>
                 </a:solidFill>
               </a:rPr>
-              <a:t>Praxisnah</a:t>
-            </a:r>
-          </a:p>
-          <a:p>
-            <a:pPr algn="l"/>
-            <a:endParaRPr lang="de-DE" sz="1400" dirty="0">
-              <a:solidFill>
-                <a:schemeClr val="bg1"/>
-              </a:solidFill>
-            </a:endParaRPr>
-          </a:p>
-        </p:txBody>
-      </p:sp>
+              <a:t>Bessere Auswertungen</a:t>
+            </a:r>
+          </a:p>
+        </p:txBody>
+      </p:sp>
+      <p:sp>
+        <p:nvSpPr>
+          <p:cNvPr id="8" name="Textfeld 7">
+            <a:extLst>
+              <a:ext uri="{FF2B5EF4-FFF2-40B4-BE49-F238E27FC236}">
+                <a16:creationId xmlns:a16="http://schemas.microsoft.com/office/drawing/2014/main" id="{45E4C621-C4B9-6A0D-3C39-A5EC682C2B48}"/>
+              </a:ext>
+            </a:extLst>
+          </p:cNvPr>
+          <p:cNvSpPr txBox="1"/>
+          <p:nvPr/>
+        </p:nvSpPr>
+        <p:spPr>
+          <a:xfrm>
+            <a:off x="3039035" y="1524244"/>
+            <a:ext cx="8282657" cy="646331"/>
+          </a:xfrm>
+          <a:prstGeom prst="rect">
+            <a:avLst/>
+          </a:prstGeom>
+          <a:noFill/>
+        </p:spPr>
+        <p:txBody>
+          <a:bodyPr wrap="square">
+            <a:spAutoFit/>
+          </a:bodyPr>
+          <a:lstStyle/>
+          <a:p>
+            <a:r>
+              <a:rPr lang="de-DE" dirty="0"/>
+              <a:t>Dimensionstabellen sorgen für Ordnung. Zeitinformationen werden nur einmal definiert, korrekt sortiert und können flexibel für Auswertungen genutzt werden</a:t>
+            </a:r>
+          </a:p>
+        </p:txBody>
+      </p:sp>
+      <p:pic>
+        <p:nvPicPr>
+          <p:cNvPr id="10" name="Grafik 9">
+            <a:extLst>
+              <a:ext uri="{FF2B5EF4-FFF2-40B4-BE49-F238E27FC236}">
+                <a16:creationId xmlns:a16="http://schemas.microsoft.com/office/drawing/2014/main" id="{4B8C93D4-D5F5-C27F-C966-B1B084E75C48}"/>
+              </a:ext>
+            </a:extLst>
+          </p:cNvPr>
+          <p:cNvPicPr>
+            <a:picLocks noChangeAspect="1"/>
+          </p:cNvPicPr>
+          <p:nvPr/>
+        </p:nvPicPr>
+        <p:blipFill>
+          <a:blip r:embed="rId3"/>
+          <a:srcRect b="60635"/>
+          <a:stretch>
+            <a:fillRect/>
+          </a:stretch>
+        </p:blipFill>
+        <p:spPr>
+          <a:xfrm>
+            <a:off x="2830408" y="2255581"/>
+            <a:ext cx="6032932" cy="2003860"/>
+          </a:xfrm>
+          <a:prstGeom prst="rect">
+            <a:avLst/>
+          </a:prstGeom>
+        </p:spPr>
+      </p:pic>
+      <p:pic>
+        <p:nvPicPr>
+          <p:cNvPr id="12" name="Grafik 11">
+            <a:extLst>
+              <a:ext uri="{FF2B5EF4-FFF2-40B4-BE49-F238E27FC236}">
+                <a16:creationId xmlns:a16="http://schemas.microsoft.com/office/drawing/2014/main" id="{F43EE03C-166F-BA72-E5B3-4A0F97C488D8}"/>
+              </a:ext>
+            </a:extLst>
+          </p:cNvPr>
+          <p:cNvPicPr>
+            <a:picLocks noChangeAspect="1"/>
+          </p:cNvPicPr>
+          <p:nvPr/>
+        </p:nvPicPr>
+        <p:blipFill>
+          <a:blip r:embed="rId4"/>
+          <a:srcRect b="60635"/>
+          <a:stretch>
+            <a:fillRect/>
+          </a:stretch>
+        </p:blipFill>
+        <p:spPr>
+          <a:xfrm>
+            <a:off x="2830408" y="4344448"/>
+            <a:ext cx="4030859" cy="2096109"/>
+          </a:xfrm>
+          <a:prstGeom prst="rect">
+            <a:avLst/>
+          </a:prstGeom>
+        </p:spPr>
+      </p:pic>
+      <p:pic>
+        <p:nvPicPr>
+          <p:cNvPr id="14" name="Grafik 13">
+            <a:extLst>
+              <a:ext uri="{FF2B5EF4-FFF2-40B4-BE49-F238E27FC236}">
+                <a16:creationId xmlns:a16="http://schemas.microsoft.com/office/drawing/2014/main" id="{82FD4378-2115-0B8B-D2DB-17FF317CB4EB}"/>
+              </a:ext>
+            </a:extLst>
+          </p:cNvPr>
+          <p:cNvPicPr>
+            <a:picLocks noChangeAspect="1"/>
+          </p:cNvPicPr>
+          <p:nvPr/>
+        </p:nvPicPr>
+        <p:blipFill>
+          <a:blip r:embed="rId5"/>
+          <a:stretch>
+            <a:fillRect/>
+          </a:stretch>
+        </p:blipFill>
+        <p:spPr>
+          <a:xfrm>
+            <a:off x="10026595" y="2311239"/>
+            <a:ext cx="1760673" cy="3753461"/>
+          </a:xfrm>
+          <a:prstGeom prst="rect">
+            <a:avLst/>
+          </a:prstGeom>
+        </p:spPr>
+      </p:pic>
+      <p:pic>
+        <p:nvPicPr>
+          <p:cNvPr id="16" name="Grafik 15">
+            <a:extLst>
+              <a:ext uri="{FF2B5EF4-FFF2-40B4-BE49-F238E27FC236}">
+                <a16:creationId xmlns:a16="http://schemas.microsoft.com/office/drawing/2014/main" id="{9A695BDC-348D-9CC0-6C75-8214BAC4AF80}"/>
+              </a:ext>
+            </a:extLst>
+          </p:cNvPr>
+          <p:cNvPicPr>
+            <a:picLocks noChangeAspect="1"/>
+          </p:cNvPicPr>
+          <p:nvPr/>
+        </p:nvPicPr>
+        <p:blipFill>
+          <a:blip r:embed="rId6"/>
+          <a:stretch>
+            <a:fillRect/>
+          </a:stretch>
+        </p:blipFill>
+        <p:spPr>
+          <a:xfrm>
+            <a:off x="6990882" y="4626926"/>
+            <a:ext cx="2417137" cy="1413659"/>
+          </a:xfrm>
+          <a:prstGeom prst="rect">
+            <a:avLst/>
+          </a:prstGeom>
+        </p:spPr>
+      </p:pic>
     </p:spTree>
     <p:extLst>
       <p:ext uri="{BB962C8B-B14F-4D97-AF65-F5344CB8AC3E}">
-        <p14:creationId xmlns:p14="http://schemas.microsoft.com/office/powerpoint/2010/main" val="1039247811"/>
+        <p14:creationId xmlns:p14="http://schemas.microsoft.com/office/powerpoint/2010/main" val="1783719382"/>
       </p:ext>
     </p:extLst>
   </p:cSld>
@@ -5837,7 +7554,7 @@
         <p:cNvPr id="1" name="">
           <a:extLst>
             <a:ext uri="{FF2B5EF4-FFF2-40B4-BE49-F238E27FC236}">
-              <a16:creationId xmlns:a16="http://schemas.microsoft.com/office/drawing/2014/main" id="{F52FBF71-D4F8-33EE-EF22-06A2C65933A4}"/>
+              <a16:creationId xmlns:a16="http://schemas.microsoft.com/office/drawing/2014/main" id="{E53616A3-B137-CB85-042B-EDABE888E56F}"/>
             </a:ext>
           </a:extLst>
         </p:cNvPr>
@@ -5857,7 +7574,7 @@
           <p:cNvPr id="6" name="Rechteck 5">
             <a:extLst>
               <a:ext uri="{FF2B5EF4-FFF2-40B4-BE49-F238E27FC236}">
-                <a16:creationId xmlns:a16="http://schemas.microsoft.com/office/drawing/2014/main" id="{7439E5B1-5D29-275F-8C9E-71F06D4D5C04}"/>
+                <a16:creationId xmlns:a16="http://schemas.microsoft.com/office/drawing/2014/main" id="{BD775AFA-3F77-94B5-24AD-6D56A5167432}"/>
               </a:ext>
             </a:extLst>
           </p:cNvPr>
@@ -5918,7 +7635,7 @@
           <p:cNvPr id="2" name="Grafik 1">
             <a:extLst>
               <a:ext uri="{FF2B5EF4-FFF2-40B4-BE49-F238E27FC236}">
-                <a16:creationId xmlns:a16="http://schemas.microsoft.com/office/drawing/2014/main" id="{7EB3A91E-4440-1522-66BF-1DBD22C2CEF9}"/>
+                <a16:creationId xmlns:a16="http://schemas.microsoft.com/office/drawing/2014/main" id="{19A7660B-2FBD-6F3D-553E-ACDFA968317F}"/>
               </a:ext>
             </a:extLst>
           </p:cNvPr>
@@ -5948,7 +7665,7 @@
           <p:cNvPr id="3" name="Textfeld 2">
             <a:extLst>
               <a:ext uri="{FF2B5EF4-FFF2-40B4-BE49-F238E27FC236}">
-                <a16:creationId xmlns:a16="http://schemas.microsoft.com/office/drawing/2014/main" id="{92243253-65BF-6A8E-C282-EA35337F7602}"/>
+                <a16:creationId xmlns:a16="http://schemas.microsoft.com/office/drawing/2014/main" id="{65B97033-11B7-124D-A775-AEE517707ADE}"/>
               </a:ext>
             </a:extLst>
           </p:cNvPr>
@@ -6019,7 +7736,7 @@
           <p:cNvPr id="5" name="Title 1">
             <a:extLst>
               <a:ext uri="{FF2B5EF4-FFF2-40B4-BE49-F238E27FC236}">
-                <a16:creationId xmlns:a16="http://schemas.microsoft.com/office/drawing/2014/main" id="{DD4EB76E-9C73-EE68-8D72-CB8EE90881E9}"/>
+                <a16:creationId xmlns:a16="http://schemas.microsoft.com/office/drawing/2014/main" id="{BD73C13D-72F1-C58D-23CD-F10052A65E40}"/>
               </a:ext>
             </a:extLst>
           </p:cNvPr>
@@ -6063,7 +7780,7 @@
           <a:p>
             <a:r>
               <a:rPr lang="de-DE" dirty="0"/>
-              <a:t>Ausblick</a:t>
+              <a:t>KPI-Dashboard</a:t>
             </a:r>
           </a:p>
         </p:txBody>
@@ -6073,7 +7790,7 @@
           <p:cNvPr id="7" name="Content Placeholder 2">
             <a:extLst>
               <a:ext uri="{FF2B5EF4-FFF2-40B4-BE49-F238E27FC236}">
-                <a16:creationId xmlns:a16="http://schemas.microsoft.com/office/drawing/2014/main" id="{D1B212D5-1C37-5F89-EBE4-CA23CAF4E1A8}"/>
+                <a16:creationId xmlns:a16="http://schemas.microsoft.com/office/drawing/2014/main" id="{606FCF46-9E9C-5A77-5B43-B4EC0C6A1CCB}"/>
               </a:ext>
             </a:extLst>
           </p:cNvPr>
@@ -6270,7 +7987,7 @@
                   <a:schemeClr val="bg1"/>
                 </a:solidFill>
               </a:rPr>
-              <a:t>Mehr Nutzer</a:t>
+              <a:t>Gesamtlernzeit</a:t>
             </a:r>
           </a:p>
           <a:p>
@@ -6284,7 +8001,7 @@
                   <a:schemeClr val="bg1"/>
                 </a:solidFill>
               </a:rPr>
-              <a:t>Mehr KPIs</a:t>
+              <a:t>Durchschnitt pro Tag</a:t>
             </a:r>
           </a:p>
           <a:p>
@@ -6298,23 +8015,124 @@
                   <a:schemeClr val="bg1"/>
                 </a:solidFill>
               </a:rPr>
-              <a:t>Automatisierung</a:t>
-            </a:r>
-          </a:p>
-          <a:p>
-            <a:pPr algn="l"/>
-            <a:endParaRPr lang="de-DE" sz="1400" dirty="0">
-              <a:solidFill>
-                <a:schemeClr val="bg1"/>
-              </a:solidFill>
-            </a:endParaRPr>
-          </a:p>
-        </p:txBody>
-      </p:sp>
+              <a:t>Längster Lerntag</a:t>
+            </a:r>
+          </a:p>
+          <a:p>
+            <a:pPr marL="285750" indent="-285750" algn="l">
+              <a:buFont typeface="Wingdings" panose="05000000000000000000" pitchFamily="2" charset="2"/>
+              <a:buChar char="Ø"/>
+            </a:pPr>
+            <a:r>
+              <a:rPr lang="de-DE" sz="1400" dirty="0">
+                <a:solidFill>
+                  <a:schemeClr val="bg1"/>
+                </a:solidFill>
+              </a:rPr>
+              <a:t>Tagesabschnitte</a:t>
+            </a:r>
+          </a:p>
+        </p:txBody>
+      </p:sp>
+      <p:sp>
+        <p:nvSpPr>
+          <p:cNvPr id="8" name="Textfeld 7">
+            <a:extLst>
+              <a:ext uri="{FF2B5EF4-FFF2-40B4-BE49-F238E27FC236}">
+                <a16:creationId xmlns:a16="http://schemas.microsoft.com/office/drawing/2014/main" id="{0B49B72A-65BF-99D2-643E-6F5F36DDBF47}"/>
+              </a:ext>
+            </a:extLst>
+          </p:cNvPr>
+          <p:cNvSpPr txBox="1"/>
+          <p:nvPr/>
+        </p:nvSpPr>
+        <p:spPr>
+          <a:xfrm>
+            <a:off x="3040712" y="1434721"/>
+            <a:ext cx="8393264" cy="646331"/>
+          </a:xfrm>
+          <a:prstGeom prst="rect">
+            <a:avLst/>
+          </a:prstGeom>
+          <a:noFill/>
+        </p:spPr>
+        <p:txBody>
+          <a:bodyPr wrap="square">
+            <a:spAutoFit/>
+          </a:bodyPr>
+          <a:lstStyle/>
+          <a:p>
+            <a:r>
+              <a:rPr lang="de-DE" dirty="0"/>
+              <a:t>Im KPI-Dashboard sehe ich auf einen Blick die wichtigsten Kennzahlen, zum Beispiel meine Gesamtlernzeit oder den längsten Lerntag</a:t>
+            </a:r>
+          </a:p>
+        </p:txBody>
+      </p:sp>
+      <p:pic>
+        <p:nvPicPr>
+          <p:cNvPr id="10" name="Grafik 9">
+            <a:extLst>
+              <a:ext uri="{FF2B5EF4-FFF2-40B4-BE49-F238E27FC236}">
+                <a16:creationId xmlns:a16="http://schemas.microsoft.com/office/drawing/2014/main" id="{994CF1A5-5316-21DD-5B05-65B502F8C83B}"/>
+              </a:ext>
+            </a:extLst>
+          </p:cNvPr>
+          <p:cNvPicPr>
+            <a:picLocks noChangeAspect="1"/>
+          </p:cNvPicPr>
+          <p:nvPr/>
+        </p:nvPicPr>
+        <p:blipFill>
+          <a:blip r:embed="rId3"/>
+          <a:stretch>
+            <a:fillRect/>
+          </a:stretch>
+        </p:blipFill>
+        <p:spPr>
+          <a:xfrm>
+            <a:off x="3196424" y="2284061"/>
+            <a:ext cx="7924571" cy="1639291"/>
+          </a:xfrm>
+          <a:prstGeom prst="rect">
+            <a:avLst/>
+          </a:prstGeom>
+        </p:spPr>
+      </p:pic>
+      <p:pic>
+        <p:nvPicPr>
+          <p:cNvPr id="12" name="Grafik 11">
+            <a:extLst>
+              <a:ext uri="{FF2B5EF4-FFF2-40B4-BE49-F238E27FC236}">
+                <a16:creationId xmlns:a16="http://schemas.microsoft.com/office/drawing/2014/main" id="{87FCEDE4-1490-B9F6-850E-B2B77D5AEFAD}"/>
+              </a:ext>
+            </a:extLst>
+          </p:cNvPr>
+          <p:cNvPicPr>
+            <a:picLocks noChangeAspect="1"/>
+          </p:cNvPicPr>
+          <p:nvPr/>
+        </p:nvPicPr>
+        <p:blipFill>
+          <a:blip r:embed="rId4"/>
+          <a:stretch>
+            <a:fillRect/>
+          </a:stretch>
+        </p:blipFill>
+        <p:spPr>
+          <a:xfrm>
+            <a:off x="3356253" y="4047486"/>
+            <a:ext cx="4420123" cy="2677446"/>
+          </a:xfrm>
+          <a:prstGeom prst="rect">
+            <a:avLst/>
+          </a:prstGeom>
+        </p:spPr>
+      </p:pic>
     </p:spTree>
     <p:extLst>
       <p:ext uri="{BB962C8B-B14F-4D97-AF65-F5344CB8AC3E}">
-        <p14:creationId xmlns:p14="http://schemas.microsoft.com/office/powerpoint/2010/main" val="2988244795"/>
+        <p14:creationId xmlns:p14="http://schemas.microsoft.com/office/powerpoint/2010/main" val="272255325"/>
       </p:ext>
     </p:extLst>
   </p:cSld>
@@ -6324,7 +8142,7 @@
 </p:sld>
 </file>
 
-<file path=ppt/slides/slide2.xml><?xml version="1.0" encoding="utf-8"?>
+<file path=ppt/slides/slide15.xml><?xml version="1.0" encoding="utf-8"?>
 <p:sld xmlns:a="http://schemas.openxmlformats.org/drawingml/2006/main" xmlns:r="http://schemas.openxmlformats.org/officeDocument/2006/relationships" xmlns:p="http://schemas.openxmlformats.org/presentationml/2006/main">
   <p:cSld>
     <p:bg>
@@ -6342,7 +8160,7 @@
         <p:cNvPr id="1" name="">
           <a:extLst>
             <a:ext uri="{FF2B5EF4-FFF2-40B4-BE49-F238E27FC236}">
-              <a16:creationId xmlns:a16="http://schemas.microsoft.com/office/drawing/2014/main" id="{F490D979-B1A3-FAA8-0F23-942B49E6E374}"/>
+              <a16:creationId xmlns:a16="http://schemas.microsoft.com/office/drawing/2014/main" id="{26C46EE0-D75C-E368-5939-51B02195D7A1}"/>
             </a:ext>
           </a:extLst>
         </p:cNvPr>
@@ -6362,7 +8180,7 @@
           <p:cNvPr id="6" name="Rechteck 5">
             <a:extLst>
               <a:ext uri="{FF2B5EF4-FFF2-40B4-BE49-F238E27FC236}">
-                <a16:creationId xmlns:a16="http://schemas.microsoft.com/office/drawing/2014/main" id="{D603274C-DB6A-5072-3AED-F3EF334D9106}"/>
+                <a16:creationId xmlns:a16="http://schemas.microsoft.com/office/drawing/2014/main" id="{3C2CCADB-AEE3-31AE-68CC-11DD3F695E4E}"/>
               </a:ext>
             </a:extLst>
           </p:cNvPr>
@@ -6423,7 +8241,7 @@
           <p:cNvPr id="2" name="Grafik 1">
             <a:extLst>
               <a:ext uri="{FF2B5EF4-FFF2-40B4-BE49-F238E27FC236}">
-                <a16:creationId xmlns:a16="http://schemas.microsoft.com/office/drawing/2014/main" id="{4B5EA21E-5BE6-17A5-3A51-2D0C5A09BFBF}"/>
+                <a16:creationId xmlns:a16="http://schemas.microsoft.com/office/drawing/2014/main" id="{2D1CB19F-C87C-A768-AD24-902CA35AC579}"/>
               </a:ext>
             </a:extLst>
           </p:cNvPr>
@@ -6453,7 +8271,7 @@
           <p:cNvPr id="3" name="Textfeld 2">
             <a:extLst>
               <a:ext uri="{FF2B5EF4-FFF2-40B4-BE49-F238E27FC236}">
-                <a16:creationId xmlns:a16="http://schemas.microsoft.com/office/drawing/2014/main" id="{B1F44A3D-1CCE-E12D-E77D-097FE0E10374}"/>
+                <a16:creationId xmlns:a16="http://schemas.microsoft.com/office/drawing/2014/main" id="{EFC40141-D84C-2983-618A-48F53BF3917C}"/>
               </a:ext>
             </a:extLst>
           </p:cNvPr>
@@ -6524,7 +8342,7 @@
           <p:cNvPr id="5" name="Title 1">
             <a:extLst>
               <a:ext uri="{FF2B5EF4-FFF2-40B4-BE49-F238E27FC236}">
-                <a16:creationId xmlns:a16="http://schemas.microsoft.com/office/drawing/2014/main" id="{9E791D9E-782F-43DA-DB8D-2D33FDC2FE97}"/>
+                <a16:creationId xmlns:a16="http://schemas.microsoft.com/office/drawing/2014/main" id="{C1E10F75-1E60-6B23-0EAB-E4AB67D94BDE}"/>
               </a:ext>
             </a:extLst>
           </p:cNvPr>
@@ -6568,7 +8386,7 @@
           <a:p>
             <a:r>
               <a:rPr lang="de-DE" dirty="0"/>
-              <a:t>Ausgangssituation</a:t>
+              <a:t>Erkenntnisse</a:t>
             </a:r>
           </a:p>
         </p:txBody>
@@ -6578,7 +8396,7 @@
           <p:cNvPr id="7" name="Content Placeholder 2">
             <a:extLst>
               <a:ext uri="{FF2B5EF4-FFF2-40B4-BE49-F238E27FC236}">
-                <a16:creationId xmlns:a16="http://schemas.microsoft.com/office/drawing/2014/main" id="{CB9B6D83-41F9-4A58-6C2C-31662DF71EA8}"/>
+                <a16:creationId xmlns:a16="http://schemas.microsoft.com/office/drawing/2014/main" id="{A4B9E9E0-C683-11DC-BAC2-2E335DD002C2}"/>
               </a:ext>
             </a:extLst>
           </p:cNvPr>
@@ -6775,7 +8593,7 @@
                   <a:schemeClr val="bg1"/>
                 </a:solidFill>
               </a:rPr>
-              <a:t>Mehrere Excel-Dateien</a:t>
+              <a:t>Produktivste Tage</a:t>
             </a:r>
           </a:p>
           <a:p>
@@ -6789,7 +8607,7 @@
                   <a:schemeClr val="bg1"/>
                 </a:solidFill>
               </a:rPr>
-              <a:t>Unterschiedliche Formate</a:t>
+              <a:t>Lernverhalten</a:t>
             </a:r>
           </a:p>
           <a:p>
@@ -6803,15 +8621,118 @@
                   <a:schemeClr val="bg1"/>
                 </a:solidFill>
               </a:rPr>
-              <a:t>Keine klare Auswertung</a:t>
-            </a:r>
-          </a:p>
-        </p:txBody>
-      </p:sp>
+              <a:t>Zeitliche Muster</a:t>
+            </a:r>
+          </a:p>
+          <a:p>
+            <a:pPr algn="l"/>
+            <a:endParaRPr lang="de-DE" sz="1400" dirty="0">
+              <a:solidFill>
+                <a:schemeClr val="bg1"/>
+              </a:solidFill>
+            </a:endParaRPr>
+          </a:p>
+        </p:txBody>
+      </p:sp>
+      <p:sp>
+        <p:nvSpPr>
+          <p:cNvPr id="8" name="Textfeld 7">
+            <a:extLst>
+              <a:ext uri="{FF2B5EF4-FFF2-40B4-BE49-F238E27FC236}">
+                <a16:creationId xmlns:a16="http://schemas.microsoft.com/office/drawing/2014/main" id="{25427B6F-369D-43ED-9770-60384399607D}"/>
+              </a:ext>
+            </a:extLst>
+          </p:cNvPr>
+          <p:cNvSpPr txBox="1"/>
+          <p:nvPr/>
+        </p:nvSpPr>
+        <p:spPr>
+          <a:xfrm>
+            <a:off x="3040711" y="1524244"/>
+            <a:ext cx="8229599" cy="646331"/>
+          </a:xfrm>
+          <a:prstGeom prst="rect">
+            <a:avLst/>
+          </a:prstGeom>
+          <a:noFill/>
+        </p:spPr>
+        <p:txBody>
+          <a:bodyPr wrap="square">
+            <a:spAutoFit/>
+          </a:bodyPr>
+          <a:lstStyle/>
+          <a:p>
+            <a:r>
+              <a:rPr lang="de-DE" dirty="0"/>
+              <a:t>Durch die Analyse erkenne ich Muster: An welchen Tagen ich am produktivsten bin, zu welchen Uhrzeiten ich lerne und wie sich meine Lernzeiten über Monate entwickeln</a:t>
+            </a:r>
+          </a:p>
+        </p:txBody>
+      </p:sp>
+      <p:pic>
+        <p:nvPicPr>
+          <p:cNvPr id="10" name="Grafik 9">
+            <a:extLst>
+              <a:ext uri="{FF2B5EF4-FFF2-40B4-BE49-F238E27FC236}">
+                <a16:creationId xmlns:a16="http://schemas.microsoft.com/office/drawing/2014/main" id="{33CB019C-2C9E-FC6C-E176-231C26BFF7FF}"/>
+              </a:ext>
+            </a:extLst>
+          </p:cNvPr>
+          <p:cNvPicPr>
+            <a:picLocks noChangeAspect="1"/>
+          </p:cNvPicPr>
+          <p:nvPr/>
+        </p:nvPicPr>
+        <p:blipFill>
+          <a:blip r:embed="rId3"/>
+          <a:stretch>
+            <a:fillRect/>
+          </a:stretch>
+        </p:blipFill>
+        <p:spPr>
+          <a:xfrm>
+            <a:off x="3092093" y="2404677"/>
+            <a:ext cx="5410955" cy="3734321"/>
+          </a:xfrm>
+          <a:prstGeom prst="rect">
+            <a:avLst/>
+          </a:prstGeom>
+        </p:spPr>
+      </p:pic>
+      <p:pic>
+        <p:nvPicPr>
+          <p:cNvPr id="12" name="Grafik 11">
+            <a:extLst>
+              <a:ext uri="{FF2B5EF4-FFF2-40B4-BE49-F238E27FC236}">
+                <a16:creationId xmlns:a16="http://schemas.microsoft.com/office/drawing/2014/main" id="{2331AB1D-860A-D6C8-26D4-AE6B94B881B9}"/>
+              </a:ext>
+            </a:extLst>
+          </p:cNvPr>
+          <p:cNvPicPr>
+            <a:picLocks noChangeAspect="1"/>
+          </p:cNvPicPr>
+          <p:nvPr/>
+        </p:nvPicPr>
+        <p:blipFill>
+          <a:blip r:embed="rId4"/>
+          <a:stretch>
+            <a:fillRect/>
+          </a:stretch>
+        </p:blipFill>
+        <p:spPr>
+          <a:xfrm>
+            <a:off x="8690093" y="2434134"/>
+            <a:ext cx="3391373" cy="1457528"/>
+          </a:xfrm>
+          <a:prstGeom prst="rect">
+            <a:avLst/>
+          </a:prstGeom>
+        </p:spPr>
+      </p:pic>
     </p:spTree>
     <p:extLst>
       <p:ext uri="{BB962C8B-B14F-4D97-AF65-F5344CB8AC3E}">
-        <p14:creationId xmlns:p14="http://schemas.microsoft.com/office/powerpoint/2010/main" val="1793436612"/>
+        <p14:creationId xmlns:p14="http://schemas.microsoft.com/office/powerpoint/2010/main" val="4099022058"/>
       </p:ext>
     </p:extLst>
   </p:cSld>
@@ -6821,7 +8742,7 @@
 </p:sld>
 </file>
 
-<file path=ppt/slides/slide3.xml><?xml version="1.0" encoding="utf-8"?>
+<file path=ppt/slides/slide16.xml><?xml version="1.0" encoding="utf-8"?>
 <p:sld xmlns:a="http://schemas.openxmlformats.org/drawingml/2006/main" xmlns:r="http://schemas.openxmlformats.org/officeDocument/2006/relationships" xmlns:p="http://schemas.openxmlformats.org/presentationml/2006/main">
   <p:cSld>
     <p:bg>
@@ -6839,7 +8760,7 @@
         <p:cNvPr id="1" name="">
           <a:extLst>
             <a:ext uri="{FF2B5EF4-FFF2-40B4-BE49-F238E27FC236}">
-              <a16:creationId xmlns:a16="http://schemas.microsoft.com/office/drawing/2014/main" id="{2951B8D8-6A4D-D84F-6D69-0BF90126934C}"/>
+              <a16:creationId xmlns:a16="http://schemas.microsoft.com/office/drawing/2014/main" id="{4C0796BE-FC9F-EF7E-CE58-AB787EB856B5}"/>
             </a:ext>
           </a:extLst>
         </p:cNvPr>
@@ -6859,7 +8780,7 @@
           <p:cNvPr id="6" name="Rechteck 5">
             <a:extLst>
               <a:ext uri="{FF2B5EF4-FFF2-40B4-BE49-F238E27FC236}">
-                <a16:creationId xmlns:a16="http://schemas.microsoft.com/office/drawing/2014/main" id="{20BC21D5-0BE6-C542-8B5B-DC238F4724CB}"/>
+                <a16:creationId xmlns:a16="http://schemas.microsoft.com/office/drawing/2014/main" id="{DC64D5AA-0B94-196E-04EE-7C8F4C865B5F}"/>
               </a:ext>
             </a:extLst>
           </p:cNvPr>
@@ -6920,7 +8841,7 @@
           <p:cNvPr id="2" name="Grafik 1">
             <a:extLst>
               <a:ext uri="{FF2B5EF4-FFF2-40B4-BE49-F238E27FC236}">
-                <a16:creationId xmlns:a16="http://schemas.microsoft.com/office/drawing/2014/main" id="{B0DB91D5-7582-796A-D14F-5A1C3EE0EC2B}"/>
+                <a16:creationId xmlns:a16="http://schemas.microsoft.com/office/drawing/2014/main" id="{6E3A4357-925C-FEEB-1917-810D1B0FF897}"/>
               </a:ext>
             </a:extLst>
           </p:cNvPr>
@@ -6950,7 +8871,7 @@
           <p:cNvPr id="3" name="Textfeld 2">
             <a:extLst>
               <a:ext uri="{FF2B5EF4-FFF2-40B4-BE49-F238E27FC236}">
-                <a16:creationId xmlns:a16="http://schemas.microsoft.com/office/drawing/2014/main" id="{2171F5DB-60B7-17DB-328B-2F8844163DB0}"/>
+                <a16:creationId xmlns:a16="http://schemas.microsoft.com/office/drawing/2014/main" id="{61EDE187-3C9A-7BE8-9992-D4719E07322C}"/>
               </a:ext>
             </a:extLst>
           </p:cNvPr>
@@ -7021,7 +8942,7 @@
           <p:cNvPr id="5" name="Title 1">
             <a:extLst>
               <a:ext uri="{FF2B5EF4-FFF2-40B4-BE49-F238E27FC236}">
-                <a16:creationId xmlns:a16="http://schemas.microsoft.com/office/drawing/2014/main" id="{C5F1C7B4-30E2-29FC-C394-E95C7C4B1233}"/>
+                <a16:creationId xmlns:a16="http://schemas.microsoft.com/office/drawing/2014/main" id="{CE2136E3-B840-9101-B73D-38793C06EA6B}"/>
               </a:ext>
             </a:extLst>
           </p:cNvPr>
@@ -7065,7 +8986,7 @@
           <a:p>
             <a:r>
               <a:rPr lang="de-DE" dirty="0"/>
-              <a:t>Projektziel</a:t>
+              <a:t>Fazit</a:t>
             </a:r>
           </a:p>
         </p:txBody>
@@ -7075,7 +8996,7 @@
           <p:cNvPr id="7" name="Content Placeholder 2">
             <a:extLst>
               <a:ext uri="{FF2B5EF4-FFF2-40B4-BE49-F238E27FC236}">
-                <a16:creationId xmlns:a16="http://schemas.microsoft.com/office/drawing/2014/main" id="{2B40DD62-11AD-252F-F7C7-341B9D9F0E10}"/>
+                <a16:creationId xmlns:a16="http://schemas.microsoft.com/office/drawing/2014/main" id="{8448C71A-B1DD-34F0-1448-95CA56F5718B}"/>
               </a:ext>
             </a:extLst>
           </p:cNvPr>
@@ -7267,12 +9188,12 @@
               <a:buChar char="Ø"/>
             </a:pPr>
             <a:r>
-              <a:rPr lang="de-DE" sz="1400" dirty="0">
+              <a:rPr lang="da-DK" sz="1400" dirty="0">
                 <a:solidFill>
                   <a:schemeClr val="bg1"/>
                 </a:solidFill>
               </a:rPr>
-              <a:t>Digitale Zeiterfassung</a:t>
+              <a:t>End-to-End BI-Projekt</a:t>
             </a:r>
           </a:p>
           <a:p>
@@ -7281,12 +9202,12 @@
               <a:buChar char="Ø"/>
             </a:pPr>
             <a:r>
-              <a:rPr lang="de-DE" sz="1400" dirty="0">
+              <a:rPr lang="da-DK" sz="1400" dirty="0">
                 <a:solidFill>
                   <a:schemeClr val="bg1"/>
                 </a:solidFill>
               </a:rPr>
-              <a:t>Automatische Speicherung</a:t>
+              <a:t>Cloud + Analyse</a:t>
             </a:r>
           </a:p>
           <a:p>
@@ -7295,14 +9216,512 @@
               <a:buChar char="Ø"/>
             </a:pPr>
             <a:r>
-              <a:rPr lang="de-DE" sz="1400" dirty="0">
+              <a:rPr lang="da-DK" sz="1400" dirty="0">
                 <a:solidFill>
                   <a:schemeClr val="bg1"/>
                 </a:solidFill>
               </a:rPr>
-              <a:t>Visuelle Analyse</a:t>
-            </a:r>
-          </a:p>
+              <a:t>Praxisnah</a:t>
+            </a:r>
+          </a:p>
+          <a:p>
+            <a:pPr algn="l"/>
+            <a:endParaRPr lang="de-DE" sz="1400" dirty="0">
+              <a:solidFill>
+                <a:schemeClr val="bg1"/>
+              </a:solidFill>
+            </a:endParaRPr>
+          </a:p>
+        </p:txBody>
+      </p:sp>
+      <p:sp>
+        <p:nvSpPr>
+          <p:cNvPr id="10" name="Textfeld 9">
+            <a:extLst>
+              <a:ext uri="{FF2B5EF4-FFF2-40B4-BE49-F238E27FC236}">
+                <a16:creationId xmlns:a16="http://schemas.microsoft.com/office/drawing/2014/main" id="{682B4FAD-F339-B29C-79F4-09D85532CF3C}"/>
+              </a:ext>
+            </a:extLst>
+          </p:cNvPr>
+          <p:cNvSpPr txBox="1"/>
+          <p:nvPr/>
+        </p:nvSpPr>
+        <p:spPr>
+          <a:xfrm>
+            <a:off x="3092092" y="1524244"/>
+            <a:ext cx="8318029" cy="923330"/>
+          </a:xfrm>
+          <a:prstGeom prst="rect">
+            <a:avLst/>
+          </a:prstGeom>
+          <a:noFill/>
+        </p:spPr>
+        <p:txBody>
+          <a:bodyPr wrap="square">
+            <a:spAutoFit/>
+          </a:bodyPr>
+          <a:lstStyle/>
+          <a:p>
+            <a:r>
+              <a:rPr lang="de-DE" dirty="0"/>
+              <a:t>Ich habe ein vollständiges BI-Projekt umgesetzt – von der Datenerfassung bis zum Dashboard. Dabei habe ich ETL, Cloud-Technologien, Datenmodellierung und Analyse praktisch angewendet</a:t>
+            </a:r>
+          </a:p>
+        </p:txBody>
+      </p:sp>
+    </p:spTree>
+    <p:extLst>
+      <p:ext uri="{BB962C8B-B14F-4D97-AF65-F5344CB8AC3E}">
+        <p14:creationId xmlns:p14="http://schemas.microsoft.com/office/powerpoint/2010/main" val="1039247811"/>
+      </p:ext>
+    </p:extLst>
+  </p:cSld>
+  <p:clrMapOvr>
+    <a:masterClrMapping/>
+  </p:clrMapOvr>
+</p:sld>
+</file>
+
+<file path=ppt/slides/slide17.xml><?xml version="1.0" encoding="utf-8"?>
+<p:sld xmlns:a="http://schemas.openxmlformats.org/drawingml/2006/main" xmlns:r="http://schemas.openxmlformats.org/officeDocument/2006/relationships" xmlns:p="http://schemas.openxmlformats.org/presentationml/2006/main">
+  <p:cSld>
+    <p:bg>
+      <p:bgPr>
+        <a:solidFill>
+          <a:srgbClr val="73C2FB">
+            <a:alpha val="5000"/>
+          </a:srgbClr>
+        </a:solidFill>
+        <a:effectLst/>
+      </p:bgPr>
+    </p:bg>
+    <p:spTree>
+      <p:nvGrpSpPr>
+        <p:cNvPr id="1" name="">
+          <a:extLst>
+            <a:ext uri="{FF2B5EF4-FFF2-40B4-BE49-F238E27FC236}">
+              <a16:creationId xmlns:a16="http://schemas.microsoft.com/office/drawing/2014/main" id="{F52FBF71-D4F8-33EE-EF22-06A2C65933A4}"/>
+            </a:ext>
+          </a:extLst>
+        </p:cNvPr>
+        <p:cNvGrpSpPr/>
+        <p:nvPr/>
+      </p:nvGrpSpPr>
+      <p:grpSpPr>
+        <a:xfrm>
+          <a:off x="0" y="0"/>
+          <a:ext cx="0" cy="0"/>
+          <a:chOff x="0" y="0"/>
+          <a:chExt cx="0" cy="0"/>
+        </a:xfrm>
+      </p:grpSpPr>
+      <p:sp>
+        <p:nvSpPr>
+          <p:cNvPr id="6" name="Rechteck 5">
+            <a:extLst>
+              <a:ext uri="{FF2B5EF4-FFF2-40B4-BE49-F238E27FC236}">
+                <a16:creationId xmlns:a16="http://schemas.microsoft.com/office/drawing/2014/main" id="{7439E5B1-5D29-275F-8C9E-71F06D4D5C04}"/>
+              </a:ext>
+            </a:extLst>
+          </p:cNvPr>
+          <p:cNvSpPr/>
+          <p:nvPr/>
+        </p:nvSpPr>
+        <p:spPr>
+          <a:xfrm>
+            <a:off x="0" y="0"/>
+            <a:ext cx="2359907" cy="6854699"/>
+          </a:xfrm>
+          <a:prstGeom prst="rect">
+            <a:avLst/>
+          </a:prstGeom>
+          <a:solidFill>
+            <a:srgbClr val="007FFF"/>
+          </a:solidFill>
+          <a:ln>
+            <a:solidFill>
+              <a:srgbClr val="7F432F"/>
+            </a:solidFill>
+          </a:ln>
+          <a:effectLst>
+            <a:outerShdw blurRad="50800" dist="38100" dir="2700000" algn="tl" rotWithShape="0">
+              <a:prstClr val="black">
+                <a:alpha val="40000"/>
+              </a:prstClr>
+            </a:outerShdw>
+          </a:effectLst>
+        </p:spPr>
+        <p:style>
+          <a:lnRef idx="2">
+            <a:schemeClr val="accent1">
+              <a:shade val="15000"/>
+            </a:schemeClr>
+          </a:lnRef>
+          <a:fillRef idx="1">
+            <a:schemeClr val="accent1"/>
+          </a:fillRef>
+          <a:effectRef idx="0">
+            <a:schemeClr val="accent1"/>
+          </a:effectRef>
+          <a:fontRef idx="minor">
+            <a:schemeClr val="lt1"/>
+          </a:fontRef>
+        </p:style>
+        <p:txBody>
+          <a:bodyPr rtlCol="0" anchor="ctr"/>
+          <a:lstStyle/>
+          <a:p>
+            <a:pPr algn="ctr"/>
+            <a:endParaRPr lang="de-DE" dirty="0"/>
+          </a:p>
+        </p:txBody>
+      </p:sp>
+      <p:pic>
+        <p:nvPicPr>
+          <p:cNvPr id="2" name="Grafik 1">
+            <a:extLst>
+              <a:ext uri="{FF2B5EF4-FFF2-40B4-BE49-F238E27FC236}">
+                <a16:creationId xmlns:a16="http://schemas.microsoft.com/office/drawing/2014/main" id="{7EB3A91E-4440-1522-66BF-1DBD22C2CEF9}"/>
+              </a:ext>
+            </a:extLst>
+          </p:cNvPr>
+          <p:cNvPicPr>
+            <a:picLocks noChangeAspect="1"/>
+          </p:cNvPicPr>
+          <p:nvPr/>
+        </p:nvPicPr>
+        <p:blipFill>
+          <a:blip r:embed="rId2"/>
+          <a:stretch>
+            <a:fillRect/>
+          </a:stretch>
+        </p:blipFill>
+        <p:spPr>
+          <a:xfrm>
+            <a:off x="78270" y="88712"/>
+            <a:ext cx="671887" cy="492442"/>
+          </a:xfrm>
+          <a:prstGeom prst="rect">
+            <a:avLst/>
+          </a:prstGeom>
+        </p:spPr>
+      </p:pic>
+      <p:sp>
+        <p:nvSpPr>
+          <p:cNvPr id="3" name="Textfeld 2">
+            <a:extLst>
+              <a:ext uri="{FF2B5EF4-FFF2-40B4-BE49-F238E27FC236}">
+                <a16:creationId xmlns:a16="http://schemas.microsoft.com/office/drawing/2014/main" id="{92243253-65BF-6A8E-C282-EA35337F7602}"/>
+              </a:ext>
+            </a:extLst>
+          </p:cNvPr>
+          <p:cNvSpPr txBox="1"/>
+          <p:nvPr/>
+        </p:nvSpPr>
+        <p:spPr>
+          <a:xfrm>
+            <a:off x="781537" y="88712"/>
+            <a:ext cx="1529019" cy="492443"/>
+          </a:xfrm>
+          <a:prstGeom prst="rect">
+            <a:avLst/>
+          </a:prstGeom>
+          <a:solidFill>
+            <a:schemeClr val="bg1"/>
+          </a:solidFill>
+          <a:ln>
+            <a:solidFill>
+              <a:srgbClr val="007FFF"/>
+            </a:solidFill>
+          </a:ln>
+        </p:spPr>
+        <p:txBody>
+          <a:bodyPr wrap="square" rtlCol="0">
+            <a:spAutoFit/>
+          </a:bodyPr>
+          <a:lstStyle/>
+          <a:p>
+            <a:pPr algn="ctr"/>
+            <a:r>
+              <a:rPr lang="de-DE" sz="1400" b="1" dirty="0">
+                <a:solidFill>
+                  <a:srgbClr val="1034A6"/>
+                </a:solidFill>
+              </a:rPr>
+              <a:t>Zeiterfassung</a:t>
+            </a:r>
+          </a:p>
+          <a:p>
+            <a:pPr algn="ctr"/>
+            <a:r>
+              <a:rPr lang="de-DE" sz="1200" b="1" dirty="0">
+                <a:solidFill>
+                  <a:srgbClr val="1034A6"/>
+                </a:solidFill>
+              </a:rPr>
+              <a:t> Elena </a:t>
+            </a:r>
+            <a:r>
+              <a:rPr lang="de-DE" sz="1200" b="1" dirty="0" err="1">
+                <a:solidFill>
+                  <a:srgbClr val="1034A6"/>
+                </a:solidFill>
+              </a:rPr>
+              <a:t>Wowchik</a:t>
+            </a:r>
+            <a:endParaRPr lang="de-DE" sz="1200" b="1" dirty="0">
+              <a:solidFill>
+                <a:srgbClr val="1034A6"/>
+              </a:solidFill>
+            </a:endParaRPr>
+          </a:p>
+        </p:txBody>
+      </p:sp>
+      <p:sp>
+        <p:nvSpPr>
+          <p:cNvPr id="5" name="Title 1">
+            <a:extLst>
+              <a:ext uri="{FF2B5EF4-FFF2-40B4-BE49-F238E27FC236}">
+                <a16:creationId xmlns:a16="http://schemas.microsoft.com/office/drawing/2014/main" id="{DD4EB76E-9C73-EE68-8D72-CB8EE90881E9}"/>
+              </a:ext>
+            </a:extLst>
+          </p:cNvPr>
+          <p:cNvSpPr txBox="1">
+            <a:spLocks/>
+          </p:cNvSpPr>
+          <p:nvPr/>
+        </p:nvSpPr>
+        <p:spPr>
+          <a:xfrm>
+            <a:off x="3092093" y="88712"/>
+            <a:ext cx="8229600" cy="1143000"/>
+          </a:xfrm>
+          <a:prstGeom prst="rect">
+            <a:avLst/>
+          </a:prstGeom>
+        </p:spPr>
+        <p:txBody>
+          <a:bodyPr vert="horz" lIns="91440" tIns="45720" rIns="91440" bIns="45720" rtlCol="0" anchor="b">
+            <a:normAutofit/>
+          </a:bodyPr>
+          <a:lstStyle>
+            <a:lvl1pPr algn="ctr" defTabSz="914400" rtl="0" eaLnBrk="1" latinLnBrk="0" hangingPunct="1">
+              <a:lnSpc>
+                <a:spcPct val="90000"/>
+              </a:lnSpc>
+              <a:spcBef>
+                <a:spcPct val="0"/>
+              </a:spcBef>
+              <a:buNone/>
+              <a:defRPr sz="6000" kern="1200">
+                <a:solidFill>
+                  <a:schemeClr val="tx1"/>
+                </a:solidFill>
+                <a:latin typeface="+mj-lt"/>
+                <a:ea typeface="+mj-ea"/>
+                <a:cs typeface="+mj-cs"/>
+              </a:defRPr>
+            </a:lvl1pPr>
+          </a:lstStyle>
+          <a:p>
+            <a:r>
+              <a:rPr lang="de-DE" dirty="0"/>
+              <a:t>Ausblick</a:t>
+            </a:r>
+          </a:p>
+        </p:txBody>
+      </p:sp>
+      <p:sp>
+        <p:nvSpPr>
+          <p:cNvPr id="7" name="Content Placeholder 2">
+            <a:extLst>
+              <a:ext uri="{FF2B5EF4-FFF2-40B4-BE49-F238E27FC236}">
+                <a16:creationId xmlns:a16="http://schemas.microsoft.com/office/drawing/2014/main" id="{D1B212D5-1C37-5F89-EBE4-CA23CAF4E1A8}"/>
+              </a:ext>
+            </a:extLst>
+          </p:cNvPr>
+          <p:cNvSpPr txBox="1">
+            <a:spLocks/>
+          </p:cNvSpPr>
+          <p:nvPr/>
+        </p:nvSpPr>
+        <p:spPr>
+          <a:xfrm>
+            <a:off x="110534" y="1524244"/>
+            <a:ext cx="2138837" cy="2367418"/>
+          </a:xfrm>
+          <a:prstGeom prst="rect">
+            <a:avLst/>
+          </a:prstGeom>
+        </p:spPr>
+        <p:txBody>
+          <a:bodyPr vert="horz" lIns="91440" tIns="45720" rIns="91440" bIns="45720" rtlCol="0">
+            <a:normAutofit/>
+          </a:bodyPr>
+          <a:lstStyle>
+            <a:lvl1pPr marL="0" indent="0" algn="ctr" defTabSz="914400" rtl="0" eaLnBrk="1" latinLnBrk="0" hangingPunct="1">
+              <a:lnSpc>
+                <a:spcPct val="90000"/>
+              </a:lnSpc>
+              <a:spcBef>
+                <a:spcPts val="1000"/>
+              </a:spcBef>
+              <a:buFont typeface="Arial" panose="020B0604020202020204" pitchFamily="34" charset="0"/>
+              <a:buNone/>
+              <a:defRPr sz="2400" kern="1200">
+                <a:solidFill>
+                  <a:schemeClr val="tx1"/>
+                </a:solidFill>
+                <a:latin typeface="+mn-lt"/>
+                <a:ea typeface="+mn-ea"/>
+                <a:cs typeface="+mn-cs"/>
+              </a:defRPr>
+            </a:lvl1pPr>
+            <a:lvl2pPr marL="457200" indent="0" algn="ctr" defTabSz="914400" rtl="0" eaLnBrk="1" latinLnBrk="0" hangingPunct="1">
+              <a:lnSpc>
+                <a:spcPct val="90000"/>
+              </a:lnSpc>
+              <a:spcBef>
+                <a:spcPts val="500"/>
+              </a:spcBef>
+              <a:buFont typeface="Arial" panose="020B0604020202020204" pitchFamily="34" charset="0"/>
+              <a:buNone/>
+              <a:defRPr sz="2000" kern="1200">
+                <a:solidFill>
+                  <a:schemeClr val="tx1"/>
+                </a:solidFill>
+                <a:latin typeface="+mn-lt"/>
+                <a:ea typeface="+mn-ea"/>
+                <a:cs typeface="+mn-cs"/>
+              </a:defRPr>
+            </a:lvl2pPr>
+            <a:lvl3pPr marL="914400" indent="0" algn="ctr" defTabSz="914400" rtl="0" eaLnBrk="1" latinLnBrk="0" hangingPunct="1">
+              <a:lnSpc>
+                <a:spcPct val="90000"/>
+              </a:lnSpc>
+              <a:spcBef>
+                <a:spcPts val="500"/>
+              </a:spcBef>
+              <a:buFont typeface="Arial" panose="020B0604020202020204" pitchFamily="34" charset="0"/>
+              <a:buNone/>
+              <a:defRPr sz="1800" kern="1200">
+                <a:solidFill>
+                  <a:schemeClr val="tx1"/>
+                </a:solidFill>
+                <a:latin typeface="+mn-lt"/>
+                <a:ea typeface="+mn-ea"/>
+                <a:cs typeface="+mn-cs"/>
+              </a:defRPr>
+            </a:lvl3pPr>
+            <a:lvl4pPr marL="1371600" indent="0" algn="ctr" defTabSz="914400" rtl="0" eaLnBrk="1" latinLnBrk="0" hangingPunct="1">
+              <a:lnSpc>
+                <a:spcPct val="90000"/>
+              </a:lnSpc>
+              <a:spcBef>
+                <a:spcPts val="500"/>
+              </a:spcBef>
+              <a:buFont typeface="Arial" panose="020B0604020202020204" pitchFamily="34" charset="0"/>
+              <a:buNone/>
+              <a:defRPr sz="1600" kern="1200">
+                <a:solidFill>
+                  <a:schemeClr val="tx1"/>
+                </a:solidFill>
+                <a:latin typeface="+mn-lt"/>
+                <a:ea typeface="+mn-ea"/>
+                <a:cs typeface="+mn-cs"/>
+              </a:defRPr>
+            </a:lvl4pPr>
+            <a:lvl5pPr marL="1828800" indent="0" algn="ctr" defTabSz="914400" rtl="0" eaLnBrk="1" latinLnBrk="0" hangingPunct="1">
+              <a:lnSpc>
+                <a:spcPct val="90000"/>
+              </a:lnSpc>
+              <a:spcBef>
+                <a:spcPts val="500"/>
+              </a:spcBef>
+              <a:buFont typeface="Arial" panose="020B0604020202020204" pitchFamily="34" charset="0"/>
+              <a:buNone/>
+              <a:defRPr sz="1600" kern="1200">
+                <a:solidFill>
+                  <a:schemeClr val="tx1"/>
+                </a:solidFill>
+                <a:latin typeface="+mn-lt"/>
+                <a:ea typeface="+mn-ea"/>
+                <a:cs typeface="+mn-cs"/>
+              </a:defRPr>
+            </a:lvl5pPr>
+            <a:lvl6pPr marL="2286000" indent="0" algn="ctr" defTabSz="914400" rtl="0" eaLnBrk="1" latinLnBrk="0" hangingPunct="1">
+              <a:lnSpc>
+                <a:spcPct val="90000"/>
+              </a:lnSpc>
+              <a:spcBef>
+                <a:spcPts val="500"/>
+              </a:spcBef>
+              <a:buFont typeface="Arial" panose="020B0604020202020204" pitchFamily="34" charset="0"/>
+              <a:buNone/>
+              <a:defRPr sz="1600" kern="1200">
+                <a:solidFill>
+                  <a:schemeClr val="tx1"/>
+                </a:solidFill>
+                <a:latin typeface="+mn-lt"/>
+                <a:ea typeface="+mn-ea"/>
+                <a:cs typeface="+mn-cs"/>
+              </a:defRPr>
+            </a:lvl6pPr>
+            <a:lvl7pPr marL="2743200" indent="0" algn="ctr" defTabSz="914400" rtl="0" eaLnBrk="1" latinLnBrk="0" hangingPunct="1">
+              <a:lnSpc>
+                <a:spcPct val="90000"/>
+              </a:lnSpc>
+              <a:spcBef>
+                <a:spcPts val="500"/>
+              </a:spcBef>
+              <a:buFont typeface="Arial" panose="020B0604020202020204" pitchFamily="34" charset="0"/>
+              <a:buNone/>
+              <a:defRPr sz="1600" kern="1200">
+                <a:solidFill>
+                  <a:schemeClr val="tx1"/>
+                </a:solidFill>
+                <a:latin typeface="+mn-lt"/>
+                <a:ea typeface="+mn-ea"/>
+                <a:cs typeface="+mn-cs"/>
+              </a:defRPr>
+            </a:lvl7pPr>
+            <a:lvl8pPr marL="3200400" indent="0" algn="ctr" defTabSz="914400" rtl="0" eaLnBrk="1" latinLnBrk="0" hangingPunct="1">
+              <a:lnSpc>
+                <a:spcPct val="90000"/>
+              </a:lnSpc>
+              <a:spcBef>
+                <a:spcPts val="500"/>
+              </a:spcBef>
+              <a:buFont typeface="Arial" panose="020B0604020202020204" pitchFamily="34" charset="0"/>
+              <a:buNone/>
+              <a:defRPr sz="1600" kern="1200">
+                <a:solidFill>
+                  <a:schemeClr val="tx1"/>
+                </a:solidFill>
+                <a:latin typeface="+mn-lt"/>
+                <a:ea typeface="+mn-ea"/>
+                <a:cs typeface="+mn-cs"/>
+              </a:defRPr>
+            </a:lvl8pPr>
+            <a:lvl9pPr marL="3657600" indent="0" algn="ctr" defTabSz="914400" rtl="0" eaLnBrk="1" latinLnBrk="0" hangingPunct="1">
+              <a:lnSpc>
+                <a:spcPct val="90000"/>
+              </a:lnSpc>
+              <a:spcBef>
+                <a:spcPts val="500"/>
+              </a:spcBef>
+              <a:buFont typeface="Arial" panose="020B0604020202020204" pitchFamily="34" charset="0"/>
+              <a:buNone/>
+              <a:defRPr sz="1600" kern="1200">
+                <a:solidFill>
+                  <a:schemeClr val="tx1"/>
+                </a:solidFill>
+                <a:latin typeface="+mn-lt"/>
+                <a:ea typeface="+mn-ea"/>
+                <a:cs typeface="+mn-cs"/>
+              </a:defRPr>
+            </a:lvl9pPr>
+          </a:lstStyle>
           <a:p>
             <a:pPr marL="285750" indent="-285750" algn="l">
               <a:buFont typeface="Wingdings" panose="05000000000000000000" pitchFamily="2" charset="2"/>
@@ -7314,7 +9733,78 @@
                   <a:schemeClr val="bg1"/>
                 </a:solidFill>
               </a:rPr>
-              <a:t>Praxisnahes BI-Projekt</a:t>
+              <a:t>Mehr Nutzer</a:t>
+            </a:r>
+          </a:p>
+          <a:p>
+            <a:pPr marL="285750" indent="-285750" algn="l">
+              <a:buFont typeface="Wingdings" panose="05000000000000000000" pitchFamily="2" charset="2"/>
+              <a:buChar char="Ø"/>
+            </a:pPr>
+            <a:r>
+              <a:rPr lang="de-DE" sz="1400" dirty="0">
+                <a:solidFill>
+                  <a:schemeClr val="bg1"/>
+                </a:solidFill>
+              </a:rPr>
+              <a:t>Mehr KPIs</a:t>
+            </a:r>
+          </a:p>
+          <a:p>
+            <a:pPr marL="285750" indent="-285750" algn="l">
+              <a:buFont typeface="Wingdings" panose="05000000000000000000" pitchFamily="2" charset="2"/>
+              <a:buChar char="Ø"/>
+            </a:pPr>
+            <a:r>
+              <a:rPr lang="de-DE" sz="1400" dirty="0">
+                <a:solidFill>
+                  <a:schemeClr val="bg1"/>
+                </a:solidFill>
+              </a:rPr>
+              <a:t>Automatisierung</a:t>
+            </a:r>
+          </a:p>
+          <a:p>
+            <a:pPr algn="l"/>
+            <a:endParaRPr lang="de-DE" sz="1400" dirty="0">
+              <a:solidFill>
+                <a:schemeClr val="bg1"/>
+              </a:solidFill>
+            </a:endParaRPr>
+          </a:p>
+        </p:txBody>
+      </p:sp>
+      <p:sp>
+        <p:nvSpPr>
+          <p:cNvPr id="8" name="Textfeld 7">
+            <a:extLst>
+              <a:ext uri="{FF2B5EF4-FFF2-40B4-BE49-F238E27FC236}">
+                <a16:creationId xmlns:a16="http://schemas.microsoft.com/office/drawing/2014/main" id="{6B2809F5-A262-2E38-BBF3-16C8F8A61EC6}"/>
+              </a:ext>
+            </a:extLst>
+          </p:cNvPr>
+          <p:cNvSpPr txBox="1"/>
+          <p:nvPr/>
+        </p:nvSpPr>
+        <p:spPr>
+          <a:xfrm>
+            <a:off x="3040712" y="1524244"/>
+            <a:ext cx="8027504" cy="646331"/>
+          </a:xfrm>
+          <a:prstGeom prst="rect">
+            <a:avLst/>
+          </a:prstGeom>
+          <a:noFill/>
+        </p:spPr>
+        <p:txBody>
+          <a:bodyPr wrap="square">
+            <a:spAutoFit/>
+          </a:bodyPr>
+          <a:lstStyle/>
+          <a:p>
+            <a:r>
+              <a:rPr lang="de-DE" dirty="0"/>
+              <a:t>Das Projekt könnte erweitert werden, zum Beispiel für mehrere Nutzer, automatische Updates oder detailliertere Analysen über längere Zeiträume</a:t>
             </a:r>
           </a:p>
         </p:txBody>
@@ -7322,7 +9812,1324 @@
     </p:spTree>
     <p:extLst>
       <p:ext uri="{BB962C8B-B14F-4D97-AF65-F5344CB8AC3E}">
-        <p14:creationId xmlns:p14="http://schemas.microsoft.com/office/powerpoint/2010/main" val="250533547"/>
+        <p14:creationId xmlns:p14="http://schemas.microsoft.com/office/powerpoint/2010/main" val="2988244795"/>
+      </p:ext>
+    </p:extLst>
+  </p:cSld>
+  <p:clrMapOvr>
+    <a:masterClrMapping/>
+  </p:clrMapOvr>
+</p:sld>
+</file>
+
+<file path=ppt/slides/slide2.xml><?xml version="1.0" encoding="utf-8"?>
+<p:sld xmlns:a="http://schemas.openxmlformats.org/drawingml/2006/main" xmlns:r="http://schemas.openxmlformats.org/officeDocument/2006/relationships" xmlns:p="http://schemas.openxmlformats.org/presentationml/2006/main">
+  <p:cSld>
+    <p:bg>
+      <p:bgPr>
+        <a:solidFill>
+          <a:srgbClr val="73C2FB">
+            <a:alpha val="5000"/>
+          </a:srgbClr>
+        </a:solidFill>
+        <a:effectLst/>
+      </p:bgPr>
+    </p:bg>
+    <p:spTree>
+      <p:nvGrpSpPr>
+        <p:cNvPr id="1" name="">
+          <a:extLst>
+            <a:ext uri="{FF2B5EF4-FFF2-40B4-BE49-F238E27FC236}">
+              <a16:creationId xmlns:a16="http://schemas.microsoft.com/office/drawing/2014/main" id="{34C5063D-BEAA-D2E2-01E7-F6AE36093D79}"/>
+            </a:ext>
+          </a:extLst>
+        </p:cNvPr>
+        <p:cNvGrpSpPr/>
+        <p:nvPr/>
+      </p:nvGrpSpPr>
+      <p:grpSpPr>
+        <a:xfrm>
+          <a:off x="0" y="0"/>
+          <a:ext cx="0" cy="0"/>
+          <a:chOff x="0" y="0"/>
+          <a:chExt cx="0" cy="0"/>
+        </a:xfrm>
+      </p:grpSpPr>
+      <p:sp>
+        <p:nvSpPr>
+          <p:cNvPr id="6" name="Rechteck 5">
+            <a:extLst>
+              <a:ext uri="{FF2B5EF4-FFF2-40B4-BE49-F238E27FC236}">
+                <a16:creationId xmlns:a16="http://schemas.microsoft.com/office/drawing/2014/main" id="{F9B43F95-7327-955F-5724-64E37E674EA3}"/>
+              </a:ext>
+            </a:extLst>
+          </p:cNvPr>
+          <p:cNvSpPr/>
+          <p:nvPr/>
+        </p:nvSpPr>
+        <p:spPr>
+          <a:xfrm>
+            <a:off x="0" y="0"/>
+            <a:ext cx="2359907" cy="6854699"/>
+          </a:xfrm>
+          <a:prstGeom prst="rect">
+            <a:avLst/>
+          </a:prstGeom>
+          <a:solidFill>
+            <a:srgbClr val="007FFF"/>
+          </a:solidFill>
+          <a:ln>
+            <a:solidFill>
+              <a:srgbClr val="7F432F"/>
+            </a:solidFill>
+          </a:ln>
+          <a:effectLst>
+            <a:outerShdw blurRad="50800" dist="38100" dir="2700000" algn="tl" rotWithShape="0">
+              <a:prstClr val="black">
+                <a:alpha val="40000"/>
+              </a:prstClr>
+            </a:outerShdw>
+          </a:effectLst>
+        </p:spPr>
+        <p:style>
+          <a:lnRef idx="2">
+            <a:schemeClr val="accent1">
+              <a:shade val="15000"/>
+            </a:schemeClr>
+          </a:lnRef>
+          <a:fillRef idx="1">
+            <a:schemeClr val="accent1"/>
+          </a:fillRef>
+          <a:effectRef idx="0">
+            <a:schemeClr val="accent1"/>
+          </a:effectRef>
+          <a:fontRef idx="minor">
+            <a:schemeClr val="lt1"/>
+          </a:fontRef>
+        </p:style>
+        <p:txBody>
+          <a:bodyPr rtlCol="0" anchor="ctr"/>
+          <a:lstStyle/>
+          <a:p>
+            <a:pPr algn="ctr"/>
+            <a:endParaRPr lang="de-DE" dirty="0"/>
+          </a:p>
+        </p:txBody>
+      </p:sp>
+      <p:pic>
+        <p:nvPicPr>
+          <p:cNvPr id="2" name="Grafik 1">
+            <a:extLst>
+              <a:ext uri="{FF2B5EF4-FFF2-40B4-BE49-F238E27FC236}">
+                <a16:creationId xmlns:a16="http://schemas.microsoft.com/office/drawing/2014/main" id="{32E6EB2B-CF4A-E5C5-3BC4-54459A509B85}"/>
+              </a:ext>
+            </a:extLst>
+          </p:cNvPr>
+          <p:cNvPicPr>
+            <a:picLocks noChangeAspect="1"/>
+          </p:cNvPicPr>
+          <p:nvPr/>
+        </p:nvPicPr>
+        <p:blipFill>
+          <a:blip r:embed="rId2"/>
+          <a:stretch>
+            <a:fillRect/>
+          </a:stretch>
+        </p:blipFill>
+        <p:spPr>
+          <a:xfrm>
+            <a:off x="78270" y="88712"/>
+            <a:ext cx="671887" cy="492442"/>
+          </a:xfrm>
+          <a:prstGeom prst="rect">
+            <a:avLst/>
+          </a:prstGeom>
+        </p:spPr>
+      </p:pic>
+      <p:sp>
+        <p:nvSpPr>
+          <p:cNvPr id="3" name="Textfeld 2">
+            <a:extLst>
+              <a:ext uri="{FF2B5EF4-FFF2-40B4-BE49-F238E27FC236}">
+                <a16:creationId xmlns:a16="http://schemas.microsoft.com/office/drawing/2014/main" id="{2C55A41F-D987-A233-55F3-4A0D0DC1CAB9}"/>
+              </a:ext>
+            </a:extLst>
+          </p:cNvPr>
+          <p:cNvSpPr txBox="1"/>
+          <p:nvPr/>
+        </p:nvSpPr>
+        <p:spPr>
+          <a:xfrm>
+            <a:off x="781537" y="88712"/>
+            <a:ext cx="1529019" cy="492443"/>
+          </a:xfrm>
+          <a:prstGeom prst="rect">
+            <a:avLst/>
+          </a:prstGeom>
+          <a:solidFill>
+            <a:schemeClr val="bg1"/>
+          </a:solidFill>
+          <a:ln>
+            <a:solidFill>
+              <a:srgbClr val="007FFF"/>
+            </a:solidFill>
+          </a:ln>
+        </p:spPr>
+        <p:txBody>
+          <a:bodyPr wrap="square" rtlCol="0">
+            <a:spAutoFit/>
+          </a:bodyPr>
+          <a:lstStyle/>
+          <a:p>
+            <a:pPr algn="ctr"/>
+            <a:r>
+              <a:rPr lang="de-DE" sz="1400" b="1" dirty="0">
+                <a:solidFill>
+                  <a:srgbClr val="1034A6"/>
+                </a:solidFill>
+              </a:rPr>
+              <a:t>Zeiterfassung</a:t>
+            </a:r>
+          </a:p>
+          <a:p>
+            <a:pPr algn="ctr"/>
+            <a:r>
+              <a:rPr lang="de-DE" sz="1200" b="1" dirty="0">
+                <a:solidFill>
+                  <a:srgbClr val="1034A6"/>
+                </a:solidFill>
+              </a:rPr>
+              <a:t> Elena </a:t>
+            </a:r>
+            <a:r>
+              <a:rPr lang="de-DE" sz="1200" b="1" dirty="0" err="1">
+                <a:solidFill>
+                  <a:srgbClr val="1034A6"/>
+                </a:solidFill>
+              </a:rPr>
+              <a:t>Wowchik</a:t>
+            </a:r>
+            <a:endParaRPr lang="de-DE" sz="1200" b="1" dirty="0">
+              <a:solidFill>
+                <a:srgbClr val="1034A6"/>
+              </a:solidFill>
+            </a:endParaRPr>
+          </a:p>
+        </p:txBody>
+      </p:sp>
+      <p:sp>
+        <p:nvSpPr>
+          <p:cNvPr id="5" name="Title 1">
+            <a:extLst>
+              <a:ext uri="{FF2B5EF4-FFF2-40B4-BE49-F238E27FC236}">
+                <a16:creationId xmlns:a16="http://schemas.microsoft.com/office/drawing/2014/main" id="{302ADB94-CD96-EEF3-E5CF-9CEEEA5B5FD2}"/>
+              </a:ext>
+            </a:extLst>
+          </p:cNvPr>
+          <p:cNvSpPr txBox="1">
+            <a:spLocks/>
+          </p:cNvSpPr>
+          <p:nvPr/>
+        </p:nvSpPr>
+        <p:spPr>
+          <a:xfrm>
+            <a:off x="2904564" y="334933"/>
+            <a:ext cx="8229600" cy="1143000"/>
+          </a:xfrm>
+          <a:prstGeom prst="rect">
+            <a:avLst/>
+          </a:prstGeom>
+        </p:spPr>
+        <p:txBody>
+          <a:bodyPr vert="horz" lIns="91440" tIns="45720" rIns="91440" bIns="45720" rtlCol="0" anchor="b">
+            <a:normAutofit fontScale="40000" lnSpcReduction="20000"/>
+          </a:bodyPr>
+          <a:lstStyle>
+            <a:lvl1pPr algn="ctr" defTabSz="914400" rtl="0" eaLnBrk="1" latinLnBrk="0" hangingPunct="1">
+              <a:lnSpc>
+                <a:spcPct val="90000"/>
+              </a:lnSpc>
+              <a:spcBef>
+                <a:spcPct val="0"/>
+              </a:spcBef>
+              <a:buNone/>
+              <a:defRPr sz="6000" kern="1200">
+                <a:solidFill>
+                  <a:schemeClr val="tx1"/>
+                </a:solidFill>
+                <a:latin typeface="+mj-lt"/>
+                <a:ea typeface="+mj-ea"/>
+                <a:cs typeface="+mj-cs"/>
+              </a:defRPr>
+            </a:lvl1pPr>
+          </a:lstStyle>
+          <a:p>
+            <a:r>
+              <a:rPr lang="de-DE" dirty="0"/>
+              <a:t>„Der Weg ist das Ziel“</a:t>
+            </a:r>
+          </a:p>
+          <a:p>
+            <a:endParaRPr lang="de-DE" dirty="0"/>
+          </a:p>
+          <a:p>
+            <a:r>
+              <a:rPr lang="de-DE" dirty="0"/>
+              <a:t>Das Ziel war nicht  ein Dashboard-Ergebnis, sondern das Verständnis des gesamten Datenprozesses</a:t>
+            </a:r>
+          </a:p>
+        </p:txBody>
+      </p:sp>
+      <p:sp>
+        <p:nvSpPr>
+          <p:cNvPr id="7" name="Content Placeholder 2">
+            <a:extLst>
+              <a:ext uri="{FF2B5EF4-FFF2-40B4-BE49-F238E27FC236}">
+                <a16:creationId xmlns:a16="http://schemas.microsoft.com/office/drawing/2014/main" id="{D6FFB2EE-6849-2B14-D502-BDBE6C7694D4}"/>
+              </a:ext>
+            </a:extLst>
+          </p:cNvPr>
+          <p:cNvSpPr txBox="1">
+            <a:spLocks/>
+          </p:cNvSpPr>
+          <p:nvPr/>
+        </p:nvSpPr>
+        <p:spPr>
+          <a:xfrm>
+            <a:off x="110534" y="1524244"/>
+            <a:ext cx="2138837" cy="2367418"/>
+          </a:xfrm>
+          <a:prstGeom prst="rect">
+            <a:avLst/>
+          </a:prstGeom>
+        </p:spPr>
+        <p:txBody>
+          <a:bodyPr vert="horz" lIns="91440" tIns="45720" rIns="91440" bIns="45720" rtlCol="0">
+            <a:normAutofit lnSpcReduction="10000"/>
+          </a:bodyPr>
+          <a:lstStyle>
+            <a:lvl1pPr marL="0" indent="0" algn="ctr" defTabSz="914400" rtl="0" eaLnBrk="1" latinLnBrk="0" hangingPunct="1">
+              <a:lnSpc>
+                <a:spcPct val="90000"/>
+              </a:lnSpc>
+              <a:spcBef>
+                <a:spcPts val="1000"/>
+              </a:spcBef>
+              <a:buFont typeface="Arial" panose="020B0604020202020204" pitchFamily="34" charset="0"/>
+              <a:buNone/>
+              <a:defRPr sz="2400" kern="1200">
+                <a:solidFill>
+                  <a:schemeClr val="tx1"/>
+                </a:solidFill>
+                <a:latin typeface="+mn-lt"/>
+                <a:ea typeface="+mn-ea"/>
+                <a:cs typeface="+mn-cs"/>
+              </a:defRPr>
+            </a:lvl1pPr>
+            <a:lvl2pPr marL="457200" indent="0" algn="ctr" defTabSz="914400" rtl="0" eaLnBrk="1" latinLnBrk="0" hangingPunct="1">
+              <a:lnSpc>
+                <a:spcPct val="90000"/>
+              </a:lnSpc>
+              <a:spcBef>
+                <a:spcPts val="500"/>
+              </a:spcBef>
+              <a:buFont typeface="Arial" panose="020B0604020202020204" pitchFamily="34" charset="0"/>
+              <a:buNone/>
+              <a:defRPr sz="2000" kern="1200">
+                <a:solidFill>
+                  <a:schemeClr val="tx1"/>
+                </a:solidFill>
+                <a:latin typeface="+mn-lt"/>
+                <a:ea typeface="+mn-ea"/>
+                <a:cs typeface="+mn-cs"/>
+              </a:defRPr>
+            </a:lvl2pPr>
+            <a:lvl3pPr marL="914400" indent="0" algn="ctr" defTabSz="914400" rtl="0" eaLnBrk="1" latinLnBrk="0" hangingPunct="1">
+              <a:lnSpc>
+                <a:spcPct val="90000"/>
+              </a:lnSpc>
+              <a:spcBef>
+                <a:spcPts val="500"/>
+              </a:spcBef>
+              <a:buFont typeface="Arial" panose="020B0604020202020204" pitchFamily="34" charset="0"/>
+              <a:buNone/>
+              <a:defRPr sz="1800" kern="1200">
+                <a:solidFill>
+                  <a:schemeClr val="tx1"/>
+                </a:solidFill>
+                <a:latin typeface="+mn-lt"/>
+                <a:ea typeface="+mn-ea"/>
+                <a:cs typeface="+mn-cs"/>
+              </a:defRPr>
+            </a:lvl3pPr>
+            <a:lvl4pPr marL="1371600" indent="0" algn="ctr" defTabSz="914400" rtl="0" eaLnBrk="1" latinLnBrk="0" hangingPunct="1">
+              <a:lnSpc>
+                <a:spcPct val="90000"/>
+              </a:lnSpc>
+              <a:spcBef>
+                <a:spcPts val="500"/>
+              </a:spcBef>
+              <a:buFont typeface="Arial" panose="020B0604020202020204" pitchFamily="34" charset="0"/>
+              <a:buNone/>
+              <a:defRPr sz="1600" kern="1200">
+                <a:solidFill>
+                  <a:schemeClr val="tx1"/>
+                </a:solidFill>
+                <a:latin typeface="+mn-lt"/>
+                <a:ea typeface="+mn-ea"/>
+                <a:cs typeface="+mn-cs"/>
+              </a:defRPr>
+            </a:lvl4pPr>
+            <a:lvl5pPr marL="1828800" indent="0" algn="ctr" defTabSz="914400" rtl="0" eaLnBrk="1" latinLnBrk="0" hangingPunct="1">
+              <a:lnSpc>
+                <a:spcPct val="90000"/>
+              </a:lnSpc>
+              <a:spcBef>
+                <a:spcPts val="500"/>
+              </a:spcBef>
+              <a:buFont typeface="Arial" panose="020B0604020202020204" pitchFamily="34" charset="0"/>
+              <a:buNone/>
+              <a:defRPr sz="1600" kern="1200">
+                <a:solidFill>
+                  <a:schemeClr val="tx1"/>
+                </a:solidFill>
+                <a:latin typeface="+mn-lt"/>
+                <a:ea typeface="+mn-ea"/>
+                <a:cs typeface="+mn-cs"/>
+              </a:defRPr>
+            </a:lvl5pPr>
+            <a:lvl6pPr marL="2286000" indent="0" algn="ctr" defTabSz="914400" rtl="0" eaLnBrk="1" latinLnBrk="0" hangingPunct="1">
+              <a:lnSpc>
+                <a:spcPct val="90000"/>
+              </a:lnSpc>
+              <a:spcBef>
+                <a:spcPts val="500"/>
+              </a:spcBef>
+              <a:buFont typeface="Arial" panose="020B0604020202020204" pitchFamily="34" charset="0"/>
+              <a:buNone/>
+              <a:defRPr sz="1600" kern="1200">
+                <a:solidFill>
+                  <a:schemeClr val="tx1"/>
+                </a:solidFill>
+                <a:latin typeface="+mn-lt"/>
+                <a:ea typeface="+mn-ea"/>
+                <a:cs typeface="+mn-cs"/>
+              </a:defRPr>
+            </a:lvl6pPr>
+            <a:lvl7pPr marL="2743200" indent="0" algn="ctr" defTabSz="914400" rtl="0" eaLnBrk="1" latinLnBrk="0" hangingPunct="1">
+              <a:lnSpc>
+                <a:spcPct val="90000"/>
+              </a:lnSpc>
+              <a:spcBef>
+                <a:spcPts val="500"/>
+              </a:spcBef>
+              <a:buFont typeface="Arial" panose="020B0604020202020204" pitchFamily="34" charset="0"/>
+              <a:buNone/>
+              <a:defRPr sz="1600" kern="1200">
+                <a:solidFill>
+                  <a:schemeClr val="tx1"/>
+                </a:solidFill>
+                <a:latin typeface="+mn-lt"/>
+                <a:ea typeface="+mn-ea"/>
+                <a:cs typeface="+mn-cs"/>
+              </a:defRPr>
+            </a:lvl7pPr>
+            <a:lvl8pPr marL="3200400" indent="0" algn="ctr" defTabSz="914400" rtl="0" eaLnBrk="1" latinLnBrk="0" hangingPunct="1">
+              <a:lnSpc>
+                <a:spcPct val="90000"/>
+              </a:lnSpc>
+              <a:spcBef>
+                <a:spcPts val="500"/>
+              </a:spcBef>
+              <a:buFont typeface="Arial" panose="020B0604020202020204" pitchFamily="34" charset="0"/>
+              <a:buNone/>
+              <a:defRPr sz="1600" kern="1200">
+                <a:solidFill>
+                  <a:schemeClr val="tx1"/>
+                </a:solidFill>
+                <a:latin typeface="+mn-lt"/>
+                <a:ea typeface="+mn-ea"/>
+                <a:cs typeface="+mn-cs"/>
+              </a:defRPr>
+            </a:lvl8pPr>
+            <a:lvl9pPr marL="3657600" indent="0" algn="ctr" defTabSz="914400" rtl="0" eaLnBrk="1" latinLnBrk="0" hangingPunct="1">
+              <a:lnSpc>
+                <a:spcPct val="90000"/>
+              </a:lnSpc>
+              <a:spcBef>
+                <a:spcPts val="500"/>
+              </a:spcBef>
+              <a:buFont typeface="Arial" panose="020B0604020202020204" pitchFamily="34" charset="0"/>
+              <a:buNone/>
+              <a:defRPr sz="1600" kern="1200">
+                <a:solidFill>
+                  <a:schemeClr val="tx1"/>
+                </a:solidFill>
+                <a:latin typeface="+mn-lt"/>
+                <a:ea typeface="+mn-ea"/>
+                <a:cs typeface="+mn-cs"/>
+              </a:defRPr>
+            </a:lvl9pPr>
+          </a:lstStyle>
+          <a:p>
+            <a:pPr marL="285750" indent="-285750" algn="l">
+              <a:buFont typeface="Wingdings" panose="05000000000000000000" pitchFamily="2" charset="2"/>
+              <a:buChar char="Ø"/>
+            </a:pPr>
+            <a:r>
+              <a:rPr lang="de-DE" sz="1400" dirty="0">
+                <a:solidFill>
+                  <a:schemeClr val="bg1"/>
+                </a:solidFill>
+              </a:rPr>
+              <a:t>Projekt zur Analyse meiner Lernzeiten</a:t>
+            </a:r>
+          </a:p>
+          <a:p>
+            <a:pPr marL="285750" indent="-285750" algn="l">
+              <a:buFont typeface="Wingdings" panose="05000000000000000000" pitchFamily="2" charset="2"/>
+              <a:buChar char="Ø"/>
+            </a:pPr>
+            <a:r>
+              <a:rPr lang="de-DE" sz="1400" dirty="0">
+                <a:solidFill>
+                  <a:schemeClr val="bg1"/>
+                </a:solidFill>
+              </a:rPr>
+              <a:t>Ziel: Lernzeiten sammeln,  übertragen datenbasiert auswerten</a:t>
+            </a:r>
+          </a:p>
+          <a:p>
+            <a:pPr marL="285750" indent="-285750" algn="l">
+              <a:buFont typeface="Wingdings" panose="05000000000000000000" pitchFamily="2" charset="2"/>
+              <a:buChar char="Ø"/>
+            </a:pPr>
+            <a:r>
+              <a:rPr lang="de-DE" sz="1400" b="1" dirty="0">
+                <a:solidFill>
+                  <a:schemeClr val="bg1"/>
+                </a:solidFill>
+              </a:rPr>
+              <a:t>Technologien:</a:t>
+            </a:r>
+            <a:br>
+              <a:rPr lang="de-DE" sz="1400" dirty="0">
+                <a:solidFill>
+                  <a:schemeClr val="bg1"/>
+                </a:solidFill>
+              </a:rPr>
+            </a:br>
+            <a:r>
+              <a:rPr lang="de-DE" sz="1400" dirty="0">
+                <a:solidFill>
+                  <a:schemeClr val="bg1"/>
+                </a:solidFill>
+                <a:sym typeface="Wingdings" panose="05000000000000000000" pitchFamily="2" charset="2"/>
+              </a:rPr>
+              <a:t></a:t>
+            </a:r>
+            <a:r>
+              <a:rPr lang="de-DE" sz="1400" dirty="0">
+                <a:solidFill>
+                  <a:schemeClr val="bg1"/>
+                </a:solidFill>
+              </a:rPr>
+              <a:t>Excel, </a:t>
+            </a:r>
+            <a:r>
+              <a:rPr lang="de-DE" sz="1400" dirty="0" err="1">
+                <a:solidFill>
+                  <a:schemeClr val="bg1"/>
+                </a:solidFill>
+              </a:rPr>
+              <a:t>python</a:t>
+            </a:r>
+            <a:br>
+              <a:rPr lang="de-DE" sz="1400" dirty="0">
+                <a:solidFill>
+                  <a:schemeClr val="bg1"/>
+                </a:solidFill>
+              </a:rPr>
+            </a:br>
+            <a:r>
+              <a:rPr lang="de-DE" sz="1400" dirty="0">
+                <a:solidFill>
+                  <a:schemeClr val="bg1"/>
+                </a:solidFill>
+              </a:rPr>
+              <a:t>→ CSV</a:t>
+            </a:r>
+            <a:br>
+              <a:rPr lang="de-DE" sz="1400" dirty="0">
+                <a:solidFill>
+                  <a:schemeClr val="bg1"/>
+                </a:solidFill>
+              </a:rPr>
+            </a:br>
+            <a:r>
+              <a:rPr lang="de-DE" sz="1400" dirty="0">
+                <a:solidFill>
+                  <a:schemeClr val="bg1"/>
+                </a:solidFill>
+              </a:rPr>
+              <a:t>→ AWS</a:t>
+            </a:r>
+            <a:br>
+              <a:rPr lang="de-DE" sz="1400" dirty="0">
+                <a:solidFill>
+                  <a:schemeClr val="bg1"/>
+                </a:solidFill>
+              </a:rPr>
+            </a:br>
+            <a:r>
+              <a:rPr lang="de-DE" sz="1400" dirty="0">
+                <a:solidFill>
+                  <a:schemeClr val="bg1"/>
+                </a:solidFill>
+              </a:rPr>
+              <a:t>→  Power BI</a:t>
+            </a:r>
+          </a:p>
+          <a:p>
+            <a:pPr marL="285750" indent="-285750" algn="l">
+              <a:buFont typeface="Wingdings" panose="05000000000000000000" pitchFamily="2" charset="2"/>
+              <a:buChar char="Ø"/>
+            </a:pPr>
+            <a:endParaRPr lang="de-DE" sz="1400" dirty="0">
+              <a:solidFill>
+                <a:schemeClr val="bg1"/>
+              </a:solidFill>
+            </a:endParaRPr>
+          </a:p>
+        </p:txBody>
+      </p:sp>
+      <p:sp>
+        <p:nvSpPr>
+          <p:cNvPr id="8" name="Textfeld 7">
+            <a:extLst>
+              <a:ext uri="{FF2B5EF4-FFF2-40B4-BE49-F238E27FC236}">
+                <a16:creationId xmlns:a16="http://schemas.microsoft.com/office/drawing/2014/main" id="{FE58E905-2666-C158-B2C0-57CDAD742946}"/>
+              </a:ext>
+            </a:extLst>
+          </p:cNvPr>
+          <p:cNvSpPr txBox="1"/>
+          <p:nvPr/>
+        </p:nvSpPr>
+        <p:spPr>
+          <a:xfrm>
+            <a:off x="2904564" y="1524244"/>
+            <a:ext cx="8417129" cy="5078313"/>
+          </a:xfrm>
+          <a:prstGeom prst="rect">
+            <a:avLst/>
+          </a:prstGeom>
+          <a:noFill/>
+        </p:spPr>
+        <p:txBody>
+          <a:bodyPr wrap="square">
+            <a:spAutoFit/>
+          </a:bodyPr>
+          <a:lstStyle/>
+          <a:p>
+            <a:r>
+              <a:rPr lang="de-DE" dirty="0"/>
+              <a:t>Von der manuellen Dateneingabe</a:t>
+            </a:r>
+            <a:br>
+              <a:rPr lang="de-DE" dirty="0"/>
+            </a:br>
+            <a:r>
+              <a:rPr lang="de-DE" dirty="0"/>
+              <a:t>zur strukturierten Analyse in Power BI</a:t>
+            </a:r>
+          </a:p>
+          <a:p>
+            <a:endParaRPr lang="de-DE" dirty="0"/>
+          </a:p>
+          <a:p>
+            <a:r>
+              <a:rPr lang="de-DE" b="1" dirty="0"/>
+              <a:t>Technologien:</a:t>
+            </a:r>
+            <a:br>
+              <a:rPr lang="de-DE" dirty="0"/>
+            </a:br>
+            <a:r>
+              <a:rPr lang="de-DE" dirty="0"/>
+              <a:t>🕒 Datum &amp; Zeit in Excel später </a:t>
+            </a:r>
+            <a:r>
+              <a:rPr lang="de-DE" dirty="0" err="1">
+                <a:sym typeface="Wingdings" panose="05000000000000000000" pitchFamily="2" charset="2"/>
+              </a:rPr>
+              <a:t>Streamlit</a:t>
+            </a:r>
+            <a:r>
+              <a:rPr lang="de-DE" dirty="0">
+                <a:sym typeface="Wingdings" panose="05000000000000000000" pitchFamily="2" charset="2"/>
+              </a:rPr>
+              <a:t>-Eingabemaske</a:t>
+            </a:r>
+            <a:br>
+              <a:rPr lang="de-DE" dirty="0"/>
+            </a:br>
+            <a:r>
+              <a:rPr lang="de-DE" dirty="0"/>
+              <a:t>→ 🧾 CSV</a:t>
+            </a:r>
+            <a:br>
+              <a:rPr lang="de-DE" dirty="0"/>
+            </a:br>
+            <a:r>
+              <a:rPr lang="de-DE" dirty="0"/>
+              <a:t>→ ☁️ AWS</a:t>
+            </a:r>
+            <a:br>
+              <a:rPr lang="de-DE" dirty="0"/>
+            </a:br>
+            <a:r>
+              <a:rPr lang="de-DE" dirty="0"/>
+              <a:t>→ 📊 Power BI</a:t>
+            </a:r>
+          </a:p>
+          <a:p>
+            <a:endParaRPr lang="de-DE" dirty="0"/>
+          </a:p>
+          <a:p>
+            <a:endParaRPr lang="de-DE" dirty="0"/>
+          </a:p>
+          <a:p>
+            <a:r>
+              <a:rPr lang="de-DE" dirty="0"/>
+              <a:t>Das Motto meines Projekts lautet: </a:t>
+            </a:r>
+            <a:r>
+              <a:rPr lang="de-DE" i="1" dirty="0"/>
+              <a:t>Der Weg ist das Ziel.</a:t>
+            </a:r>
+            <a:br>
+              <a:rPr lang="de-DE" dirty="0"/>
+            </a:br>
+            <a:r>
+              <a:rPr lang="de-DE" dirty="0"/>
+              <a:t>Mir ging es nicht nur um das End-Dashboard, sondern darum, eine komplette Datenpipeline (ETL) aufzubauen – von der ersten Eingabe von Datum und Zeit bis zur professionellen Auswertung in Power BI</a:t>
+            </a:r>
+          </a:p>
+          <a:p>
+            <a:endParaRPr lang="de-DE" dirty="0"/>
+          </a:p>
+          <a:p>
+            <a:r>
+              <a:rPr lang="de-DE" dirty="0"/>
+              <a:t>Ich wollte verstehen, wie Daten in der Praxis ihren Weg nehmen – von der Erfassung über die Cloud bis zur Analyse. Deshalb habe ich bewusst eine komplette End-</a:t>
+            </a:r>
+            <a:r>
+              <a:rPr lang="de-DE" dirty="0" err="1"/>
+              <a:t>to</a:t>
+            </a:r>
+            <a:r>
+              <a:rPr lang="de-DE" dirty="0"/>
+              <a:t>-End-Pipeline aufgebaut</a:t>
+            </a:r>
+          </a:p>
+        </p:txBody>
+      </p:sp>
+    </p:spTree>
+    <p:extLst>
+      <p:ext uri="{BB962C8B-B14F-4D97-AF65-F5344CB8AC3E}">
+        <p14:creationId xmlns:p14="http://schemas.microsoft.com/office/powerpoint/2010/main" val="2567781201"/>
+      </p:ext>
+    </p:extLst>
+  </p:cSld>
+  <p:clrMapOvr>
+    <a:masterClrMapping/>
+  </p:clrMapOvr>
+</p:sld>
+</file>
+
+<file path=ppt/slides/slide3.xml><?xml version="1.0" encoding="utf-8"?>
+<p:sld xmlns:a="http://schemas.openxmlformats.org/drawingml/2006/main" xmlns:r="http://schemas.openxmlformats.org/officeDocument/2006/relationships" xmlns:p="http://schemas.openxmlformats.org/presentationml/2006/main">
+  <p:cSld>
+    <p:bg>
+      <p:bgPr>
+        <a:solidFill>
+          <a:srgbClr val="73C2FB">
+            <a:alpha val="5000"/>
+          </a:srgbClr>
+        </a:solidFill>
+        <a:effectLst/>
+      </p:bgPr>
+    </p:bg>
+    <p:spTree>
+      <p:nvGrpSpPr>
+        <p:cNvPr id="1" name="">
+          <a:extLst>
+            <a:ext uri="{FF2B5EF4-FFF2-40B4-BE49-F238E27FC236}">
+              <a16:creationId xmlns:a16="http://schemas.microsoft.com/office/drawing/2014/main" id="{F490D979-B1A3-FAA8-0F23-942B49E6E374}"/>
+            </a:ext>
+          </a:extLst>
+        </p:cNvPr>
+        <p:cNvGrpSpPr/>
+        <p:nvPr/>
+      </p:nvGrpSpPr>
+      <p:grpSpPr>
+        <a:xfrm>
+          <a:off x="0" y="0"/>
+          <a:ext cx="0" cy="0"/>
+          <a:chOff x="0" y="0"/>
+          <a:chExt cx="0" cy="0"/>
+        </a:xfrm>
+      </p:grpSpPr>
+      <p:sp>
+        <p:nvSpPr>
+          <p:cNvPr id="6" name="Rechteck 5">
+            <a:extLst>
+              <a:ext uri="{FF2B5EF4-FFF2-40B4-BE49-F238E27FC236}">
+                <a16:creationId xmlns:a16="http://schemas.microsoft.com/office/drawing/2014/main" id="{D603274C-DB6A-5072-3AED-F3EF334D9106}"/>
+              </a:ext>
+            </a:extLst>
+          </p:cNvPr>
+          <p:cNvSpPr/>
+          <p:nvPr/>
+        </p:nvSpPr>
+        <p:spPr>
+          <a:xfrm>
+            <a:off x="0" y="0"/>
+            <a:ext cx="2359907" cy="6854699"/>
+          </a:xfrm>
+          <a:prstGeom prst="rect">
+            <a:avLst/>
+          </a:prstGeom>
+          <a:solidFill>
+            <a:srgbClr val="007FFF"/>
+          </a:solidFill>
+          <a:ln>
+            <a:solidFill>
+              <a:srgbClr val="7F432F"/>
+            </a:solidFill>
+          </a:ln>
+          <a:effectLst>
+            <a:outerShdw blurRad="50800" dist="38100" dir="2700000" algn="tl" rotWithShape="0">
+              <a:prstClr val="black">
+                <a:alpha val="40000"/>
+              </a:prstClr>
+            </a:outerShdw>
+          </a:effectLst>
+        </p:spPr>
+        <p:style>
+          <a:lnRef idx="2">
+            <a:schemeClr val="accent1">
+              <a:shade val="15000"/>
+            </a:schemeClr>
+          </a:lnRef>
+          <a:fillRef idx="1">
+            <a:schemeClr val="accent1"/>
+          </a:fillRef>
+          <a:effectRef idx="0">
+            <a:schemeClr val="accent1"/>
+          </a:effectRef>
+          <a:fontRef idx="minor">
+            <a:schemeClr val="lt1"/>
+          </a:fontRef>
+        </p:style>
+        <p:txBody>
+          <a:bodyPr rtlCol="0" anchor="ctr"/>
+          <a:lstStyle/>
+          <a:p>
+            <a:pPr algn="ctr"/>
+            <a:endParaRPr lang="de-DE" dirty="0"/>
+          </a:p>
+        </p:txBody>
+      </p:sp>
+      <p:pic>
+        <p:nvPicPr>
+          <p:cNvPr id="2" name="Grafik 1">
+            <a:extLst>
+              <a:ext uri="{FF2B5EF4-FFF2-40B4-BE49-F238E27FC236}">
+                <a16:creationId xmlns:a16="http://schemas.microsoft.com/office/drawing/2014/main" id="{4B5EA21E-5BE6-17A5-3A51-2D0C5A09BFBF}"/>
+              </a:ext>
+            </a:extLst>
+          </p:cNvPr>
+          <p:cNvPicPr>
+            <a:picLocks noChangeAspect="1"/>
+          </p:cNvPicPr>
+          <p:nvPr/>
+        </p:nvPicPr>
+        <p:blipFill>
+          <a:blip r:embed="rId2"/>
+          <a:stretch>
+            <a:fillRect/>
+          </a:stretch>
+        </p:blipFill>
+        <p:spPr>
+          <a:xfrm>
+            <a:off x="78270" y="88712"/>
+            <a:ext cx="671887" cy="492442"/>
+          </a:xfrm>
+          <a:prstGeom prst="rect">
+            <a:avLst/>
+          </a:prstGeom>
+        </p:spPr>
+      </p:pic>
+      <p:sp>
+        <p:nvSpPr>
+          <p:cNvPr id="3" name="Textfeld 2">
+            <a:extLst>
+              <a:ext uri="{FF2B5EF4-FFF2-40B4-BE49-F238E27FC236}">
+                <a16:creationId xmlns:a16="http://schemas.microsoft.com/office/drawing/2014/main" id="{B1F44A3D-1CCE-E12D-E77D-097FE0E10374}"/>
+              </a:ext>
+            </a:extLst>
+          </p:cNvPr>
+          <p:cNvSpPr txBox="1"/>
+          <p:nvPr/>
+        </p:nvSpPr>
+        <p:spPr>
+          <a:xfrm>
+            <a:off x="781537" y="88712"/>
+            <a:ext cx="1529019" cy="492443"/>
+          </a:xfrm>
+          <a:prstGeom prst="rect">
+            <a:avLst/>
+          </a:prstGeom>
+          <a:solidFill>
+            <a:schemeClr val="bg1"/>
+          </a:solidFill>
+          <a:ln>
+            <a:solidFill>
+              <a:srgbClr val="007FFF"/>
+            </a:solidFill>
+          </a:ln>
+        </p:spPr>
+        <p:txBody>
+          <a:bodyPr wrap="square" rtlCol="0">
+            <a:spAutoFit/>
+          </a:bodyPr>
+          <a:lstStyle/>
+          <a:p>
+            <a:pPr algn="ctr"/>
+            <a:r>
+              <a:rPr lang="de-DE" sz="1400" b="1" dirty="0">
+                <a:solidFill>
+                  <a:srgbClr val="1034A6"/>
+                </a:solidFill>
+              </a:rPr>
+              <a:t>Zeiterfassung</a:t>
+            </a:r>
+          </a:p>
+          <a:p>
+            <a:pPr algn="ctr"/>
+            <a:r>
+              <a:rPr lang="de-DE" sz="1200" b="1" dirty="0">
+                <a:solidFill>
+                  <a:srgbClr val="1034A6"/>
+                </a:solidFill>
+              </a:rPr>
+              <a:t> Elena </a:t>
+            </a:r>
+            <a:r>
+              <a:rPr lang="de-DE" sz="1200" b="1" dirty="0" err="1">
+                <a:solidFill>
+                  <a:srgbClr val="1034A6"/>
+                </a:solidFill>
+              </a:rPr>
+              <a:t>Wowchik</a:t>
+            </a:r>
+            <a:endParaRPr lang="de-DE" sz="1200" b="1" dirty="0">
+              <a:solidFill>
+                <a:srgbClr val="1034A6"/>
+              </a:solidFill>
+            </a:endParaRPr>
+          </a:p>
+        </p:txBody>
+      </p:sp>
+      <p:sp>
+        <p:nvSpPr>
+          <p:cNvPr id="5" name="Title 1">
+            <a:extLst>
+              <a:ext uri="{FF2B5EF4-FFF2-40B4-BE49-F238E27FC236}">
+                <a16:creationId xmlns:a16="http://schemas.microsoft.com/office/drawing/2014/main" id="{9E791D9E-782F-43DA-DB8D-2D33FDC2FE97}"/>
+              </a:ext>
+            </a:extLst>
+          </p:cNvPr>
+          <p:cNvSpPr txBox="1">
+            <a:spLocks/>
+          </p:cNvSpPr>
+          <p:nvPr/>
+        </p:nvSpPr>
+        <p:spPr>
+          <a:xfrm>
+            <a:off x="3092093" y="88712"/>
+            <a:ext cx="8229600" cy="1143000"/>
+          </a:xfrm>
+          <a:prstGeom prst="rect">
+            <a:avLst/>
+          </a:prstGeom>
+        </p:spPr>
+        <p:txBody>
+          <a:bodyPr vert="horz" lIns="91440" tIns="45720" rIns="91440" bIns="45720" rtlCol="0" anchor="b">
+            <a:normAutofit/>
+          </a:bodyPr>
+          <a:lstStyle>
+            <a:lvl1pPr algn="ctr" defTabSz="914400" rtl="0" eaLnBrk="1" latinLnBrk="0" hangingPunct="1">
+              <a:lnSpc>
+                <a:spcPct val="90000"/>
+              </a:lnSpc>
+              <a:spcBef>
+                <a:spcPct val="0"/>
+              </a:spcBef>
+              <a:buNone/>
+              <a:defRPr sz="6000" kern="1200">
+                <a:solidFill>
+                  <a:schemeClr val="tx1"/>
+                </a:solidFill>
+                <a:latin typeface="+mj-lt"/>
+                <a:ea typeface="+mj-ea"/>
+                <a:cs typeface="+mj-cs"/>
+              </a:defRPr>
+            </a:lvl1pPr>
+          </a:lstStyle>
+          <a:p>
+            <a:r>
+              <a:rPr lang="de-DE" dirty="0"/>
+              <a:t>Ausgangssituation</a:t>
+            </a:r>
+          </a:p>
+        </p:txBody>
+      </p:sp>
+      <p:sp>
+        <p:nvSpPr>
+          <p:cNvPr id="7" name="Content Placeholder 2">
+            <a:extLst>
+              <a:ext uri="{FF2B5EF4-FFF2-40B4-BE49-F238E27FC236}">
+                <a16:creationId xmlns:a16="http://schemas.microsoft.com/office/drawing/2014/main" id="{CB9B6D83-41F9-4A58-6C2C-31662DF71EA8}"/>
+              </a:ext>
+            </a:extLst>
+          </p:cNvPr>
+          <p:cNvSpPr txBox="1">
+            <a:spLocks/>
+          </p:cNvSpPr>
+          <p:nvPr/>
+        </p:nvSpPr>
+        <p:spPr>
+          <a:xfrm>
+            <a:off x="110534" y="1524244"/>
+            <a:ext cx="2138837" cy="2367418"/>
+          </a:xfrm>
+          <a:prstGeom prst="rect">
+            <a:avLst/>
+          </a:prstGeom>
+        </p:spPr>
+        <p:txBody>
+          <a:bodyPr vert="horz" lIns="91440" tIns="45720" rIns="91440" bIns="45720" rtlCol="0">
+            <a:normAutofit/>
+          </a:bodyPr>
+          <a:lstStyle>
+            <a:lvl1pPr marL="0" indent="0" algn="ctr" defTabSz="914400" rtl="0" eaLnBrk="1" latinLnBrk="0" hangingPunct="1">
+              <a:lnSpc>
+                <a:spcPct val="90000"/>
+              </a:lnSpc>
+              <a:spcBef>
+                <a:spcPts val="1000"/>
+              </a:spcBef>
+              <a:buFont typeface="Arial" panose="020B0604020202020204" pitchFamily="34" charset="0"/>
+              <a:buNone/>
+              <a:defRPr sz="2400" kern="1200">
+                <a:solidFill>
+                  <a:schemeClr val="tx1"/>
+                </a:solidFill>
+                <a:latin typeface="+mn-lt"/>
+                <a:ea typeface="+mn-ea"/>
+                <a:cs typeface="+mn-cs"/>
+              </a:defRPr>
+            </a:lvl1pPr>
+            <a:lvl2pPr marL="457200" indent="0" algn="ctr" defTabSz="914400" rtl="0" eaLnBrk="1" latinLnBrk="0" hangingPunct="1">
+              <a:lnSpc>
+                <a:spcPct val="90000"/>
+              </a:lnSpc>
+              <a:spcBef>
+                <a:spcPts val="500"/>
+              </a:spcBef>
+              <a:buFont typeface="Arial" panose="020B0604020202020204" pitchFamily="34" charset="0"/>
+              <a:buNone/>
+              <a:defRPr sz="2000" kern="1200">
+                <a:solidFill>
+                  <a:schemeClr val="tx1"/>
+                </a:solidFill>
+                <a:latin typeface="+mn-lt"/>
+                <a:ea typeface="+mn-ea"/>
+                <a:cs typeface="+mn-cs"/>
+              </a:defRPr>
+            </a:lvl2pPr>
+            <a:lvl3pPr marL="914400" indent="0" algn="ctr" defTabSz="914400" rtl="0" eaLnBrk="1" latinLnBrk="0" hangingPunct="1">
+              <a:lnSpc>
+                <a:spcPct val="90000"/>
+              </a:lnSpc>
+              <a:spcBef>
+                <a:spcPts val="500"/>
+              </a:spcBef>
+              <a:buFont typeface="Arial" panose="020B0604020202020204" pitchFamily="34" charset="0"/>
+              <a:buNone/>
+              <a:defRPr sz="1800" kern="1200">
+                <a:solidFill>
+                  <a:schemeClr val="tx1"/>
+                </a:solidFill>
+                <a:latin typeface="+mn-lt"/>
+                <a:ea typeface="+mn-ea"/>
+                <a:cs typeface="+mn-cs"/>
+              </a:defRPr>
+            </a:lvl3pPr>
+            <a:lvl4pPr marL="1371600" indent="0" algn="ctr" defTabSz="914400" rtl="0" eaLnBrk="1" latinLnBrk="0" hangingPunct="1">
+              <a:lnSpc>
+                <a:spcPct val="90000"/>
+              </a:lnSpc>
+              <a:spcBef>
+                <a:spcPts val="500"/>
+              </a:spcBef>
+              <a:buFont typeface="Arial" panose="020B0604020202020204" pitchFamily="34" charset="0"/>
+              <a:buNone/>
+              <a:defRPr sz="1600" kern="1200">
+                <a:solidFill>
+                  <a:schemeClr val="tx1"/>
+                </a:solidFill>
+                <a:latin typeface="+mn-lt"/>
+                <a:ea typeface="+mn-ea"/>
+                <a:cs typeface="+mn-cs"/>
+              </a:defRPr>
+            </a:lvl4pPr>
+            <a:lvl5pPr marL="1828800" indent="0" algn="ctr" defTabSz="914400" rtl="0" eaLnBrk="1" latinLnBrk="0" hangingPunct="1">
+              <a:lnSpc>
+                <a:spcPct val="90000"/>
+              </a:lnSpc>
+              <a:spcBef>
+                <a:spcPts val="500"/>
+              </a:spcBef>
+              <a:buFont typeface="Arial" panose="020B0604020202020204" pitchFamily="34" charset="0"/>
+              <a:buNone/>
+              <a:defRPr sz="1600" kern="1200">
+                <a:solidFill>
+                  <a:schemeClr val="tx1"/>
+                </a:solidFill>
+                <a:latin typeface="+mn-lt"/>
+                <a:ea typeface="+mn-ea"/>
+                <a:cs typeface="+mn-cs"/>
+              </a:defRPr>
+            </a:lvl5pPr>
+            <a:lvl6pPr marL="2286000" indent="0" algn="ctr" defTabSz="914400" rtl="0" eaLnBrk="1" latinLnBrk="0" hangingPunct="1">
+              <a:lnSpc>
+                <a:spcPct val="90000"/>
+              </a:lnSpc>
+              <a:spcBef>
+                <a:spcPts val="500"/>
+              </a:spcBef>
+              <a:buFont typeface="Arial" panose="020B0604020202020204" pitchFamily="34" charset="0"/>
+              <a:buNone/>
+              <a:defRPr sz="1600" kern="1200">
+                <a:solidFill>
+                  <a:schemeClr val="tx1"/>
+                </a:solidFill>
+                <a:latin typeface="+mn-lt"/>
+                <a:ea typeface="+mn-ea"/>
+                <a:cs typeface="+mn-cs"/>
+              </a:defRPr>
+            </a:lvl6pPr>
+            <a:lvl7pPr marL="2743200" indent="0" algn="ctr" defTabSz="914400" rtl="0" eaLnBrk="1" latinLnBrk="0" hangingPunct="1">
+              <a:lnSpc>
+                <a:spcPct val="90000"/>
+              </a:lnSpc>
+              <a:spcBef>
+                <a:spcPts val="500"/>
+              </a:spcBef>
+              <a:buFont typeface="Arial" panose="020B0604020202020204" pitchFamily="34" charset="0"/>
+              <a:buNone/>
+              <a:defRPr sz="1600" kern="1200">
+                <a:solidFill>
+                  <a:schemeClr val="tx1"/>
+                </a:solidFill>
+                <a:latin typeface="+mn-lt"/>
+                <a:ea typeface="+mn-ea"/>
+                <a:cs typeface="+mn-cs"/>
+              </a:defRPr>
+            </a:lvl7pPr>
+            <a:lvl8pPr marL="3200400" indent="0" algn="ctr" defTabSz="914400" rtl="0" eaLnBrk="1" latinLnBrk="0" hangingPunct="1">
+              <a:lnSpc>
+                <a:spcPct val="90000"/>
+              </a:lnSpc>
+              <a:spcBef>
+                <a:spcPts val="500"/>
+              </a:spcBef>
+              <a:buFont typeface="Arial" panose="020B0604020202020204" pitchFamily="34" charset="0"/>
+              <a:buNone/>
+              <a:defRPr sz="1600" kern="1200">
+                <a:solidFill>
+                  <a:schemeClr val="tx1"/>
+                </a:solidFill>
+                <a:latin typeface="+mn-lt"/>
+                <a:ea typeface="+mn-ea"/>
+                <a:cs typeface="+mn-cs"/>
+              </a:defRPr>
+            </a:lvl8pPr>
+            <a:lvl9pPr marL="3657600" indent="0" algn="ctr" defTabSz="914400" rtl="0" eaLnBrk="1" latinLnBrk="0" hangingPunct="1">
+              <a:lnSpc>
+                <a:spcPct val="90000"/>
+              </a:lnSpc>
+              <a:spcBef>
+                <a:spcPts val="500"/>
+              </a:spcBef>
+              <a:buFont typeface="Arial" panose="020B0604020202020204" pitchFamily="34" charset="0"/>
+              <a:buNone/>
+              <a:defRPr sz="1600" kern="1200">
+                <a:solidFill>
+                  <a:schemeClr val="tx1"/>
+                </a:solidFill>
+                <a:latin typeface="+mn-lt"/>
+                <a:ea typeface="+mn-ea"/>
+                <a:cs typeface="+mn-cs"/>
+              </a:defRPr>
+            </a:lvl9pPr>
+          </a:lstStyle>
+          <a:p>
+            <a:pPr marL="285750" indent="-285750" algn="l">
+              <a:buFont typeface="Wingdings" panose="05000000000000000000" pitchFamily="2" charset="2"/>
+              <a:buChar char="Ø"/>
+            </a:pPr>
+            <a:r>
+              <a:rPr lang="de-DE" sz="1400" dirty="0">
+                <a:solidFill>
+                  <a:schemeClr val="bg1"/>
+                </a:solidFill>
+              </a:rPr>
+              <a:t>Mehrere Excel-Dateien</a:t>
+            </a:r>
+          </a:p>
+          <a:p>
+            <a:pPr marL="285750" indent="-285750" algn="l">
+              <a:buFont typeface="Wingdings" panose="05000000000000000000" pitchFamily="2" charset="2"/>
+              <a:buChar char="Ø"/>
+            </a:pPr>
+            <a:r>
+              <a:rPr lang="de-DE" sz="1400" dirty="0">
+                <a:solidFill>
+                  <a:schemeClr val="bg1"/>
+                </a:solidFill>
+              </a:rPr>
+              <a:t>Unterschiedliche Formate</a:t>
+            </a:r>
+          </a:p>
+          <a:p>
+            <a:pPr marL="285750" indent="-285750" algn="l">
+              <a:buFont typeface="Wingdings" panose="05000000000000000000" pitchFamily="2" charset="2"/>
+              <a:buChar char="Ø"/>
+            </a:pPr>
+            <a:r>
+              <a:rPr lang="de-DE" sz="1400" dirty="0">
+                <a:solidFill>
+                  <a:schemeClr val="bg1"/>
+                </a:solidFill>
+              </a:rPr>
+              <a:t>Keine klare Auswertung</a:t>
+            </a:r>
+          </a:p>
+        </p:txBody>
+      </p:sp>
+      <p:sp>
+        <p:nvSpPr>
+          <p:cNvPr id="8" name="Textfeld 7">
+            <a:extLst>
+              <a:ext uri="{FF2B5EF4-FFF2-40B4-BE49-F238E27FC236}">
+                <a16:creationId xmlns:a16="http://schemas.microsoft.com/office/drawing/2014/main" id="{69AA34D5-A303-387A-2228-D6CC562E13C6}"/>
+              </a:ext>
+            </a:extLst>
+          </p:cNvPr>
+          <p:cNvSpPr txBox="1"/>
+          <p:nvPr/>
+        </p:nvSpPr>
+        <p:spPr>
+          <a:xfrm>
+            <a:off x="2940423" y="1507624"/>
+            <a:ext cx="8684383" cy="923330"/>
+          </a:xfrm>
+          <a:prstGeom prst="rect">
+            <a:avLst/>
+          </a:prstGeom>
+          <a:noFill/>
+        </p:spPr>
+        <p:txBody>
+          <a:bodyPr wrap="square">
+            <a:spAutoFit/>
+          </a:bodyPr>
+          <a:lstStyle/>
+          <a:p>
+            <a:r>
+              <a:rPr lang="de-DE" dirty="0"/>
+              <a:t>Am Anfang habe ich meine Lernzeiten in mehreren Excel-Dateien erfasst. Die Formate waren unterschiedlich und Auswertungen waren kaum möglich. Ich konnte zum Beispiel nicht sehen, wann oder wie effizient ich gelernt habe</a:t>
+            </a:r>
+          </a:p>
+        </p:txBody>
+      </p:sp>
+      <p:pic>
+        <p:nvPicPr>
+          <p:cNvPr id="10" name="Grafik 9">
+            <a:extLst>
+              <a:ext uri="{FF2B5EF4-FFF2-40B4-BE49-F238E27FC236}">
+                <a16:creationId xmlns:a16="http://schemas.microsoft.com/office/drawing/2014/main" id="{8866C72D-01F6-79B9-5B30-6BE6021E9813}"/>
+              </a:ext>
+            </a:extLst>
+          </p:cNvPr>
+          <p:cNvPicPr>
+            <a:picLocks noChangeAspect="1"/>
+          </p:cNvPicPr>
+          <p:nvPr/>
+        </p:nvPicPr>
+        <p:blipFill>
+          <a:blip r:embed="rId3"/>
+          <a:stretch>
+            <a:fillRect/>
+          </a:stretch>
+        </p:blipFill>
+        <p:spPr>
+          <a:xfrm>
+            <a:off x="3092093" y="2618154"/>
+            <a:ext cx="2463616" cy="3773681"/>
+          </a:xfrm>
+          <a:prstGeom prst="rect">
+            <a:avLst/>
+          </a:prstGeom>
+        </p:spPr>
+      </p:pic>
+      <p:pic>
+        <p:nvPicPr>
+          <p:cNvPr id="12" name="Grafik 11">
+            <a:extLst>
+              <a:ext uri="{FF2B5EF4-FFF2-40B4-BE49-F238E27FC236}">
+                <a16:creationId xmlns:a16="http://schemas.microsoft.com/office/drawing/2014/main" id="{594FE1AF-E2A2-EA5F-B7FD-4F5F589A777F}"/>
+              </a:ext>
+            </a:extLst>
+          </p:cNvPr>
+          <p:cNvPicPr>
+            <a:picLocks noChangeAspect="1"/>
+          </p:cNvPicPr>
+          <p:nvPr/>
+        </p:nvPicPr>
+        <p:blipFill>
+          <a:blip r:embed="rId4"/>
+          <a:stretch>
+            <a:fillRect/>
+          </a:stretch>
+        </p:blipFill>
+        <p:spPr>
+          <a:xfrm>
+            <a:off x="5904277" y="2618154"/>
+            <a:ext cx="3598312" cy="3817968"/>
+          </a:xfrm>
+          <a:prstGeom prst="rect">
+            <a:avLst/>
+          </a:prstGeom>
+        </p:spPr>
+      </p:pic>
+    </p:spTree>
+    <p:extLst>
+      <p:ext uri="{BB962C8B-B14F-4D97-AF65-F5344CB8AC3E}">
+        <p14:creationId xmlns:p14="http://schemas.microsoft.com/office/powerpoint/2010/main" val="1793436612"/>
       </p:ext>
     </p:extLst>
   </p:cSld>
@@ -7830,6 +11637,88 @@
           </a:p>
         </p:txBody>
       </p:sp>
+      <p:sp>
+        <p:nvSpPr>
+          <p:cNvPr id="8" name="Textfeld 7">
+            <a:extLst>
+              <a:ext uri="{FF2B5EF4-FFF2-40B4-BE49-F238E27FC236}">
+                <a16:creationId xmlns:a16="http://schemas.microsoft.com/office/drawing/2014/main" id="{A8C7D164-B013-9223-3987-1CD8CB6A3D92}"/>
+              </a:ext>
+            </a:extLst>
+          </p:cNvPr>
+          <p:cNvSpPr txBox="1"/>
+          <p:nvPr/>
+        </p:nvSpPr>
+        <p:spPr>
+          <a:xfrm>
+            <a:off x="3191435" y="1524244"/>
+            <a:ext cx="7951693" cy="923330"/>
+          </a:xfrm>
+          <a:prstGeom prst="rect">
+            <a:avLst/>
+          </a:prstGeom>
+          <a:noFill/>
+        </p:spPr>
+        <p:txBody>
+          <a:bodyPr wrap="square">
+            <a:spAutoFit/>
+          </a:bodyPr>
+          <a:lstStyle/>
+          <a:p>
+            <a:r>
+              <a:rPr lang="de-DE" dirty="0"/>
+              <a:t>Der komplette Datenfluss beginnt bei der Eingabe über </a:t>
+            </a:r>
+            <a:r>
+              <a:rPr lang="de-DE" dirty="0" err="1"/>
+              <a:t>Streamlit</a:t>
+            </a:r>
+            <a:r>
+              <a:rPr lang="de-DE" dirty="0"/>
+              <a:t>. Die Daten werden als CSV gespeichert, in AWS S3 abgelegt, über </a:t>
+            </a:r>
+            <a:r>
+              <a:rPr lang="de-DE" dirty="0" err="1"/>
+              <a:t>Glue</a:t>
+            </a:r>
+            <a:r>
+              <a:rPr lang="de-DE" dirty="0"/>
+              <a:t> und Athena strukturiert und anschließend in Power BI analysiert</a:t>
+            </a:r>
+          </a:p>
+        </p:txBody>
+      </p:sp>
+      <p:pic>
+        <p:nvPicPr>
+          <p:cNvPr id="14" name="Grafik 13">
+            <a:extLst>
+              <a:ext uri="{FF2B5EF4-FFF2-40B4-BE49-F238E27FC236}">
+                <a16:creationId xmlns:a16="http://schemas.microsoft.com/office/drawing/2014/main" id="{DED4ADAA-A90F-2DE2-22EF-933C093BEF0E}"/>
+              </a:ext>
+            </a:extLst>
+          </p:cNvPr>
+          <p:cNvPicPr>
+            <a:picLocks noChangeAspect="1"/>
+          </p:cNvPicPr>
+          <p:nvPr/>
+        </p:nvPicPr>
+        <p:blipFill>
+          <a:blip r:embed="rId3"/>
+          <a:srcRect t="22887" b="17719"/>
+          <a:stretch>
+            <a:fillRect/>
+          </a:stretch>
+        </p:blipFill>
+        <p:spPr>
+          <a:xfrm>
+            <a:off x="3191435" y="2740106"/>
+            <a:ext cx="8095786" cy="3016638"/>
+          </a:xfrm>
+          <a:prstGeom prst="rect">
+            <a:avLst/>
+          </a:prstGeom>
+        </p:spPr>
+      </p:pic>
     </p:spTree>
     <p:extLst>
       <p:ext uri="{BB962C8B-B14F-4D97-AF65-F5344CB8AC3E}">
@@ -8327,6 +12216,75 @@
           </a:p>
         </p:txBody>
       </p:sp>
+      <p:sp>
+        <p:nvSpPr>
+          <p:cNvPr id="8" name="Textfeld 7">
+            <a:extLst>
+              <a:ext uri="{FF2B5EF4-FFF2-40B4-BE49-F238E27FC236}">
+                <a16:creationId xmlns:a16="http://schemas.microsoft.com/office/drawing/2014/main" id="{A68266A4-72AA-8965-E4C3-A87AEA55613B}"/>
+              </a:ext>
+            </a:extLst>
+          </p:cNvPr>
+          <p:cNvSpPr txBox="1"/>
+          <p:nvPr/>
+        </p:nvSpPr>
+        <p:spPr>
+          <a:xfrm>
+            <a:off x="2904565" y="1439307"/>
+            <a:ext cx="8229600" cy="923330"/>
+          </a:xfrm>
+          <a:prstGeom prst="rect">
+            <a:avLst/>
+          </a:prstGeom>
+          <a:noFill/>
+        </p:spPr>
+        <p:txBody>
+          <a:bodyPr wrap="square">
+            <a:spAutoFit/>
+          </a:bodyPr>
+          <a:lstStyle/>
+          <a:p>
+            <a:r>
+              <a:rPr lang="de-DE" dirty="0" err="1"/>
+              <a:t>Streamlit</a:t>
+            </a:r>
+            <a:r>
+              <a:rPr lang="de-DE" dirty="0"/>
+              <a:t> dient als Eingabemaske. Hier trage ich Datum, Start- und Endzeit ein, und die Dauer wird automatisch berechnet. Dadurch vermeide ich Rechenfehler und habe ein einheitliches Format</a:t>
+            </a:r>
+          </a:p>
+        </p:txBody>
+      </p:sp>
+      <p:pic>
+        <p:nvPicPr>
+          <p:cNvPr id="10" name="Grafik 9">
+            <a:extLst>
+              <a:ext uri="{FF2B5EF4-FFF2-40B4-BE49-F238E27FC236}">
+                <a16:creationId xmlns:a16="http://schemas.microsoft.com/office/drawing/2014/main" id="{910F62AC-D855-1C32-F0F8-AF08DB637F13}"/>
+              </a:ext>
+            </a:extLst>
+          </p:cNvPr>
+          <p:cNvPicPr>
+            <a:picLocks noChangeAspect="1"/>
+          </p:cNvPicPr>
+          <p:nvPr/>
+        </p:nvPicPr>
+        <p:blipFill>
+          <a:blip r:embed="rId3"/>
+          <a:stretch>
+            <a:fillRect/>
+          </a:stretch>
+        </p:blipFill>
+        <p:spPr>
+          <a:xfrm>
+            <a:off x="2904565" y="2464789"/>
+            <a:ext cx="3021106" cy="4185615"/>
+          </a:xfrm>
+          <a:prstGeom prst="rect">
+            <a:avLst/>
+          </a:prstGeom>
+        </p:spPr>
+      </p:pic>
     </p:spTree>
     <p:extLst>
       <p:ext uri="{BB962C8B-B14F-4D97-AF65-F5344CB8AC3E}">
@@ -8824,6 +12782,41 @@
           </a:p>
         </p:txBody>
       </p:sp>
+      <p:sp>
+        <p:nvSpPr>
+          <p:cNvPr id="8" name="Textfeld 7">
+            <a:extLst>
+              <a:ext uri="{FF2B5EF4-FFF2-40B4-BE49-F238E27FC236}">
+                <a16:creationId xmlns:a16="http://schemas.microsoft.com/office/drawing/2014/main" id="{FDEC4EAB-1B9A-FFF4-11F1-E0102CCB9066}"/>
+              </a:ext>
+            </a:extLst>
+          </p:cNvPr>
+          <p:cNvSpPr txBox="1"/>
+          <p:nvPr/>
+        </p:nvSpPr>
+        <p:spPr>
+          <a:xfrm>
+            <a:off x="3092093" y="1524244"/>
+            <a:ext cx="8095860" cy="646331"/>
+          </a:xfrm>
+          <a:prstGeom prst="rect">
+            <a:avLst/>
+          </a:prstGeom>
+          <a:noFill/>
+        </p:spPr>
+        <p:txBody>
+          <a:bodyPr wrap="square">
+            <a:spAutoFit/>
+          </a:bodyPr>
+          <a:lstStyle/>
+          <a:p>
+            <a:r>
+              <a:rPr lang="de-DE" dirty="0"/>
+              <a:t>AWS S3 nutze ich als zentrale Datenablage. Die CSV-Datei wird dort gespeichert und dient als stabile Datenquelle. So ist die Datenspeicherung von der Analyse getrennt</a:t>
+            </a:r>
+          </a:p>
+        </p:txBody>
+      </p:sp>
     </p:spTree>
     <p:extLst>
       <p:ext uri="{BB962C8B-B14F-4D97-AF65-F5344CB8AC3E}">
@@ -9307,6 +13300,49 @@
           </a:p>
         </p:txBody>
       </p:sp>
+      <p:sp>
+        <p:nvSpPr>
+          <p:cNvPr id="8" name="Textfeld 7">
+            <a:extLst>
+              <a:ext uri="{FF2B5EF4-FFF2-40B4-BE49-F238E27FC236}">
+                <a16:creationId xmlns:a16="http://schemas.microsoft.com/office/drawing/2014/main" id="{6B32CAE8-9C20-931C-9C6A-86C503F814AA}"/>
+              </a:ext>
+            </a:extLst>
+          </p:cNvPr>
+          <p:cNvSpPr txBox="1"/>
+          <p:nvPr/>
+        </p:nvSpPr>
+        <p:spPr>
+          <a:xfrm>
+            <a:off x="3173506" y="1443335"/>
+            <a:ext cx="7879976" cy="923330"/>
+          </a:xfrm>
+          <a:prstGeom prst="rect">
+            <a:avLst/>
+          </a:prstGeom>
+          <a:noFill/>
+        </p:spPr>
+        <p:txBody>
+          <a:bodyPr wrap="square">
+            <a:spAutoFit/>
+          </a:bodyPr>
+          <a:lstStyle/>
+          <a:p>
+            <a:r>
+              <a:rPr lang="de-DE" dirty="0"/>
+              <a:t>AWS </a:t>
+            </a:r>
+            <a:r>
+              <a:rPr lang="de-DE" dirty="0" err="1"/>
+              <a:t>Glue</a:t>
+            </a:r>
+            <a:r>
+              <a:rPr lang="de-DE" dirty="0"/>
+              <a:t> erkennt automatisch die Struktur der Daten. Athena erlaubt mir dann, mit SQL direkt auf den CSV-Dateien zu arbeiten – ohne eine klassische Datenbank zu betreiben</a:t>
+            </a:r>
+          </a:p>
+        </p:txBody>
+      </p:sp>
     </p:spTree>
     <p:extLst>
       <p:ext uri="{BB962C8B-B14F-4D97-AF65-F5344CB8AC3E}">
@@ -9338,7 +13374,7 @@
         <p:cNvPr id="1" name="">
           <a:extLst>
             <a:ext uri="{FF2B5EF4-FFF2-40B4-BE49-F238E27FC236}">
-              <a16:creationId xmlns:a16="http://schemas.microsoft.com/office/drawing/2014/main" id="{4F9E6E8D-A475-822D-C990-C25C29D654AB}"/>
+              <a16:creationId xmlns:a16="http://schemas.microsoft.com/office/drawing/2014/main" id="{B7FF1CC8-4663-A66A-BE33-9520188F0BF2}"/>
             </a:ext>
           </a:extLst>
         </p:cNvPr>
@@ -9358,7 +13394,7 @@
           <p:cNvPr id="6" name="Rechteck 5">
             <a:extLst>
               <a:ext uri="{FF2B5EF4-FFF2-40B4-BE49-F238E27FC236}">
-                <a16:creationId xmlns:a16="http://schemas.microsoft.com/office/drawing/2014/main" id="{78B4120D-B49A-03C2-A2E7-984ADC08AF19}"/>
+                <a16:creationId xmlns:a16="http://schemas.microsoft.com/office/drawing/2014/main" id="{861E837D-C275-FFE5-D75C-78D5A673CC90}"/>
               </a:ext>
             </a:extLst>
           </p:cNvPr>
@@ -9419,7 +13455,7 @@
           <p:cNvPr id="2" name="Grafik 1">
             <a:extLst>
               <a:ext uri="{FF2B5EF4-FFF2-40B4-BE49-F238E27FC236}">
-                <a16:creationId xmlns:a16="http://schemas.microsoft.com/office/drawing/2014/main" id="{EF14AA43-FE95-B436-DCC7-9C95EEE6D15E}"/>
+                <a16:creationId xmlns:a16="http://schemas.microsoft.com/office/drawing/2014/main" id="{C0D2B1D4-D412-A8A4-F667-89CE1F2072FB}"/>
               </a:ext>
             </a:extLst>
           </p:cNvPr>
@@ -9449,7 +13485,7 @@
           <p:cNvPr id="3" name="Textfeld 2">
             <a:extLst>
               <a:ext uri="{FF2B5EF4-FFF2-40B4-BE49-F238E27FC236}">
-                <a16:creationId xmlns:a16="http://schemas.microsoft.com/office/drawing/2014/main" id="{B8161F95-5ECA-A39D-B7D4-315CBF2B4FF1}"/>
+                <a16:creationId xmlns:a16="http://schemas.microsoft.com/office/drawing/2014/main" id="{72B1B3F6-6A95-8756-FEE6-71910D2958D1}"/>
               </a:ext>
             </a:extLst>
           </p:cNvPr>
@@ -9520,7 +13556,7 @@
           <p:cNvPr id="5" name="Title 1">
             <a:extLst>
               <a:ext uri="{FF2B5EF4-FFF2-40B4-BE49-F238E27FC236}">
-                <a16:creationId xmlns:a16="http://schemas.microsoft.com/office/drawing/2014/main" id="{2D8AD077-057C-B565-80B9-99682E5592EA}"/>
+                <a16:creationId xmlns:a16="http://schemas.microsoft.com/office/drawing/2014/main" id="{A71499C7-0E0E-382A-AB76-2F47DED1D9A3}"/>
               </a:ext>
             </a:extLst>
           </p:cNvPr>
@@ -9564,7 +13600,7 @@
           <a:p>
             <a:r>
               <a:rPr lang="de-DE" dirty="0"/>
-              <a:t>Power BI</a:t>
+              <a:t>Datenmodell</a:t>
             </a:r>
           </a:p>
         </p:txBody>
@@ -9574,7 +13610,7 @@
           <p:cNvPr id="7" name="Content Placeholder 2">
             <a:extLst>
               <a:ext uri="{FF2B5EF4-FFF2-40B4-BE49-F238E27FC236}">
-                <a16:creationId xmlns:a16="http://schemas.microsoft.com/office/drawing/2014/main" id="{6BC70FEF-82D1-0D9B-1792-107EFDFFD9E5}"/>
+                <a16:creationId xmlns:a16="http://schemas.microsoft.com/office/drawing/2014/main" id="{AA4D6D38-CA85-4ADE-5901-E7BBC9336011}"/>
               </a:ext>
             </a:extLst>
           </p:cNvPr>
@@ -9766,13 +13802,18 @@
               <a:buChar char="Ø"/>
             </a:pPr>
             <a:r>
-              <a:rPr lang="de-DE" sz="1400" dirty="0">
+              <a:rPr lang="de-DE" sz="1400" dirty="0" err="1">
                 <a:solidFill>
                   <a:schemeClr val="bg1"/>
                 </a:solidFill>
               </a:rPr>
-              <a:t>Dashboards &amp; KPIs</a:t>
-            </a:r>
+              <a:t>Fact_Zeiterfassung</a:t>
+            </a:r>
+            <a:endParaRPr lang="de-DE" sz="1400" dirty="0">
+              <a:solidFill>
+                <a:schemeClr val="bg1"/>
+              </a:solidFill>
+            </a:endParaRPr>
           </a:p>
           <a:p>
             <a:pPr marL="285750" indent="-285750" algn="l">
@@ -9780,13 +13821,18 @@
               <a:buChar char="Ø"/>
             </a:pPr>
             <a:r>
-              <a:rPr lang="de-DE" sz="1400" dirty="0">
+              <a:rPr lang="de-DE" sz="1400" dirty="0" err="1">
                 <a:solidFill>
                   <a:schemeClr val="bg1"/>
                 </a:solidFill>
               </a:rPr>
-              <a:t>Zeitliche Analysen</a:t>
-            </a:r>
+              <a:t>Dim_Datum</a:t>
+            </a:r>
+            <a:endParaRPr lang="de-DE" sz="1400" dirty="0">
+              <a:solidFill>
+                <a:schemeClr val="bg1"/>
+              </a:solidFill>
+            </a:endParaRPr>
           </a:p>
           <a:p>
             <a:pPr marL="285750" indent="-285750" algn="l">
@@ -9794,12 +13840,104 @@
               <a:buChar char="Ø"/>
             </a:pPr>
             <a:r>
+              <a:rPr lang="de-DE" sz="1400" dirty="0" err="1">
+                <a:solidFill>
+                  <a:schemeClr val="bg1"/>
+                </a:solidFill>
+              </a:rPr>
+              <a:t>Dim_Zeit</a:t>
+            </a:r>
+            <a:endParaRPr lang="de-DE" sz="1400" dirty="0">
+              <a:solidFill>
+                <a:schemeClr val="bg1"/>
+              </a:solidFill>
+            </a:endParaRPr>
+          </a:p>
+          <a:p>
+            <a:pPr marL="285750" indent="-285750" algn="l">
+              <a:buFont typeface="Wingdings" panose="05000000000000000000" pitchFamily="2" charset="2"/>
+              <a:buChar char="Ø"/>
+            </a:pPr>
+            <a:r>
               <a:rPr lang="de-DE" sz="1400" dirty="0">
                 <a:solidFill>
                   <a:schemeClr val="bg1"/>
                 </a:solidFill>
               </a:rPr>
-              <a:t>Top-Lerntage</a:t>
+              <a:t>Star Schema</a:t>
+            </a:r>
+          </a:p>
+        </p:txBody>
+      </p:sp>
+      <p:pic>
+        <p:nvPicPr>
+          <p:cNvPr id="8" name="Grafik 7">
+            <a:extLst>
+              <a:ext uri="{FF2B5EF4-FFF2-40B4-BE49-F238E27FC236}">
+                <a16:creationId xmlns:a16="http://schemas.microsoft.com/office/drawing/2014/main" id="{0214DD61-4FF2-35ED-6921-144328EC7E5B}"/>
+              </a:ext>
+            </a:extLst>
+          </p:cNvPr>
+          <p:cNvPicPr>
+            <a:picLocks noChangeAspect="1"/>
+          </p:cNvPicPr>
+          <p:nvPr/>
+        </p:nvPicPr>
+        <p:blipFill>
+          <a:blip r:embed="rId3"/>
+          <a:stretch>
+            <a:fillRect/>
+          </a:stretch>
+        </p:blipFill>
+        <p:spPr>
+          <a:xfrm>
+            <a:off x="3092093" y="2593253"/>
+            <a:ext cx="4994384" cy="3822541"/>
+          </a:xfrm>
+          <a:prstGeom prst="rect">
+            <a:avLst/>
+          </a:prstGeom>
+        </p:spPr>
+      </p:pic>
+      <p:sp>
+        <p:nvSpPr>
+          <p:cNvPr id="10" name="Textfeld 9">
+            <a:extLst>
+              <a:ext uri="{FF2B5EF4-FFF2-40B4-BE49-F238E27FC236}">
+                <a16:creationId xmlns:a16="http://schemas.microsoft.com/office/drawing/2014/main" id="{198F8EF5-6F11-BF78-A22E-679D942132B1}"/>
+              </a:ext>
+            </a:extLst>
+          </p:cNvPr>
+          <p:cNvSpPr txBox="1"/>
+          <p:nvPr/>
+        </p:nvSpPr>
+        <p:spPr>
+          <a:xfrm>
+            <a:off x="3092093" y="1524244"/>
+            <a:ext cx="8229600" cy="923330"/>
+          </a:xfrm>
+          <a:prstGeom prst="rect">
+            <a:avLst/>
+          </a:prstGeom>
+          <a:noFill/>
+        </p:spPr>
+        <p:txBody>
+          <a:bodyPr wrap="square">
+            <a:spAutoFit/>
+          </a:bodyPr>
+          <a:lstStyle/>
+          <a:p>
+            <a:r>
+              <a:rPr lang="de-DE" dirty="0"/>
+              <a:t>Für die Analyse habe ich ein sogenanntes Star Schema verwendet. Dabei gibt es eine Faktentabelle mit den Lernstunden und Dimensionstabellen für Kurs, </a:t>
+            </a:r>
+            <a:r>
+              <a:rPr lang="de-DE" dirty="0" err="1"/>
+              <a:t>Lernart</a:t>
+            </a:r>
+            <a:r>
+              <a:rPr lang="de-DE" dirty="0"/>
+              <a:t>, Datum und Zeit</a:t>
             </a:r>
           </a:p>
         </p:txBody>
@@ -9807,7 +13945,7 @@
     </p:spTree>
     <p:extLst>
       <p:ext uri="{BB962C8B-B14F-4D97-AF65-F5344CB8AC3E}">
-        <p14:creationId xmlns:p14="http://schemas.microsoft.com/office/powerpoint/2010/main" val="996735461"/>
+        <p14:creationId xmlns:p14="http://schemas.microsoft.com/office/powerpoint/2010/main" val="1760200925"/>
       </p:ext>
     </p:extLst>
   </p:cSld>
@@ -9835,7 +13973,7 @@
         <p:cNvPr id="1" name="">
           <a:extLst>
             <a:ext uri="{FF2B5EF4-FFF2-40B4-BE49-F238E27FC236}">
-              <a16:creationId xmlns:a16="http://schemas.microsoft.com/office/drawing/2014/main" id="{B7FF1CC8-4663-A66A-BE33-9520188F0BF2}"/>
+              <a16:creationId xmlns:a16="http://schemas.microsoft.com/office/drawing/2014/main" id="{9963617C-3741-19B3-D8F0-1C9D0F2082D5}"/>
             </a:ext>
           </a:extLst>
         </p:cNvPr>
@@ -9855,7 +13993,7 @@
           <p:cNvPr id="6" name="Rechteck 5">
             <a:extLst>
               <a:ext uri="{FF2B5EF4-FFF2-40B4-BE49-F238E27FC236}">
-                <a16:creationId xmlns:a16="http://schemas.microsoft.com/office/drawing/2014/main" id="{861E837D-C275-FFE5-D75C-78D5A673CC90}"/>
+                <a16:creationId xmlns:a16="http://schemas.microsoft.com/office/drawing/2014/main" id="{97B8591C-7D72-2579-0138-630846BFCFAC}"/>
               </a:ext>
             </a:extLst>
           </p:cNvPr>
@@ -9916,7 +14054,7 @@
           <p:cNvPr id="2" name="Grafik 1">
             <a:extLst>
               <a:ext uri="{FF2B5EF4-FFF2-40B4-BE49-F238E27FC236}">
-                <a16:creationId xmlns:a16="http://schemas.microsoft.com/office/drawing/2014/main" id="{C0D2B1D4-D412-A8A4-F667-89CE1F2072FB}"/>
+                <a16:creationId xmlns:a16="http://schemas.microsoft.com/office/drawing/2014/main" id="{B43A3368-B32A-F5C9-FD3D-C4A10D8C0105}"/>
               </a:ext>
             </a:extLst>
           </p:cNvPr>
@@ -9946,7 +14084,7 @@
           <p:cNvPr id="3" name="Textfeld 2">
             <a:extLst>
               <a:ext uri="{FF2B5EF4-FFF2-40B4-BE49-F238E27FC236}">
-                <a16:creationId xmlns:a16="http://schemas.microsoft.com/office/drawing/2014/main" id="{72B1B3F6-6A95-8756-FEE6-71910D2958D1}"/>
+                <a16:creationId xmlns:a16="http://schemas.microsoft.com/office/drawing/2014/main" id="{A116D7F3-48C4-993F-2C92-4C4B8896DF5E}"/>
               </a:ext>
             </a:extLst>
           </p:cNvPr>
@@ -10014,64 +14152,10 @@
       </p:sp>
       <p:sp>
         <p:nvSpPr>
-          <p:cNvPr id="5" name="Title 1">
-            <a:extLst>
-              <a:ext uri="{FF2B5EF4-FFF2-40B4-BE49-F238E27FC236}">
-                <a16:creationId xmlns:a16="http://schemas.microsoft.com/office/drawing/2014/main" id="{A71499C7-0E0E-382A-AB76-2F47DED1D9A3}"/>
-              </a:ext>
-            </a:extLst>
-          </p:cNvPr>
-          <p:cNvSpPr txBox="1">
-            <a:spLocks/>
-          </p:cNvSpPr>
-          <p:nvPr/>
-        </p:nvSpPr>
-        <p:spPr>
-          <a:xfrm>
-            <a:off x="3092093" y="88712"/>
-            <a:ext cx="8229600" cy="1143000"/>
-          </a:xfrm>
-          <a:prstGeom prst="rect">
-            <a:avLst/>
-          </a:prstGeom>
-        </p:spPr>
-        <p:txBody>
-          <a:bodyPr vert="horz" lIns="91440" tIns="45720" rIns="91440" bIns="45720" rtlCol="0" anchor="b">
-            <a:normAutofit/>
-          </a:bodyPr>
-          <a:lstStyle>
-            <a:lvl1pPr algn="ctr" defTabSz="914400" rtl="0" eaLnBrk="1" latinLnBrk="0" hangingPunct="1">
-              <a:lnSpc>
-                <a:spcPct val="90000"/>
-              </a:lnSpc>
-              <a:spcBef>
-                <a:spcPct val="0"/>
-              </a:spcBef>
-              <a:buNone/>
-              <a:defRPr sz="6000" kern="1200">
-                <a:solidFill>
-                  <a:schemeClr val="tx1"/>
-                </a:solidFill>
-                <a:latin typeface="+mj-lt"/>
-                <a:ea typeface="+mj-ea"/>
-                <a:cs typeface="+mj-cs"/>
-              </a:defRPr>
-            </a:lvl1pPr>
-          </a:lstStyle>
-          <a:p>
-            <a:r>
-              <a:rPr lang="de-DE" dirty="0"/>
-              <a:t>Datenmodell</a:t>
-            </a:r>
-          </a:p>
-        </p:txBody>
-      </p:sp>
-      <p:sp>
-        <p:nvSpPr>
           <p:cNvPr id="7" name="Content Placeholder 2">
             <a:extLst>
               <a:ext uri="{FF2B5EF4-FFF2-40B4-BE49-F238E27FC236}">
-                <a16:creationId xmlns:a16="http://schemas.microsoft.com/office/drawing/2014/main" id="{AA4D6D38-CA85-4ADE-5901-E7BBC9336011}"/>
+                <a16:creationId xmlns:a16="http://schemas.microsoft.com/office/drawing/2014/main" id="{D8DD3378-870A-691E-6BD8-76AA1BB54D31}"/>
               </a:ext>
             </a:extLst>
           </p:cNvPr>
@@ -10262,70 +14346,418 @@
               <a:buFont typeface="Wingdings" panose="05000000000000000000" pitchFamily="2" charset="2"/>
               <a:buChar char="Ø"/>
             </a:pPr>
-            <a:r>
-              <a:rPr lang="de-DE" sz="1400" dirty="0" err="1">
-                <a:solidFill>
-                  <a:schemeClr val="bg1"/>
-                </a:solidFill>
-              </a:rPr>
-              <a:t>Fact_Zeiterfassung</a:t>
-            </a:r>
             <a:endParaRPr lang="de-DE" sz="1400" dirty="0">
               <a:solidFill>
                 <a:schemeClr val="bg1"/>
               </a:solidFill>
             </a:endParaRPr>
           </a:p>
-          <a:p>
-            <a:pPr marL="285750" indent="-285750" algn="l">
-              <a:buFont typeface="Wingdings" panose="05000000000000000000" pitchFamily="2" charset="2"/>
-              <a:buChar char="Ø"/>
-            </a:pPr>
-            <a:r>
-              <a:rPr lang="de-DE" sz="1400" dirty="0" err="1">
-                <a:solidFill>
-                  <a:schemeClr val="bg1"/>
+        </p:txBody>
+      </p:sp>
+      <p:sp>
+        <p:nvSpPr>
+          <p:cNvPr id="4" name="Title 1">
+            <a:extLst>
+              <a:ext uri="{FF2B5EF4-FFF2-40B4-BE49-F238E27FC236}">
+                <a16:creationId xmlns:a16="http://schemas.microsoft.com/office/drawing/2014/main" id="{419956CC-6CCA-7136-5B7E-1C561F950F13}"/>
+              </a:ext>
+            </a:extLst>
+          </p:cNvPr>
+          <p:cNvSpPr>
+            <a:spLocks noGrp="1"/>
+          </p:cNvSpPr>
+          <p:nvPr>
+            <p:ph type="ctrTitle"/>
+          </p:nvPr>
+        </p:nvSpPr>
+        <p:spPr>
+          <a:xfrm>
+            <a:off x="3015532" y="789231"/>
+            <a:ext cx="8625177" cy="1470025"/>
+          </a:xfrm>
+        </p:spPr>
+        <p:txBody>
+          <a:bodyPr>
+            <a:normAutofit fontScale="90000"/>
+          </a:bodyPr>
+          <a:lstStyle/>
+          <a:p>
+            <a:r>
+              <a:rPr dirty="0" err="1"/>
+              <a:t>Datenbereinigung</a:t>
+            </a:r>
+            <a:r>
+              <a:rPr dirty="0"/>
+              <a:t> in Power BI</a:t>
+            </a:r>
+            <a:r>
+              <a:rPr lang="de-DE" dirty="0"/>
+              <a:t>/power Query</a:t>
+            </a:r>
+            <a:endParaRPr dirty="0"/>
+          </a:p>
+        </p:txBody>
+      </p:sp>
+      <p:sp>
+        <p:nvSpPr>
+          <p:cNvPr id="9" name="Subtitle 2">
+            <a:extLst>
+              <a:ext uri="{FF2B5EF4-FFF2-40B4-BE49-F238E27FC236}">
+                <a16:creationId xmlns:a16="http://schemas.microsoft.com/office/drawing/2014/main" id="{D7F82147-89F5-993A-0ADB-D2447AB4618A}"/>
+              </a:ext>
+            </a:extLst>
+          </p:cNvPr>
+          <p:cNvSpPr>
+            <a:spLocks noGrp="1"/>
+          </p:cNvSpPr>
+          <p:nvPr>
+            <p:ph type="subTitle" idx="1"/>
+          </p:nvPr>
+        </p:nvSpPr>
+        <p:spPr>
+          <a:xfrm>
+            <a:off x="2755126" y="2337683"/>
+            <a:ext cx="8726557" cy="4412973"/>
+          </a:xfrm>
+        </p:spPr>
+        <p:txBody>
+          <a:bodyPr>
+            <a:normAutofit fontScale="85000" lnSpcReduction="20000"/>
+          </a:bodyPr>
+          <a:lstStyle/>
+          <a:p>
+            <a:pPr algn="l"/>
+            <a:r>
+              <a:rPr lang="de-DE" dirty="0"/>
+              <a:t>Datenanalyse in Power BI / Power Query</a:t>
+            </a:r>
+          </a:p>
+          <a:p>
+            <a:pPr lvl="1" algn="l"/>
+            <a:r>
+              <a:rPr lang="de-DE" dirty="0"/>
+              <a:t>Mehrere Einträge mit Datum im Oktober 2025</a:t>
+            </a:r>
+          </a:p>
+          <a:p>
+            <a:pPr lvl="1" algn="l"/>
+            <a:r>
+              <a:rPr lang="de-DE" dirty="0"/>
+              <a:t>5 Einträge haben eine leere (null) Kurs-ID</a:t>
+            </a:r>
+          </a:p>
+          <a:p>
+            <a:pPr lvl="1" algn="l"/>
+            <a:r>
+              <a:rPr lang="de-DE" dirty="0"/>
+              <a:t>Diese Werte sind fachlich falsch</a:t>
+            </a:r>
+          </a:p>
+          <a:p>
+            <a:pPr algn="l"/>
+            <a:r>
+              <a:rPr lang="de-DE" dirty="0"/>
+              <a:t>Kurs-ID ist für einige Tage im Oktober null</a:t>
+            </a:r>
+          </a:p>
+          <a:p>
+            <a:pPr lvl="1" algn="l"/>
+            <a:r>
+              <a:rPr lang="de-DE" dirty="0"/>
+              <a:t>Filter allein ändern keine Daten</a:t>
+            </a:r>
+          </a:p>
+          <a:p>
+            <a:pPr lvl="1" algn="l"/>
+            <a:r>
+              <a:rPr lang="de-DE" dirty="0"/>
+              <a:t>Bedingte Spalte (einfache UI) reicht nicht aus</a:t>
+            </a:r>
+          </a:p>
+          <a:p>
+            <a:pPr lvl="1" algn="l"/>
+            <a:r>
+              <a:rPr lang="de-DE" dirty="0"/>
+              <a:t>Gefahr von Datenverlust bei falscher Filter-Reihenfolge</a:t>
+            </a:r>
+          </a:p>
+          <a:p>
+            <a:pPr algn="l"/>
+            <a:r>
+              <a:rPr lang="de-DE" dirty="0"/>
+              <a:t>Nur die fehlerhaften Einträge korrigieren</a:t>
+            </a:r>
+          </a:p>
+          <a:p>
+            <a:pPr lvl="1" algn="l"/>
+            <a:r>
+              <a:rPr lang="de-DE" dirty="0"/>
+              <a:t>Änderung nur für Oktober 2025</a:t>
+            </a:r>
+          </a:p>
+          <a:p>
+            <a:pPr lvl="1" algn="l"/>
+            <a:r>
+              <a:rPr lang="de-DE" dirty="0"/>
+              <a:t>Nur wenn Kurs-ID = null</a:t>
+            </a:r>
+          </a:p>
+          <a:p>
+            <a:pPr lvl="1" algn="l"/>
+            <a:r>
+              <a:rPr lang="de-DE" dirty="0"/>
+              <a:t>Alle anderen Daten unverändert lassen</a:t>
+            </a:r>
+          </a:p>
+          <a:p>
+            <a:pPr algn="l"/>
+            <a:r>
+              <a:rPr lang="de-DE" dirty="0"/>
+              <a:t>Verwendung einer 'Benutzerdefinierten Spalte' (Custom </a:t>
+            </a:r>
+            <a:r>
+              <a:rPr lang="de-DE" dirty="0" err="1"/>
+              <a:t>Column</a:t>
+            </a:r>
+            <a:r>
+              <a:rPr lang="de-DE" dirty="0"/>
+              <a:t>)</a:t>
+            </a:r>
+          </a:p>
+          <a:p>
+            <a:pPr lvl="1" algn="l"/>
+            <a:r>
+              <a:rPr lang="de-DE" dirty="0"/>
+              <a:t>Logik wird eindeutig per M-Code definiert</a:t>
+            </a:r>
+          </a:p>
+          <a:p>
+            <a:pPr lvl="1" algn="l"/>
+            <a:r>
+              <a:rPr lang="de-DE" dirty="0"/>
+              <a:t>Keine Filter notwendig</a:t>
+            </a:r>
+          </a:p>
+          <a:p>
+            <a:pPr lvl="1" algn="l"/>
+            <a:r>
+              <a:rPr lang="de-DE" dirty="0"/>
+              <a:t>Reproduzierbare und sichere Datenbereinigung</a:t>
+            </a:r>
+          </a:p>
+          <a:p>
+            <a:pPr lvl="1" algn="l"/>
+            <a:endParaRPr lang="de-DE" dirty="0"/>
+          </a:p>
+          <a:p>
+            <a:pPr lvl="1"/>
+            <a:endParaRPr lang="de-DE" dirty="0"/>
+          </a:p>
+          <a:p>
+            <a:pPr lvl="1"/>
+            <a:endParaRPr lang="de-DE" dirty="0"/>
+          </a:p>
+        </p:txBody>
+      </p:sp>
+      <p:sp>
+        <p:nvSpPr>
+          <p:cNvPr id="11" name="Content Placeholder 2">
+            <a:extLst>
+              <a:ext uri="{FF2B5EF4-FFF2-40B4-BE49-F238E27FC236}">
+                <a16:creationId xmlns:a16="http://schemas.microsoft.com/office/drawing/2014/main" id="{6063772F-FFB3-A32B-6E82-05CFAC94982F}"/>
+              </a:ext>
+            </a:extLst>
+          </p:cNvPr>
+          <p:cNvSpPr txBox="1">
+            <a:spLocks/>
+          </p:cNvSpPr>
+          <p:nvPr/>
+        </p:nvSpPr>
+        <p:spPr>
+          <a:xfrm>
+            <a:off x="4000831" y="259624"/>
+            <a:ext cx="5978056" cy="827450"/>
+          </a:xfrm>
+          <a:prstGeom prst="rect">
+            <a:avLst/>
+          </a:prstGeom>
+        </p:spPr>
+        <p:txBody>
+          <a:bodyPr vert="horz" lIns="91440" tIns="45720" rIns="91440" bIns="45720" rtlCol="0">
+            <a:normAutofit/>
+          </a:bodyPr>
+          <a:lstStyle>
+            <a:lvl1pPr marL="0" indent="0" algn="ctr" defTabSz="914400" rtl="0" eaLnBrk="1" latinLnBrk="0" hangingPunct="1">
+              <a:lnSpc>
+                <a:spcPct val="90000"/>
+              </a:lnSpc>
+              <a:spcBef>
+                <a:spcPts val="1000"/>
+              </a:spcBef>
+              <a:buFont typeface="Arial" panose="020B0604020202020204" pitchFamily="34" charset="0"/>
+              <a:buNone/>
+              <a:defRPr sz="2400" kern="1200">
+                <a:solidFill>
+                  <a:schemeClr val="tx1"/>
+                </a:solidFill>
+                <a:latin typeface="+mn-lt"/>
+                <a:ea typeface="+mn-ea"/>
+                <a:cs typeface="+mn-cs"/>
+              </a:defRPr>
+            </a:lvl1pPr>
+            <a:lvl2pPr marL="457200" indent="0" algn="ctr" defTabSz="914400" rtl="0" eaLnBrk="1" latinLnBrk="0" hangingPunct="1">
+              <a:lnSpc>
+                <a:spcPct val="90000"/>
+              </a:lnSpc>
+              <a:spcBef>
+                <a:spcPts val="500"/>
+              </a:spcBef>
+              <a:buFont typeface="Arial" panose="020B0604020202020204" pitchFamily="34" charset="0"/>
+              <a:buNone/>
+              <a:defRPr sz="2000" kern="1200">
+                <a:solidFill>
+                  <a:schemeClr val="tx1"/>
+                </a:solidFill>
+                <a:latin typeface="+mn-lt"/>
+                <a:ea typeface="+mn-ea"/>
+                <a:cs typeface="+mn-cs"/>
+              </a:defRPr>
+            </a:lvl2pPr>
+            <a:lvl3pPr marL="914400" indent="0" algn="ctr" defTabSz="914400" rtl="0" eaLnBrk="1" latinLnBrk="0" hangingPunct="1">
+              <a:lnSpc>
+                <a:spcPct val="90000"/>
+              </a:lnSpc>
+              <a:spcBef>
+                <a:spcPts val="500"/>
+              </a:spcBef>
+              <a:buFont typeface="Arial" panose="020B0604020202020204" pitchFamily="34" charset="0"/>
+              <a:buNone/>
+              <a:defRPr sz="1800" kern="1200">
+                <a:solidFill>
+                  <a:schemeClr val="tx1"/>
+                </a:solidFill>
+                <a:latin typeface="+mn-lt"/>
+                <a:ea typeface="+mn-ea"/>
+                <a:cs typeface="+mn-cs"/>
+              </a:defRPr>
+            </a:lvl3pPr>
+            <a:lvl4pPr marL="1371600" indent="0" algn="ctr" defTabSz="914400" rtl="0" eaLnBrk="1" latinLnBrk="0" hangingPunct="1">
+              <a:lnSpc>
+                <a:spcPct val="90000"/>
+              </a:lnSpc>
+              <a:spcBef>
+                <a:spcPts val="500"/>
+              </a:spcBef>
+              <a:buFont typeface="Arial" panose="020B0604020202020204" pitchFamily="34" charset="0"/>
+              <a:buNone/>
+              <a:defRPr sz="1600" kern="1200">
+                <a:solidFill>
+                  <a:schemeClr val="tx1"/>
+                </a:solidFill>
+                <a:latin typeface="+mn-lt"/>
+                <a:ea typeface="+mn-ea"/>
+                <a:cs typeface="+mn-cs"/>
+              </a:defRPr>
+            </a:lvl4pPr>
+            <a:lvl5pPr marL="1828800" indent="0" algn="ctr" defTabSz="914400" rtl="0" eaLnBrk="1" latinLnBrk="0" hangingPunct="1">
+              <a:lnSpc>
+                <a:spcPct val="90000"/>
+              </a:lnSpc>
+              <a:spcBef>
+                <a:spcPts val="500"/>
+              </a:spcBef>
+              <a:buFont typeface="Arial" panose="020B0604020202020204" pitchFamily="34" charset="0"/>
+              <a:buNone/>
+              <a:defRPr sz="1600" kern="1200">
+                <a:solidFill>
+                  <a:schemeClr val="tx1"/>
+                </a:solidFill>
+                <a:latin typeface="+mn-lt"/>
+                <a:ea typeface="+mn-ea"/>
+                <a:cs typeface="+mn-cs"/>
+              </a:defRPr>
+            </a:lvl5pPr>
+            <a:lvl6pPr marL="2286000" indent="0" algn="ctr" defTabSz="914400" rtl="0" eaLnBrk="1" latinLnBrk="0" hangingPunct="1">
+              <a:lnSpc>
+                <a:spcPct val="90000"/>
+              </a:lnSpc>
+              <a:spcBef>
+                <a:spcPts val="500"/>
+              </a:spcBef>
+              <a:buFont typeface="Arial" panose="020B0604020202020204" pitchFamily="34" charset="0"/>
+              <a:buNone/>
+              <a:defRPr sz="1600" kern="1200">
+                <a:solidFill>
+                  <a:schemeClr val="tx1"/>
+                </a:solidFill>
+                <a:latin typeface="+mn-lt"/>
+                <a:ea typeface="+mn-ea"/>
+                <a:cs typeface="+mn-cs"/>
+              </a:defRPr>
+            </a:lvl6pPr>
+            <a:lvl7pPr marL="2743200" indent="0" algn="ctr" defTabSz="914400" rtl="0" eaLnBrk="1" latinLnBrk="0" hangingPunct="1">
+              <a:lnSpc>
+                <a:spcPct val="90000"/>
+              </a:lnSpc>
+              <a:spcBef>
+                <a:spcPts val="500"/>
+              </a:spcBef>
+              <a:buFont typeface="Arial" panose="020B0604020202020204" pitchFamily="34" charset="0"/>
+              <a:buNone/>
+              <a:defRPr sz="1600" kern="1200">
+                <a:solidFill>
+                  <a:schemeClr val="tx1"/>
+                </a:solidFill>
+                <a:latin typeface="+mn-lt"/>
+                <a:ea typeface="+mn-ea"/>
+                <a:cs typeface="+mn-cs"/>
+              </a:defRPr>
+            </a:lvl7pPr>
+            <a:lvl8pPr marL="3200400" indent="0" algn="ctr" defTabSz="914400" rtl="0" eaLnBrk="1" latinLnBrk="0" hangingPunct="1">
+              <a:lnSpc>
+                <a:spcPct val="90000"/>
+              </a:lnSpc>
+              <a:spcBef>
+                <a:spcPts val="500"/>
+              </a:spcBef>
+              <a:buFont typeface="Arial" panose="020B0604020202020204" pitchFamily="34" charset="0"/>
+              <a:buNone/>
+              <a:defRPr sz="1600" kern="1200">
+                <a:solidFill>
+                  <a:schemeClr val="tx1"/>
+                </a:solidFill>
+                <a:latin typeface="+mn-lt"/>
+                <a:ea typeface="+mn-ea"/>
+                <a:cs typeface="+mn-cs"/>
+              </a:defRPr>
+            </a:lvl8pPr>
+            <a:lvl9pPr marL="3657600" indent="0" algn="ctr" defTabSz="914400" rtl="0" eaLnBrk="1" latinLnBrk="0" hangingPunct="1">
+              <a:lnSpc>
+                <a:spcPct val="90000"/>
+              </a:lnSpc>
+              <a:spcBef>
+                <a:spcPts val="500"/>
+              </a:spcBef>
+              <a:buFont typeface="Arial" panose="020B0604020202020204" pitchFamily="34" charset="0"/>
+              <a:buNone/>
+              <a:defRPr sz="1600" kern="1200">
+                <a:solidFill>
+                  <a:schemeClr val="tx1"/>
+                </a:solidFill>
+                <a:latin typeface="+mn-lt"/>
+                <a:ea typeface="+mn-ea"/>
+                <a:cs typeface="+mn-cs"/>
+              </a:defRPr>
+            </a:lvl9pPr>
+          </a:lstStyle>
+          <a:p>
+            <a:r>
+              <a:rPr lang="de-DE" sz="3600" dirty="0">
+                <a:solidFill>
+                  <a:srgbClr val="FF0000"/>
                 </a:solidFill>
               </a:rPr>
-              <a:t>Dim_Datum</a:t>
-            </a:r>
-            <a:endParaRPr lang="de-DE" sz="1400" dirty="0">
-              <a:solidFill>
-                <a:schemeClr val="bg1"/>
-              </a:solidFill>
-            </a:endParaRPr>
-          </a:p>
-          <a:p>
-            <a:pPr marL="285750" indent="-285750" algn="l">
-              <a:buFont typeface="Wingdings" panose="05000000000000000000" pitchFamily="2" charset="2"/>
-              <a:buChar char="Ø"/>
-            </a:pPr>
-            <a:r>
-              <a:rPr lang="de-DE" sz="1400" dirty="0" err="1">
-                <a:solidFill>
-                  <a:schemeClr val="bg1"/>
-                </a:solidFill>
-              </a:rPr>
-              <a:t>Dim_Zeit</a:t>
-            </a:r>
-            <a:endParaRPr lang="de-DE" sz="1400" dirty="0">
-              <a:solidFill>
-                <a:schemeClr val="bg1"/>
-              </a:solidFill>
-            </a:endParaRPr>
-          </a:p>
-          <a:p>
-            <a:pPr marL="285750" indent="-285750" algn="l">
-              <a:buFont typeface="Wingdings" panose="05000000000000000000" pitchFamily="2" charset="2"/>
-              <a:buChar char="Ø"/>
-            </a:pPr>
-            <a:r>
-              <a:rPr lang="de-DE" sz="1400" dirty="0">
-                <a:solidFill>
-                  <a:schemeClr val="bg1"/>
-                </a:solidFill>
-              </a:rPr>
-              <a:t>Star Schema</a:t>
+              <a:t>NICHT FERTIG</a:t>
             </a:r>
           </a:p>
         </p:txBody>
@@ -10333,7 +14765,7 @@
     </p:spTree>
     <p:extLst>
       <p:ext uri="{BB962C8B-B14F-4D97-AF65-F5344CB8AC3E}">
-        <p14:creationId xmlns:p14="http://schemas.microsoft.com/office/powerpoint/2010/main" val="1760200925"/>
+        <p14:creationId xmlns:p14="http://schemas.microsoft.com/office/powerpoint/2010/main" val="3618547265"/>
       </p:ext>
     </p:extLst>
   </p:cSld>
